--- a/cv117_0 (1) (1) (1).pptx
+++ b/cv117_0 (1) (1) (1).pptx
@@ -1,23 +1,20 @@
 
 <file path=ppt/presentation.xml><?xml version="1.0" encoding="utf-8"?>
-<p:presentation xmlns:a="http://schemas.openxmlformats.org/drawingml/2006/main" xmlns:r="http://schemas.openxmlformats.org/officeDocument/2006/relationships" xmlns:p="http://schemas.openxmlformats.org/presentationml/2006/main" saveSubsetFonts="1" autoCompressPictures="0">
+<p:presentation xmlns:a="http://schemas.openxmlformats.org/drawingml/2006/main" xmlns:r="http://schemas.openxmlformats.org/officeDocument/2006/relationships" xmlns:p="http://schemas.openxmlformats.org/presentationml/2006/main" xmlns:m="http://schemas.openxmlformats.org/officeDocument/2006/math" xmlns:w="http://schemas.openxmlformats.org/wordprocessingml/2006/main" autoCompressPictures="0" saveSubsetFonts="1">
   <p:sldMasterIdLst>
     <p:sldMasterId id="2147483648" r:id="rId1"/>
   </p:sldMasterIdLst>
-  <p:notesMasterIdLst>
-    <p:notesMasterId r:id="rId3"/>
-  </p:notesMasterIdLst>
   <p:sldIdLst>
-    <p:sldId id="258" r:id="rId2"/>
+    <p:sldId id="256" r:id="rId3"/>
   </p:sldIdLst>
   <p:sldSz cx="7562850" cy="10688638"/>
-  <p:notesSz cx="6858000" cy="9144000"/>
+  <p:notesSz cx="10688638" cy="7562850"/>
   <p:defaultTextStyle>
     <a:defPPr>
       <a:defRPr lang="fr-FR"/>
     </a:defPPr>
-    <a:lvl1pPr marL="0" algn="l" defTabSz="457200" rtl="0" eaLnBrk="1" latinLnBrk="0" hangingPunct="1">
-      <a:defRPr sz="1800" kern="1200">
+    <a:lvl1pPr marL="0" algn="l" defTabSz="457200">
+      <a:defRPr sz="1800">
         <a:solidFill>
           <a:schemeClr val="tx1"/>
         </a:solidFill>
@@ -26,8 +23,8 @@
         <a:cs typeface="+mn-cs"/>
       </a:defRPr>
     </a:lvl1pPr>
-    <a:lvl2pPr marL="457200" algn="l" defTabSz="457200" rtl="0" eaLnBrk="1" latinLnBrk="0" hangingPunct="1">
-      <a:defRPr sz="1800" kern="1200">
+    <a:lvl2pPr marL="457200" algn="l" defTabSz="457200">
+      <a:defRPr sz="1800">
         <a:solidFill>
           <a:schemeClr val="tx1"/>
         </a:solidFill>
@@ -36,8 +33,8 @@
         <a:cs typeface="+mn-cs"/>
       </a:defRPr>
     </a:lvl2pPr>
-    <a:lvl3pPr marL="914400" algn="l" defTabSz="457200" rtl="0" eaLnBrk="1" latinLnBrk="0" hangingPunct="1">
-      <a:defRPr sz="1800" kern="1200">
+    <a:lvl3pPr marL="914400" algn="l" defTabSz="457200">
+      <a:defRPr sz="1800">
         <a:solidFill>
           <a:schemeClr val="tx1"/>
         </a:solidFill>
@@ -46,8 +43,8 @@
         <a:cs typeface="+mn-cs"/>
       </a:defRPr>
     </a:lvl3pPr>
-    <a:lvl4pPr marL="1371600" algn="l" defTabSz="457200" rtl="0" eaLnBrk="1" latinLnBrk="0" hangingPunct="1">
-      <a:defRPr sz="1800" kern="1200">
+    <a:lvl4pPr marL="1371600" algn="l" defTabSz="457200">
+      <a:defRPr sz="1800">
         <a:solidFill>
           <a:schemeClr val="tx1"/>
         </a:solidFill>
@@ -56,8 +53,8 @@
         <a:cs typeface="+mn-cs"/>
       </a:defRPr>
     </a:lvl4pPr>
-    <a:lvl5pPr marL="1828800" algn="l" defTabSz="457200" rtl="0" eaLnBrk="1" latinLnBrk="0" hangingPunct="1">
-      <a:defRPr sz="1800" kern="1200">
+    <a:lvl5pPr marL="1828800" algn="l" defTabSz="457200">
+      <a:defRPr sz="1800">
         <a:solidFill>
           <a:schemeClr val="tx1"/>
         </a:solidFill>
@@ -66,8 +63,8 @@
         <a:cs typeface="+mn-cs"/>
       </a:defRPr>
     </a:lvl5pPr>
-    <a:lvl6pPr marL="2286000" algn="l" defTabSz="457200" rtl="0" eaLnBrk="1" latinLnBrk="0" hangingPunct="1">
-      <a:defRPr sz="1800" kern="1200">
+    <a:lvl6pPr marL="2286000" algn="l" defTabSz="457200">
+      <a:defRPr sz="1800">
         <a:solidFill>
           <a:schemeClr val="tx1"/>
         </a:solidFill>
@@ -76,8 +73,8 @@
         <a:cs typeface="+mn-cs"/>
       </a:defRPr>
     </a:lvl6pPr>
-    <a:lvl7pPr marL="2743200" algn="l" defTabSz="457200" rtl="0" eaLnBrk="1" latinLnBrk="0" hangingPunct="1">
-      <a:defRPr sz="1800" kern="1200">
+    <a:lvl7pPr marL="2743200" algn="l" defTabSz="457200">
+      <a:defRPr sz="1800">
         <a:solidFill>
           <a:schemeClr val="tx1"/>
         </a:solidFill>
@@ -86,8 +83,8 @@
         <a:cs typeface="+mn-cs"/>
       </a:defRPr>
     </a:lvl7pPr>
-    <a:lvl8pPr marL="3200400" algn="l" defTabSz="457200" rtl="0" eaLnBrk="1" latinLnBrk="0" hangingPunct="1">
-      <a:defRPr sz="1800" kern="1200">
+    <a:lvl8pPr marL="3200400" algn="l" defTabSz="457200">
+      <a:defRPr sz="1800">
         <a:solidFill>
           <a:schemeClr val="tx1"/>
         </a:solidFill>
@@ -96,8 +93,8 @@
         <a:cs typeface="+mn-cs"/>
       </a:defRPr>
     </a:lvl8pPr>
-    <a:lvl9pPr marL="3657600" algn="l" defTabSz="457200" rtl="0" eaLnBrk="1" latinLnBrk="0" hangingPunct="1">
-      <a:defRPr sz="1800" kern="1200">
+    <a:lvl9pPr marL="3657600" algn="l" defTabSz="457200">
+      <a:defRPr sz="1800">
         <a:solidFill>
           <a:schemeClr val="tx1"/>
         </a:solidFill>
@@ -107,40 +104,19 @@
       </a:defRPr>
     </a:lvl9pPr>
   </p:defaultTextStyle>
-  <p:extLst>
-    <p:ext uri="{EFAFB233-063F-42B5-8137-9DF3F51BA10A}">
-      <p15:sldGuideLst xmlns:p15="http://schemas.microsoft.com/office/powerpoint/2012/main">
-        <p15:guide id="1" orient="horz" pos="3367">
-          <p15:clr>
-            <a:srgbClr val="A4A3A4"/>
-          </p15:clr>
-        </p15:guide>
-        <p15:guide id="2" pos="2382">
-          <p15:clr>
-            <a:srgbClr val="A4A3A4"/>
-          </p15:clr>
-        </p15:guide>
-      </p15:sldGuideLst>
-    </p:ext>
-  </p:extLst>
 </p:presentation>
 </file>
 
-<file path=ppt/notesMasters/notesMaster1.xml><?xml version="1.0" encoding="utf-8"?>
-<p:notesMaster xmlns:a="http://schemas.openxmlformats.org/drawingml/2006/main" xmlns:r="http://schemas.openxmlformats.org/officeDocument/2006/relationships" xmlns:p="http://schemas.openxmlformats.org/presentationml/2006/main">
-  <p:cSld>
-    <p:bg>
-      <p:bgRef idx="1001">
-        <a:schemeClr val="bg1"/>
-      </p:bgRef>
-    </p:bg>
+<file path=ppt/slideLayouts/slideLayout1.xml><?xml version="1.0" encoding="utf-8"?>
+<p:sldLayout xmlns:a="http://schemas.openxmlformats.org/drawingml/2006/main" xmlns:r="http://schemas.openxmlformats.org/officeDocument/2006/relationships" xmlns:p="http://schemas.openxmlformats.org/presentationml/2006/main" xmlns:m="http://schemas.openxmlformats.org/officeDocument/2006/math" xmlns:w="http://schemas.openxmlformats.org/wordprocessingml/2006/main" matchingName="" preserve="1" showMasterPhAnim="0" type="title" userDrawn="1">
+  <p:cSld name="Diapositive de titre">
     <p:spTree>
       <p:nvGrpSpPr>
-        <p:cNvPr id="1" name=""/>
+        <p:cNvPr id="1" name="" hidden="0"/>
         <p:cNvGrpSpPr/>
-        <p:nvPr/>
+        <p:nvPr isPhoto="0" userDrawn="0"/>
       </p:nvGrpSpPr>
-      <p:grpSpPr>
+      <p:grpSpPr bwMode="auto">
         <a:xfrm>
           <a:off x="0" y="0"/>
           <a:ext cx="0" cy="0"/>
@@ -150,467 +126,46 @@
       </p:grpSpPr>
       <p:sp>
         <p:nvSpPr>
-          <p:cNvPr id="2" name="Header Placeholder 1"/>
+          <p:cNvPr id="4" name="Titre 1" hidden="0"/>
           <p:cNvSpPr>
             <a:spLocks noGrp="1"/>
           </p:cNvSpPr>
-          <p:nvPr>
-            <p:ph type="hdr" sz="quarter"/>
+          <p:nvPr isPhoto="0" userDrawn="0">
+            <p:ph type="ctrTitle" hasCustomPrompt="0"/>
           </p:nvPr>
         </p:nvSpPr>
-        <p:spPr>
-          <a:xfrm>
-            <a:off x="0" y="0"/>
-            <a:ext cx="2971800" cy="458788"/>
-          </a:xfrm>
-          <a:prstGeom prst="rect">
-            <a:avLst/>
-          </a:prstGeom>
-        </p:spPr>
-        <p:txBody>
-          <a:bodyPr vert="horz" lIns="91440" tIns="45720" rIns="91440" bIns="45720" rtlCol="0"/>
-          <a:lstStyle>
-            <a:lvl1pPr algn="l">
-              <a:defRPr sz="1200"/>
-            </a:lvl1pPr>
-          </a:lstStyle>
-          <a:p>
-            <a:endParaRPr lang="en-US"/>
-          </a:p>
-        </p:txBody>
-      </p:sp>
-      <p:sp>
-        <p:nvSpPr>
-          <p:cNvPr id="3" name="Date Placeholder 2"/>
+        <p:spPr bwMode="auto">
+          <a:xfrm>
+            <a:off x="567214" y="3320407"/>
+            <a:ext cx="6428423" cy="2291129"/>
+          </a:xfrm>
+        </p:spPr>
+        <p:txBody>
+          <a:bodyPr/>
+          <a:lstStyle/>
+          <a:p>
+            <a:pPr>
+              <a:defRPr/>
+            </a:pPr>
+            <a:r>
+              <a:rPr lang="fr-FR"/>
+              <a:t>Cliquez et modifiez le titre</a:t>
+            </a:r>
+            <a:endParaRPr/>
+          </a:p>
+        </p:txBody>
+      </p:sp>
+      <p:sp>
+        <p:nvSpPr>
+          <p:cNvPr id="5" name="Sous-titre 2" hidden="0"/>
           <p:cNvSpPr>
             <a:spLocks noGrp="1"/>
           </p:cNvSpPr>
-          <p:nvPr>
-            <p:ph type="dt" idx="1"/>
+          <p:nvPr isPhoto="0" userDrawn="0">
+            <p:ph type="subTitle" idx="1" hasCustomPrompt="0"/>
           </p:nvPr>
         </p:nvSpPr>
-        <p:spPr>
-          <a:xfrm>
-            <a:off x="3884613" y="0"/>
-            <a:ext cx="2971800" cy="458788"/>
-          </a:xfrm>
-          <a:prstGeom prst="rect">
-            <a:avLst/>
-          </a:prstGeom>
-        </p:spPr>
-        <p:txBody>
-          <a:bodyPr vert="horz" lIns="91440" tIns="45720" rIns="91440" bIns="45720" rtlCol="0"/>
-          <a:lstStyle>
-            <a:lvl1pPr algn="r">
-              <a:defRPr sz="1200"/>
-            </a:lvl1pPr>
-          </a:lstStyle>
-          <a:p>
-            <a:fld id="{6BFF9852-8A9D-FA43-9BC6-1FE6D867865C}" type="datetimeFigureOut">
-              <a:t>21/02/2019</a:t>
-            </a:fld>
-            <a:endParaRPr lang="en-US"/>
-          </a:p>
-        </p:txBody>
-      </p:sp>
-      <p:sp>
-        <p:nvSpPr>
-          <p:cNvPr id="4" name="Slide Image Placeholder 3"/>
-          <p:cNvSpPr>
-            <a:spLocks noGrp="1" noRot="1" noChangeAspect="1"/>
-          </p:cNvSpPr>
-          <p:nvPr>
-            <p:ph type="sldImg" idx="2"/>
-          </p:nvPr>
-        </p:nvSpPr>
-        <p:spPr>
-          <a:xfrm>
-            <a:off x="2336800" y="1143000"/>
-            <a:ext cx="2184400" cy="3086100"/>
-          </a:xfrm>
-          <a:prstGeom prst="rect">
-            <a:avLst/>
-          </a:prstGeom>
-          <a:noFill/>
-          <a:ln w="12700">
-            <a:solidFill>
-              <a:prstClr val="black"/>
-            </a:solidFill>
-          </a:ln>
-        </p:spPr>
-        <p:txBody>
-          <a:bodyPr vert="horz" lIns="91440" tIns="45720" rIns="91440" bIns="45720" rtlCol="0" anchor="ctr"/>
-          <a:lstStyle/>
-          <a:p>
-            <a:endParaRPr lang="en-US"/>
-          </a:p>
-        </p:txBody>
-      </p:sp>
-      <p:sp>
-        <p:nvSpPr>
-          <p:cNvPr id="5" name="Notes Placeholder 4"/>
-          <p:cNvSpPr>
-            <a:spLocks noGrp="1"/>
-          </p:cNvSpPr>
-          <p:nvPr>
-            <p:ph type="body" sz="quarter" idx="3"/>
-          </p:nvPr>
-        </p:nvSpPr>
-        <p:spPr>
-          <a:xfrm>
-            <a:off x="685800" y="4400550"/>
-            <a:ext cx="5486400" cy="3600450"/>
-          </a:xfrm>
-          <a:prstGeom prst="rect">
-            <a:avLst/>
-          </a:prstGeom>
-        </p:spPr>
-        <p:txBody>
-          <a:bodyPr vert="horz" lIns="91440" tIns="45720" rIns="91440" bIns="45720" rtlCol="0"/>
-          <a:lstStyle/>
-          <a:p>
-            <a:pPr lvl="0"/>
-            <a:r>
-              <a:rPr lang="en-US"/>
-              <a:t>Click to edit Master text styles</a:t>
-            </a:r>
-          </a:p>
-          <a:p>
-            <a:pPr lvl="1"/>
-            <a:r>
-              <a:rPr lang="en-US"/>
-              <a:t>Second level</a:t>
-            </a:r>
-          </a:p>
-          <a:p>
-            <a:pPr lvl="2"/>
-            <a:r>
-              <a:rPr lang="en-US"/>
-              <a:t>Third level</a:t>
-            </a:r>
-          </a:p>
-          <a:p>
-            <a:pPr lvl="3"/>
-            <a:r>
-              <a:rPr lang="en-US"/>
-              <a:t>Fourth level</a:t>
-            </a:r>
-          </a:p>
-          <a:p>
-            <a:pPr lvl="4"/>
-            <a:r>
-              <a:rPr lang="en-US"/>
-              <a:t>Fifth level</a:t>
-            </a:r>
-          </a:p>
-        </p:txBody>
-      </p:sp>
-      <p:sp>
-        <p:nvSpPr>
-          <p:cNvPr id="6" name="Footer Placeholder 5"/>
-          <p:cNvSpPr>
-            <a:spLocks noGrp="1"/>
-          </p:cNvSpPr>
-          <p:nvPr>
-            <p:ph type="ftr" sz="quarter" idx="4"/>
-          </p:nvPr>
-        </p:nvSpPr>
-        <p:spPr>
-          <a:xfrm>
-            <a:off x="0" y="8685213"/>
-            <a:ext cx="2971800" cy="458787"/>
-          </a:xfrm>
-          <a:prstGeom prst="rect">
-            <a:avLst/>
-          </a:prstGeom>
-        </p:spPr>
-        <p:txBody>
-          <a:bodyPr vert="horz" lIns="91440" tIns="45720" rIns="91440" bIns="45720" rtlCol="0" anchor="b"/>
-          <a:lstStyle>
-            <a:lvl1pPr algn="l">
-              <a:defRPr sz="1200"/>
-            </a:lvl1pPr>
-          </a:lstStyle>
-          <a:p>
-            <a:endParaRPr lang="en-US"/>
-          </a:p>
-        </p:txBody>
-      </p:sp>
-      <p:sp>
-        <p:nvSpPr>
-          <p:cNvPr id="7" name="Slide Number Placeholder 6"/>
-          <p:cNvSpPr>
-            <a:spLocks noGrp="1"/>
-          </p:cNvSpPr>
-          <p:nvPr>
-            <p:ph type="sldNum" sz="quarter" idx="5"/>
-          </p:nvPr>
-        </p:nvSpPr>
-        <p:spPr>
-          <a:xfrm>
-            <a:off x="3884613" y="8685213"/>
-            <a:ext cx="2971800" cy="458787"/>
-          </a:xfrm>
-          <a:prstGeom prst="rect">
-            <a:avLst/>
-          </a:prstGeom>
-        </p:spPr>
-        <p:txBody>
-          <a:bodyPr vert="horz" lIns="91440" tIns="45720" rIns="91440" bIns="45720" rtlCol="0" anchor="b"/>
-          <a:lstStyle>
-            <a:lvl1pPr algn="r">
-              <a:defRPr sz="1200"/>
-            </a:lvl1pPr>
-          </a:lstStyle>
-          <a:p>
-            <a:fld id="{EC68FC55-56A1-8E40-9B86-97BA77CFC2EF}" type="slidenum">
-              <a:t>‹N°›</a:t>
-            </a:fld>
-            <a:endParaRPr lang="en-US"/>
-          </a:p>
-        </p:txBody>
-      </p:sp>
-    </p:spTree>
-    <p:extLst>
-      <p:ext uri="{BB962C8B-B14F-4D97-AF65-F5344CB8AC3E}">
-        <p14:creationId xmlns:p14="http://schemas.microsoft.com/office/powerpoint/2010/main" val="1740745922"/>
-      </p:ext>
-    </p:extLst>
-  </p:cSld>
-  <p:clrMap bg1="lt1" tx1="dk1" bg2="lt2" tx2="dk2" accent1="accent1" accent2="accent2" accent3="accent3" accent4="accent4" accent5="accent5" accent6="accent6" hlink="hlink" folHlink="folHlink"/>
-  <p:notesStyle>
-    <a:lvl1pPr marL="0" algn="l" defTabSz="914400" rtl="0" eaLnBrk="1" latinLnBrk="0" hangingPunct="1">
-      <a:defRPr sz="1200" kern="1200">
-        <a:solidFill>
-          <a:schemeClr val="tx1"/>
-        </a:solidFill>
-        <a:latin typeface="+mn-lt"/>
-        <a:ea typeface="+mn-ea"/>
-        <a:cs typeface="+mn-cs"/>
-      </a:defRPr>
-    </a:lvl1pPr>
-    <a:lvl2pPr marL="457200" algn="l" defTabSz="914400" rtl="0" eaLnBrk="1" latinLnBrk="0" hangingPunct="1">
-      <a:defRPr sz="1200" kern="1200">
-        <a:solidFill>
-          <a:schemeClr val="tx1"/>
-        </a:solidFill>
-        <a:latin typeface="+mn-lt"/>
-        <a:ea typeface="+mn-ea"/>
-        <a:cs typeface="+mn-cs"/>
-      </a:defRPr>
-    </a:lvl2pPr>
-    <a:lvl3pPr marL="914400" algn="l" defTabSz="914400" rtl="0" eaLnBrk="1" latinLnBrk="0" hangingPunct="1">
-      <a:defRPr sz="1200" kern="1200">
-        <a:solidFill>
-          <a:schemeClr val="tx1"/>
-        </a:solidFill>
-        <a:latin typeface="+mn-lt"/>
-        <a:ea typeface="+mn-ea"/>
-        <a:cs typeface="+mn-cs"/>
-      </a:defRPr>
-    </a:lvl3pPr>
-    <a:lvl4pPr marL="1371600" algn="l" defTabSz="914400" rtl="0" eaLnBrk="1" latinLnBrk="0" hangingPunct="1">
-      <a:defRPr sz="1200" kern="1200">
-        <a:solidFill>
-          <a:schemeClr val="tx1"/>
-        </a:solidFill>
-        <a:latin typeface="+mn-lt"/>
-        <a:ea typeface="+mn-ea"/>
-        <a:cs typeface="+mn-cs"/>
-      </a:defRPr>
-    </a:lvl4pPr>
-    <a:lvl5pPr marL="1828800" algn="l" defTabSz="914400" rtl="0" eaLnBrk="1" latinLnBrk="0" hangingPunct="1">
-      <a:defRPr sz="1200" kern="1200">
-        <a:solidFill>
-          <a:schemeClr val="tx1"/>
-        </a:solidFill>
-        <a:latin typeface="+mn-lt"/>
-        <a:ea typeface="+mn-ea"/>
-        <a:cs typeface="+mn-cs"/>
-      </a:defRPr>
-    </a:lvl5pPr>
-    <a:lvl6pPr marL="2286000" algn="l" defTabSz="914400" rtl="0" eaLnBrk="1" latinLnBrk="0" hangingPunct="1">
-      <a:defRPr sz="1200" kern="1200">
-        <a:solidFill>
-          <a:schemeClr val="tx1"/>
-        </a:solidFill>
-        <a:latin typeface="+mn-lt"/>
-        <a:ea typeface="+mn-ea"/>
-        <a:cs typeface="+mn-cs"/>
-      </a:defRPr>
-    </a:lvl6pPr>
-    <a:lvl7pPr marL="2743200" algn="l" defTabSz="914400" rtl="0" eaLnBrk="1" latinLnBrk="0" hangingPunct="1">
-      <a:defRPr sz="1200" kern="1200">
-        <a:solidFill>
-          <a:schemeClr val="tx1"/>
-        </a:solidFill>
-        <a:latin typeface="+mn-lt"/>
-        <a:ea typeface="+mn-ea"/>
-        <a:cs typeface="+mn-cs"/>
-      </a:defRPr>
-    </a:lvl7pPr>
-    <a:lvl8pPr marL="3200400" algn="l" defTabSz="914400" rtl="0" eaLnBrk="1" latinLnBrk="0" hangingPunct="1">
-      <a:defRPr sz="1200" kern="1200">
-        <a:solidFill>
-          <a:schemeClr val="tx1"/>
-        </a:solidFill>
-        <a:latin typeface="+mn-lt"/>
-        <a:ea typeface="+mn-ea"/>
-        <a:cs typeface="+mn-cs"/>
-      </a:defRPr>
-    </a:lvl8pPr>
-    <a:lvl9pPr marL="3657600" algn="l" defTabSz="914400" rtl="0" eaLnBrk="1" latinLnBrk="0" hangingPunct="1">
-      <a:defRPr sz="1200" kern="1200">
-        <a:solidFill>
-          <a:schemeClr val="tx1"/>
-        </a:solidFill>
-        <a:latin typeface="+mn-lt"/>
-        <a:ea typeface="+mn-ea"/>
-        <a:cs typeface="+mn-cs"/>
-      </a:defRPr>
-    </a:lvl9pPr>
-  </p:notesStyle>
-</p:notesMaster>
-</file>
-
-<file path=ppt/notesSlides/notesSlide1.xml><?xml version="1.0" encoding="utf-8"?>
-<p:notes xmlns:a="http://schemas.openxmlformats.org/drawingml/2006/main" xmlns:r="http://schemas.openxmlformats.org/officeDocument/2006/relationships" xmlns:p="http://schemas.openxmlformats.org/presentationml/2006/main">
-  <p:cSld>
-    <p:spTree>
-      <p:nvGrpSpPr>
-        <p:cNvPr id="1" name=""/>
-        <p:cNvGrpSpPr/>
-        <p:nvPr/>
-      </p:nvGrpSpPr>
-      <p:grpSpPr>
-        <a:xfrm>
-          <a:off x="0" y="0"/>
-          <a:ext cx="0" cy="0"/>
-          <a:chOff x="0" y="0"/>
-          <a:chExt cx="0" cy="0"/>
-        </a:xfrm>
-      </p:grpSpPr>
-      <p:sp>
-        <p:nvSpPr>
-          <p:cNvPr id="2" name="Slide Image Placeholder 1"/>
-          <p:cNvSpPr>
-            <a:spLocks noGrp="1" noRot="1" noChangeAspect="1"/>
-          </p:cNvSpPr>
-          <p:nvPr>
-            <p:ph type="sldImg"/>
-          </p:nvPr>
-        </p:nvSpPr>
-        <p:spPr/>
-      </p:sp>
-      <p:sp>
-        <p:nvSpPr>
-          <p:cNvPr id="3" name="Notes Placeholder 2"/>
-          <p:cNvSpPr>
-            <a:spLocks noGrp="1"/>
-          </p:cNvSpPr>
-          <p:nvPr>
-            <p:ph type="body" idx="1"/>
-          </p:nvPr>
-        </p:nvSpPr>
-        <p:spPr/>
-        <p:txBody>
-          <a:bodyPr/>
-          <a:lstStyle/>
-          <a:p>
-            <a:endParaRPr lang="en-US"/>
-          </a:p>
-        </p:txBody>
-      </p:sp>
-      <p:sp>
-        <p:nvSpPr>
-          <p:cNvPr id="4" name="Slide Number Placeholder 3"/>
-          <p:cNvSpPr>
-            <a:spLocks noGrp="1"/>
-          </p:cNvSpPr>
-          <p:nvPr>
-            <p:ph type="sldNum" sz="quarter" idx="10"/>
-          </p:nvPr>
-        </p:nvSpPr>
-        <p:spPr/>
-        <p:txBody>
-          <a:bodyPr/>
-          <a:lstStyle/>
-          <a:p>
-            <a:fld id="{EC68FC55-56A1-8E40-9B86-97BA77CFC2EF}" type="slidenum">
-              <a:t>1</a:t>
-            </a:fld>
-            <a:endParaRPr lang="en-US"/>
-          </a:p>
-        </p:txBody>
-      </p:sp>
-    </p:spTree>
-    <p:extLst>
-      <p:ext uri="{BB962C8B-B14F-4D97-AF65-F5344CB8AC3E}">
-        <p14:creationId xmlns:p14="http://schemas.microsoft.com/office/powerpoint/2010/main" val="1546987973"/>
-      </p:ext>
-    </p:extLst>
-  </p:cSld>
-  <p:clrMapOvr>
-    <a:masterClrMapping/>
-  </p:clrMapOvr>
-</p:notes>
-</file>
-
-<file path=ppt/slideLayouts/slideLayout1.xml><?xml version="1.0" encoding="utf-8"?>
-<p:sldLayout xmlns:a="http://schemas.openxmlformats.org/drawingml/2006/main" xmlns:r="http://schemas.openxmlformats.org/officeDocument/2006/relationships" xmlns:p="http://schemas.openxmlformats.org/presentationml/2006/main" type="title" preserve="1">
-  <p:cSld name="Diapositive de titre">
-    <p:spTree>
-      <p:nvGrpSpPr>
-        <p:cNvPr id="1" name=""/>
-        <p:cNvGrpSpPr/>
-        <p:nvPr/>
-      </p:nvGrpSpPr>
-      <p:grpSpPr>
-        <a:xfrm>
-          <a:off x="0" y="0"/>
-          <a:ext cx="0" cy="0"/>
-          <a:chOff x="0" y="0"/>
-          <a:chExt cx="0" cy="0"/>
-        </a:xfrm>
-      </p:grpSpPr>
-      <p:sp>
-        <p:nvSpPr>
-          <p:cNvPr id="2" name="Titre 1"/>
-          <p:cNvSpPr>
-            <a:spLocks noGrp="1"/>
-          </p:cNvSpPr>
-          <p:nvPr>
-            <p:ph type="ctrTitle"/>
-          </p:nvPr>
-        </p:nvSpPr>
-        <p:spPr>
-          <a:xfrm>
-            <a:off x="567214" y="3320407"/>
-            <a:ext cx="6428423" cy="2291129"/>
-          </a:xfrm>
-        </p:spPr>
-        <p:txBody>
-          <a:bodyPr/>
-          <a:lstStyle/>
-          <a:p>
-            <a:r>
-              <a:rPr lang="fr-FR"/>
-              <a:t>Cliquez et modifiez le titre</a:t>
-            </a:r>
-          </a:p>
-        </p:txBody>
-      </p:sp>
-      <p:sp>
-        <p:nvSpPr>
-          <p:cNvPr id="3" name="Sous-titre 2"/>
-          <p:cNvSpPr>
-            <a:spLocks noGrp="1"/>
-          </p:cNvSpPr>
-          <p:nvPr>
-            <p:ph type="subTitle" idx="1"/>
-          </p:nvPr>
-        </p:nvSpPr>
-        <p:spPr>
+        <p:spPr bwMode="auto">
           <a:xfrm>
             <a:off x="1134428" y="6056895"/>
             <a:ext cx="5293995" cy="2731541"/>
@@ -711,30 +266,36 @@
             </a:lvl9pPr>
           </a:lstStyle>
           <a:p>
+            <a:pPr>
+              <a:defRPr/>
+            </a:pPr>
             <a:r>
               <a:rPr lang="fr-FR"/>
               <a:t>Cliquez pour modifier le style des sous-titres du masque</a:t>
             </a:r>
-          </a:p>
-        </p:txBody>
-      </p:sp>
-      <p:sp>
-        <p:nvSpPr>
-          <p:cNvPr id="4" name="Espace réservé de la date 3"/>
+            <a:endParaRPr/>
+          </a:p>
+        </p:txBody>
+      </p:sp>
+      <p:sp>
+        <p:nvSpPr>
+          <p:cNvPr id="6" name="Espace réservé de la date 3" hidden="0"/>
           <p:cNvSpPr>
             <a:spLocks noGrp="1"/>
           </p:cNvSpPr>
-          <p:nvPr>
-            <p:ph type="dt" sz="half" idx="10"/>
+          <p:nvPr isPhoto="0" userDrawn="0">
+            <p:ph type="dt" sz="half" idx="10" hasCustomPrompt="0"/>
           </p:nvPr>
         </p:nvSpPr>
-        <p:spPr/>
+        <p:spPr bwMode="auto"/>
         <p:txBody>
           <a:bodyPr/>
           <a:lstStyle/>
           <a:p>
+            <a:pPr>
+              <a:defRPr/>
+            </a:pPr>
             <a:fld id="{8CF0904D-930F-FD46-A326-BF7152BF9E0A}" type="datetimeFigureOut">
-              <a:rPr lang="fr-FR" smtClean="0"/>
               <a:t>21/02/2019</a:t>
             </a:fld>
             <a:endParaRPr lang="fr-FR"/>
@@ -743,40 +304,45 @@
       </p:sp>
       <p:sp>
         <p:nvSpPr>
-          <p:cNvPr id="5" name="Espace réservé du pied de page 4"/>
+          <p:cNvPr id="7" name="Espace réservé du pied de page 4" hidden="0"/>
           <p:cNvSpPr>
             <a:spLocks noGrp="1"/>
           </p:cNvSpPr>
-          <p:nvPr>
-            <p:ph type="ftr" sz="quarter" idx="11"/>
+          <p:nvPr isPhoto="0" userDrawn="0">
+            <p:ph type="ftr" sz="quarter" idx="11" hasCustomPrompt="0"/>
           </p:nvPr>
         </p:nvSpPr>
-        <p:spPr/>
+        <p:spPr bwMode="auto"/>
         <p:txBody>
           <a:bodyPr/>
           <a:lstStyle/>
           <a:p>
+            <a:pPr>
+              <a:defRPr/>
+            </a:pPr>
             <a:endParaRPr lang="fr-FR"/>
           </a:p>
         </p:txBody>
       </p:sp>
       <p:sp>
         <p:nvSpPr>
-          <p:cNvPr id="6" name="Espace réservé du numéro de diapositive 5"/>
+          <p:cNvPr id="8" name="Espace réservé du numéro de diapositive 5" hidden="0"/>
           <p:cNvSpPr>
             <a:spLocks noGrp="1"/>
           </p:cNvSpPr>
-          <p:nvPr>
-            <p:ph type="sldNum" sz="quarter" idx="12"/>
+          <p:nvPr isPhoto="0" userDrawn="0">
+            <p:ph type="sldNum" sz="quarter" idx="12" hasCustomPrompt="0"/>
           </p:nvPr>
         </p:nvSpPr>
-        <p:spPr/>
+        <p:spPr bwMode="auto"/>
         <p:txBody>
           <a:bodyPr/>
           <a:lstStyle/>
           <a:p>
+            <a:pPr>
+              <a:defRPr/>
+            </a:pPr>
             <a:fld id="{5F2BAB27-56FE-0F4B-AD23-F85EC639443E}" type="slidenum">
-              <a:rPr lang="fr-FR" smtClean="0"/>
               <a:t>‹N°›</a:t>
             </a:fld>
             <a:endParaRPr lang="fr-FR"/>
@@ -784,28 +350,24 @@
         </p:txBody>
       </p:sp>
     </p:spTree>
-    <p:extLst>
-      <p:ext uri="{BB962C8B-B14F-4D97-AF65-F5344CB8AC3E}">
-        <p14:creationId xmlns:p14="http://schemas.microsoft.com/office/powerpoint/2010/main" val="3068178951"/>
-      </p:ext>
-    </p:extLst>
   </p:cSld>
   <p:clrMapOvr>
     <a:masterClrMapping/>
   </p:clrMapOvr>
+  <p:hf dt="1" ftr="1" hdr="1" sldNum="1"/>
 </p:sldLayout>
 </file>
 
 <file path=ppt/slideLayouts/slideLayout10.xml><?xml version="1.0" encoding="utf-8"?>
-<p:sldLayout xmlns:a="http://schemas.openxmlformats.org/drawingml/2006/main" xmlns:r="http://schemas.openxmlformats.org/officeDocument/2006/relationships" xmlns:p="http://schemas.openxmlformats.org/presentationml/2006/main" type="vertTx" preserve="1">
+<p:sldLayout xmlns:a="http://schemas.openxmlformats.org/drawingml/2006/main" xmlns:r="http://schemas.openxmlformats.org/officeDocument/2006/relationships" xmlns:p="http://schemas.openxmlformats.org/presentationml/2006/main" xmlns:m="http://schemas.openxmlformats.org/officeDocument/2006/math" xmlns:w="http://schemas.openxmlformats.org/wordprocessingml/2006/main" matchingName="" preserve="1" showMasterPhAnim="0" type="vertTx" userDrawn="1">
   <p:cSld name="Titre et texte vertical">
     <p:spTree>
       <p:nvGrpSpPr>
-        <p:cNvPr id="1" name=""/>
+        <p:cNvPr id="1" name="" hidden="0"/>
         <p:cNvGrpSpPr/>
-        <p:nvPr/>
+        <p:nvPr isPhoto="0" userDrawn="0"/>
       </p:nvGrpSpPr>
-      <p:grpSpPr>
+      <p:grpSpPr bwMode="auto">
         <a:xfrm>
           <a:off x="0" y="0"/>
           <a:ext cx="0" cy="0"/>
@@ -815,94 +377,115 @@
       </p:grpSpPr>
       <p:sp>
         <p:nvSpPr>
-          <p:cNvPr id="2" name="Titre 1"/>
+          <p:cNvPr id="4" name="Titre 1" hidden="0"/>
           <p:cNvSpPr>
             <a:spLocks noGrp="1"/>
           </p:cNvSpPr>
-          <p:nvPr>
-            <p:ph type="title"/>
+          <p:nvPr isPhoto="0" userDrawn="0">
+            <p:ph type="title" hasCustomPrompt="0"/>
           </p:nvPr>
         </p:nvSpPr>
-        <p:spPr/>
+        <p:spPr bwMode="auto"/>
         <p:txBody>
           <a:bodyPr/>
           <a:lstStyle/>
           <a:p>
+            <a:pPr>
+              <a:defRPr/>
+            </a:pPr>
             <a:r>
               <a:rPr lang="fr-FR"/>
               <a:t>Cliquez et modifiez le titre</a:t>
             </a:r>
-          </a:p>
-        </p:txBody>
-      </p:sp>
-      <p:sp>
-        <p:nvSpPr>
-          <p:cNvPr id="3" name="Espace réservé du texte vertical 2"/>
+            <a:endParaRPr/>
+          </a:p>
+        </p:txBody>
+      </p:sp>
+      <p:sp>
+        <p:nvSpPr>
+          <p:cNvPr id="5" name="Espace réservé du texte vertical 2" hidden="0"/>
           <p:cNvSpPr>
             <a:spLocks noGrp="1"/>
           </p:cNvSpPr>
-          <p:nvPr>
-            <p:ph type="body" orient="vert" idx="1"/>
+          <p:nvPr isPhoto="0" userDrawn="0">
+            <p:ph type="body" orient="vert" idx="1" hasCustomPrompt="0"/>
           </p:nvPr>
         </p:nvSpPr>
-        <p:spPr/>
+        <p:spPr bwMode="auto"/>
         <p:txBody>
           <a:bodyPr vert="eaVert"/>
           <a:lstStyle/>
           <a:p>
-            <a:pPr lvl="0"/>
+            <a:pPr lvl="0">
+              <a:defRPr/>
+            </a:pPr>
             <a:r>
               <a:rPr lang="fr-FR"/>
               <a:t>Cliquez pour modifier les styles du texte du masque</a:t>
             </a:r>
-          </a:p>
-          <a:p>
-            <a:pPr lvl="1"/>
+            <a:endParaRPr/>
+          </a:p>
+          <a:p>
+            <a:pPr lvl="1">
+              <a:defRPr/>
+            </a:pPr>
             <a:r>
               <a:rPr lang="fr-FR"/>
               <a:t>Deuxième niveau</a:t>
             </a:r>
-          </a:p>
-          <a:p>
-            <a:pPr lvl="2"/>
+            <a:endParaRPr/>
+          </a:p>
+          <a:p>
+            <a:pPr lvl="2">
+              <a:defRPr/>
+            </a:pPr>
             <a:r>
               <a:rPr lang="fr-FR"/>
               <a:t>Troisième niveau</a:t>
             </a:r>
-          </a:p>
-          <a:p>
-            <a:pPr lvl="3"/>
+            <a:endParaRPr/>
+          </a:p>
+          <a:p>
+            <a:pPr lvl="3">
+              <a:defRPr/>
+            </a:pPr>
             <a:r>
               <a:rPr lang="fr-FR"/>
               <a:t>Quatrième niveau</a:t>
             </a:r>
-          </a:p>
-          <a:p>
-            <a:pPr lvl="4"/>
+            <a:endParaRPr/>
+          </a:p>
+          <a:p>
+            <a:pPr lvl="4">
+              <a:defRPr/>
+            </a:pPr>
             <a:r>
               <a:rPr lang="fr-FR"/>
               <a:t>Cinquième niveau</a:t>
             </a:r>
-          </a:p>
-        </p:txBody>
-      </p:sp>
-      <p:sp>
-        <p:nvSpPr>
-          <p:cNvPr id="4" name="Espace réservé de la date 3"/>
+            <a:endParaRPr/>
+          </a:p>
+        </p:txBody>
+      </p:sp>
+      <p:sp>
+        <p:nvSpPr>
+          <p:cNvPr id="6" name="Espace réservé de la date 3" hidden="0"/>
           <p:cNvSpPr>
             <a:spLocks noGrp="1"/>
           </p:cNvSpPr>
-          <p:nvPr>
-            <p:ph type="dt" sz="half" idx="10"/>
+          <p:nvPr isPhoto="0" userDrawn="0">
+            <p:ph type="dt" sz="half" idx="10" hasCustomPrompt="0"/>
           </p:nvPr>
         </p:nvSpPr>
-        <p:spPr/>
+        <p:spPr bwMode="auto"/>
         <p:txBody>
           <a:bodyPr/>
           <a:lstStyle/>
           <a:p>
+            <a:pPr>
+              <a:defRPr/>
+            </a:pPr>
             <a:fld id="{8CF0904D-930F-FD46-A326-BF7152BF9E0A}" type="datetimeFigureOut">
-              <a:rPr lang="fr-FR" smtClean="0"/>
               <a:t>21/02/2019</a:t>
             </a:fld>
             <a:endParaRPr lang="fr-FR"/>
@@ -911,40 +494,45 @@
       </p:sp>
       <p:sp>
         <p:nvSpPr>
-          <p:cNvPr id="5" name="Espace réservé du pied de page 4"/>
+          <p:cNvPr id="7" name="Espace réservé du pied de page 4" hidden="0"/>
           <p:cNvSpPr>
             <a:spLocks noGrp="1"/>
           </p:cNvSpPr>
-          <p:nvPr>
-            <p:ph type="ftr" sz="quarter" idx="11"/>
+          <p:nvPr isPhoto="0" userDrawn="0">
+            <p:ph type="ftr" sz="quarter" idx="11" hasCustomPrompt="0"/>
           </p:nvPr>
         </p:nvSpPr>
-        <p:spPr/>
+        <p:spPr bwMode="auto"/>
         <p:txBody>
           <a:bodyPr/>
           <a:lstStyle/>
           <a:p>
+            <a:pPr>
+              <a:defRPr/>
+            </a:pPr>
             <a:endParaRPr lang="fr-FR"/>
           </a:p>
         </p:txBody>
       </p:sp>
       <p:sp>
         <p:nvSpPr>
-          <p:cNvPr id="6" name="Espace réservé du numéro de diapositive 5"/>
+          <p:cNvPr id="8" name="Espace réservé du numéro de diapositive 5" hidden="0"/>
           <p:cNvSpPr>
             <a:spLocks noGrp="1"/>
           </p:cNvSpPr>
-          <p:nvPr>
-            <p:ph type="sldNum" sz="quarter" idx="12"/>
+          <p:nvPr isPhoto="0" userDrawn="0">
+            <p:ph type="sldNum" sz="quarter" idx="12" hasCustomPrompt="0"/>
           </p:nvPr>
         </p:nvSpPr>
-        <p:spPr/>
+        <p:spPr bwMode="auto"/>
         <p:txBody>
           <a:bodyPr/>
           <a:lstStyle/>
           <a:p>
+            <a:pPr>
+              <a:defRPr/>
+            </a:pPr>
             <a:fld id="{5F2BAB27-56FE-0F4B-AD23-F85EC639443E}" type="slidenum">
-              <a:rPr lang="fr-FR" smtClean="0"/>
               <a:t>‹N°›</a:t>
             </a:fld>
             <a:endParaRPr lang="fr-FR"/>
@@ -952,28 +540,24 @@
         </p:txBody>
       </p:sp>
     </p:spTree>
-    <p:extLst>
-      <p:ext uri="{BB962C8B-B14F-4D97-AF65-F5344CB8AC3E}">
-        <p14:creationId xmlns:p14="http://schemas.microsoft.com/office/powerpoint/2010/main" val="1391079224"/>
-      </p:ext>
-    </p:extLst>
   </p:cSld>
   <p:clrMapOvr>
     <a:masterClrMapping/>
   </p:clrMapOvr>
+  <p:hf dt="1" ftr="1" hdr="1" sldNum="1"/>
 </p:sldLayout>
 </file>
 
 <file path=ppt/slideLayouts/slideLayout11.xml><?xml version="1.0" encoding="utf-8"?>
-<p:sldLayout xmlns:a="http://schemas.openxmlformats.org/drawingml/2006/main" xmlns:r="http://schemas.openxmlformats.org/officeDocument/2006/relationships" xmlns:p="http://schemas.openxmlformats.org/presentationml/2006/main" type="vertTitleAndTx" preserve="1">
+<p:sldLayout xmlns:a="http://schemas.openxmlformats.org/drawingml/2006/main" xmlns:r="http://schemas.openxmlformats.org/officeDocument/2006/relationships" xmlns:p="http://schemas.openxmlformats.org/presentationml/2006/main" xmlns:m="http://schemas.openxmlformats.org/officeDocument/2006/math" xmlns:w="http://schemas.openxmlformats.org/wordprocessingml/2006/main" matchingName="" preserve="1" showMasterPhAnim="0" type="vertTitleAndTx" userDrawn="1">
   <p:cSld name="Titre vertical et texte">
     <p:spTree>
       <p:nvGrpSpPr>
-        <p:cNvPr id="1" name=""/>
+        <p:cNvPr id="1" name="" hidden="0"/>
         <p:cNvGrpSpPr/>
-        <p:nvPr/>
+        <p:nvPr isPhoto="0" userDrawn="0"/>
       </p:nvGrpSpPr>
-      <p:grpSpPr>
+      <p:grpSpPr bwMode="auto">
         <a:xfrm>
           <a:off x="0" y="0"/>
           <a:ext cx="0" cy="0"/>
@@ -983,15 +567,15 @@
       </p:grpSpPr>
       <p:sp>
         <p:nvSpPr>
-          <p:cNvPr id="2" name="Titre vertical 1"/>
+          <p:cNvPr id="4" name="Titre vertical 1" hidden="0"/>
           <p:cNvSpPr>
             <a:spLocks noGrp="1"/>
           </p:cNvSpPr>
-          <p:nvPr>
-            <p:ph type="title" orient="vert"/>
+          <p:nvPr isPhoto="0" userDrawn="0">
+            <p:ph type="title" orient="vert" hasCustomPrompt="0"/>
           </p:nvPr>
         </p:nvSpPr>
-        <p:spPr>
+        <p:spPr bwMode="auto">
           <a:xfrm>
             <a:off x="4535084" y="668040"/>
             <a:ext cx="1407530" cy="14214405"/>
@@ -1001,86 +585,107 @@
           <a:bodyPr vert="eaVert"/>
           <a:lstStyle/>
           <a:p>
+            <a:pPr>
+              <a:defRPr/>
+            </a:pPr>
             <a:r>
               <a:rPr lang="fr-FR"/>
               <a:t>Cliquez et modifiez le titre</a:t>
             </a:r>
-          </a:p>
-        </p:txBody>
-      </p:sp>
-      <p:sp>
-        <p:nvSpPr>
-          <p:cNvPr id="3" name="Espace réservé du texte vertical 2"/>
+            <a:endParaRPr/>
+          </a:p>
+        </p:txBody>
+      </p:sp>
+      <p:sp>
+        <p:nvSpPr>
+          <p:cNvPr id="5" name="Espace réservé du texte vertical 2" hidden="0"/>
           <p:cNvSpPr>
             <a:spLocks noGrp="1"/>
           </p:cNvSpPr>
-          <p:nvPr>
-            <p:ph type="body" orient="vert" idx="1"/>
+          <p:nvPr isPhoto="0" userDrawn="0">
+            <p:ph type="body" orient="vert" idx="1" hasCustomPrompt="0"/>
           </p:nvPr>
         </p:nvSpPr>
-        <p:spPr>
+        <p:spPr bwMode="auto">
           <a:xfrm>
             <a:off x="312493" y="668040"/>
-            <a:ext cx="4096544" cy="14214405"/>
+            <a:ext cx="4096543" cy="14214405"/>
           </a:xfrm>
         </p:spPr>
         <p:txBody>
           <a:bodyPr vert="eaVert"/>
           <a:lstStyle/>
           <a:p>
-            <a:pPr lvl="0"/>
+            <a:pPr lvl="0">
+              <a:defRPr/>
+            </a:pPr>
             <a:r>
               <a:rPr lang="fr-FR"/>
               <a:t>Cliquez pour modifier les styles du texte du masque</a:t>
             </a:r>
-          </a:p>
-          <a:p>
-            <a:pPr lvl="1"/>
+            <a:endParaRPr/>
+          </a:p>
+          <a:p>
+            <a:pPr lvl="1">
+              <a:defRPr/>
+            </a:pPr>
             <a:r>
               <a:rPr lang="fr-FR"/>
               <a:t>Deuxième niveau</a:t>
             </a:r>
-          </a:p>
-          <a:p>
-            <a:pPr lvl="2"/>
+            <a:endParaRPr/>
+          </a:p>
+          <a:p>
+            <a:pPr lvl="2">
+              <a:defRPr/>
+            </a:pPr>
             <a:r>
               <a:rPr lang="fr-FR"/>
               <a:t>Troisième niveau</a:t>
             </a:r>
-          </a:p>
-          <a:p>
-            <a:pPr lvl="3"/>
+            <a:endParaRPr/>
+          </a:p>
+          <a:p>
+            <a:pPr lvl="3">
+              <a:defRPr/>
+            </a:pPr>
             <a:r>
               <a:rPr lang="fr-FR"/>
               <a:t>Quatrième niveau</a:t>
             </a:r>
-          </a:p>
-          <a:p>
-            <a:pPr lvl="4"/>
+            <a:endParaRPr/>
+          </a:p>
+          <a:p>
+            <a:pPr lvl="4">
+              <a:defRPr/>
+            </a:pPr>
             <a:r>
               <a:rPr lang="fr-FR"/>
               <a:t>Cinquième niveau</a:t>
             </a:r>
-          </a:p>
-        </p:txBody>
-      </p:sp>
-      <p:sp>
-        <p:nvSpPr>
-          <p:cNvPr id="4" name="Espace réservé de la date 3"/>
+            <a:endParaRPr/>
+          </a:p>
+        </p:txBody>
+      </p:sp>
+      <p:sp>
+        <p:nvSpPr>
+          <p:cNvPr id="6" name="Espace réservé de la date 3" hidden="0"/>
           <p:cNvSpPr>
             <a:spLocks noGrp="1"/>
           </p:cNvSpPr>
-          <p:nvPr>
-            <p:ph type="dt" sz="half" idx="10"/>
+          <p:nvPr isPhoto="0" userDrawn="0">
+            <p:ph type="dt" sz="half" idx="10" hasCustomPrompt="0"/>
           </p:nvPr>
         </p:nvSpPr>
-        <p:spPr/>
+        <p:spPr bwMode="auto"/>
         <p:txBody>
           <a:bodyPr/>
           <a:lstStyle/>
           <a:p>
+            <a:pPr>
+              <a:defRPr/>
+            </a:pPr>
             <a:fld id="{8CF0904D-930F-FD46-A326-BF7152BF9E0A}" type="datetimeFigureOut">
-              <a:rPr lang="fr-FR" smtClean="0"/>
               <a:t>21/02/2019</a:t>
             </a:fld>
             <a:endParaRPr lang="fr-FR"/>
@@ -1089,40 +694,45 @@
       </p:sp>
       <p:sp>
         <p:nvSpPr>
-          <p:cNvPr id="5" name="Espace réservé du pied de page 4"/>
+          <p:cNvPr id="7" name="Espace réservé du pied de page 4" hidden="0"/>
           <p:cNvSpPr>
             <a:spLocks noGrp="1"/>
           </p:cNvSpPr>
-          <p:nvPr>
-            <p:ph type="ftr" sz="quarter" idx="11"/>
+          <p:nvPr isPhoto="0" userDrawn="0">
+            <p:ph type="ftr" sz="quarter" idx="11" hasCustomPrompt="0"/>
           </p:nvPr>
         </p:nvSpPr>
-        <p:spPr/>
+        <p:spPr bwMode="auto"/>
         <p:txBody>
           <a:bodyPr/>
           <a:lstStyle/>
           <a:p>
+            <a:pPr>
+              <a:defRPr/>
+            </a:pPr>
             <a:endParaRPr lang="fr-FR"/>
           </a:p>
         </p:txBody>
       </p:sp>
       <p:sp>
         <p:nvSpPr>
-          <p:cNvPr id="6" name="Espace réservé du numéro de diapositive 5"/>
+          <p:cNvPr id="8" name="Espace réservé du numéro de diapositive 5" hidden="0"/>
           <p:cNvSpPr>
             <a:spLocks noGrp="1"/>
           </p:cNvSpPr>
-          <p:nvPr>
-            <p:ph type="sldNum" sz="quarter" idx="12"/>
+          <p:nvPr isPhoto="0" userDrawn="0">
+            <p:ph type="sldNum" sz="quarter" idx="12" hasCustomPrompt="0"/>
           </p:nvPr>
         </p:nvSpPr>
-        <p:spPr/>
+        <p:spPr bwMode="auto"/>
         <p:txBody>
           <a:bodyPr/>
           <a:lstStyle/>
           <a:p>
+            <a:pPr>
+              <a:defRPr/>
+            </a:pPr>
             <a:fld id="{5F2BAB27-56FE-0F4B-AD23-F85EC639443E}" type="slidenum">
-              <a:rPr lang="fr-FR" smtClean="0"/>
               <a:t>‹N°›</a:t>
             </a:fld>
             <a:endParaRPr lang="fr-FR"/>
@@ -1130,28 +740,24 @@
         </p:txBody>
       </p:sp>
     </p:spTree>
-    <p:extLst>
-      <p:ext uri="{BB962C8B-B14F-4D97-AF65-F5344CB8AC3E}">
-        <p14:creationId xmlns:p14="http://schemas.microsoft.com/office/powerpoint/2010/main" val="1804268557"/>
-      </p:ext>
-    </p:extLst>
   </p:cSld>
   <p:clrMapOvr>
     <a:masterClrMapping/>
   </p:clrMapOvr>
+  <p:hf dt="1" ftr="1" hdr="1" sldNum="1"/>
 </p:sldLayout>
 </file>
 
 <file path=ppt/slideLayouts/slideLayout2.xml><?xml version="1.0" encoding="utf-8"?>
-<p:sldLayout xmlns:a="http://schemas.openxmlformats.org/drawingml/2006/main" xmlns:r="http://schemas.openxmlformats.org/officeDocument/2006/relationships" xmlns:p="http://schemas.openxmlformats.org/presentationml/2006/main" type="obj" preserve="1">
+<p:sldLayout xmlns:a="http://schemas.openxmlformats.org/drawingml/2006/main" xmlns:r="http://schemas.openxmlformats.org/officeDocument/2006/relationships" xmlns:p="http://schemas.openxmlformats.org/presentationml/2006/main" xmlns:m="http://schemas.openxmlformats.org/officeDocument/2006/math" xmlns:w="http://schemas.openxmlformats.org/wordprocessingml/2006/main" matchingName="" preserve="1" showMasterPhAnim="0" type="obj" userDrawn="1">
   <p:cSld name="Titre et contenu">
     <p:spTree>
       <p:nvGrpSpPr>
-        <p:cNvPr id="1" name=""/>
+        <p:cNvPr id="1" name="" hidden="0"/>
         <p:cNvGrpSpPr/>
-        <p:nvPr/>
+        <p:nvPr isPhoto="0" userDrawn="0"/>
       </p:nvGrpSpPr>
-      <p:grpSpPr>
+      <p:grpSpPr bwMode="auto">
         <a:xfrm>
           <a:off x="0" y="0"/>
           <a:ext cx="0" cy="0"/>
@@ -1161,94 +767,115 @@
       </p:grpSpPr>
       <p:sp>
         <p:nvSpPr>
-          <p:cNvPr id="2" name="Titre 1"/>
+          <p:cNvPr id="4" name="Titre 1" hidden="0"/>
           <p:cNvSpPr>
             <a:spLocks noGrp="1"/>
           </p:cNvSpPr>
-          <p:nvPr>
-            <p:ph type="title"/>
+          <p:nvPr isPhoto="0" userDrawn="0">
+            <p:ph type="title" hasCustomPrompt="0"/>
           </p:nvPr>
         </p:nvSpPr>
-        <p:spPr/>
+        <p:spPr bwMode="auto"/>
         <p:txBody>
           <a:bodyPr/>
           <a:lstStyle/>
           <a:p>
+            <a:pPr>
+              <a:defRPr/>
+            </a:pPr>
             <a:r>
               <a:rPr lang="fr-FR"/>
               <a:t>Cliquez et modifiez le titre</a:t>
             </a:r>
-          </a:p>
-        </p:txBody>
-      </p:sp>
-      <p:sp>
-        <p:nvSpPr>
-          <p:cNvPr id="3" name="Espace réservé du contenu 2"/>
+            <a:endParaRPr/>
+          </a:p>
+        </p:txBody>
+      </p:sp>
+      <p:sp>
+        <p:nvSpPr>
+          <p:cNvPr id="5" name="Espace réservé du contenu 2" hidden="0"/>
           <p:cNvSpPr>
             <a:spLocks noGrp="1"/>
           </p:cNvSpPr>
-          <p:nvPr>
-            <p:ph idx="1"/>
+          <p:nvPr isPhoto="0" userDrawn="0">
+            <p:ph idx="1" hasCustomPrompt="0"/>
           </p:nvPr>
         </p:nvSpPr>
-        <p:spPr/>
+        <p:spPr bwMode="auto"/>
         <p:txBody>
           <a:bodyPr/>
           <a:lstStyle/>
           <a:p>
-            <a:pPr lvl="0"/>
+            <a:pPr lvl="0">
+              <a:defRPr/>
+            </a:pPr>
             <a:r>
               <a:rPr lang="fr-FR"/>
               <a:t>Cliquez pour modifier les styles du texte du masque</a:t>
             </a:r>
-          </a:p>
-          <a:p>
-            <a:pPr lvl="1"/>
+            <a:endParaRPr/>
+          </a:p>
+          <a:p>
+            <a:pPr lvl="1">
+              <a:defRPr/>
+            </a:pPr>
             <a:r>
               <a:rPr lang="fr-FR"/>
               <a:t>Deuxième niveau</a:t>
             </a:r>
-          </a:p>
-          <a:p>
-            <a:pPr lvl="2"/>
+            <a:endParaRPr/>
+          </a:p>
+          <a:p>
+            <a:pPr lvl="2">
+              <a:defRPr/>
+            </a:pPr>
             <a:r>
               <a:rPr lang="fr-FR"/>
               <a:t>Troisième niveau</a:t>
             </a:r>
-          </a:p>
-          <a:p>
-            <a:pPr lvl="3"/>
+            <a:endParaRPr/>
+          </a:p>
+          <a:p>
+            <a:pPr lvl="3">
+              <a:defRPr/>
+            </a:pPr>
             <a:r>
               <a:rPr lang="fr-FR"/>
               <a:t>Quatrième niveau</a:t>
             </a:r>
-          </a:p>
-          <a:p>
-            <a:pPr lvl="4"/>
+            <a:endParaRPr/>
+          </a:p>
+          <a:p>
+            <a:pPr lvl="4">
+              <a:defRPr/>
+            </a:pPr>
             <a:r>
               <a:rPr lang="fr-FR"/>
               <a:t>Cinquième niveau</a:t>
             </a:r>
-          </a:p>
-        </p:txBody>
-      </p:sp>
-      <p:sp>
-        <p:nvSpPr>
-          <p:cNvPr id="4" name="Espace réservé de la date 3"/>
+            <a:endParaRPr/>
+          </a:p>
+        </p:txBody>
+      </p:sp>
+      <p:sp>
+        <p:nvSpPr>
+          <p:cNvPr id="6" name="Espace réservé de la date 3" hidden="0"/>
           <p:cNvSpPr>
             <a:spLocks noGrp="1"/>
           </p:cNvSpPr>
-          <p:nvPr>
-            <p:ph type="dt" sz="half" idx="10"/>
+          <p:nvPr isPhoto="0" userDrawn="0">
+            <p:ph type="dt" sz="half" idx="10" hasCustomPrompt="0"/>
           </p:nvPr>
         </p:nvSpPr>
-        <p:spPr/>
+        <p:spPr bwMode="auto"/>
         <p:txBody>
           <a:bodyPr/>
           <a:lstStyle/>
           <a:p>
+            <a:pPr>
+              <a:defRPr/>
+            </a:pPr>
             <a:fld id="{8CF0904D-930F-FD46-A326-BF7152BF9E0A}" type="datetimeFigureOut">
-              <a:rPr lang="fr-FR" smtClean="0"/>
               <a:t>21/02/2019</a:t>
             </a:fld>
             <a:endParaRPr lang="fr-FR"/>
@@ -1257,40 +884,45 @@
       </p:sp>
       <p:sp>
         <p:nvSpPr>
-          <p:cNvPr id="5" name="Espace réservé du pied de page 4"/>
+          <p:cNvPr id="7" name="Espace réservé du pied de page 4" hidden="0"/>
           <p:cNvSpPr>
             <a:spLocks noGrp="1"/>
           </p:cNvSpPr>
-          <p:nvPr>
-            <p:ph type="ftr" sz="quarter" idx="11"/>
+          <p:nvPr isPhoto="0" userDrawn="0">
+            <p:ph type="ftr" sz="quarter" idx="11" hasCustomPrompt="0"/>
           </p:nvPr>
         </p:nvSpPr>
-        <p:spPr/>
+        <p:spPr bwMode="auto"/>
         <p:txBody>
           <a:bodyPr/>
           <a:lstStyle/>
           <a:p>
+            <a:pPr>
+              <a:defRPr/>
+            </a:pPr>
             <a:endParaRPr lang="fr-FR"/>
           </a:p>
         </p:txBody>
       </p:sp>
       <p:sp>
         <p:nvSpPr>
-          <p:cNvPr id="6" name="Espace réservé du numéro de diapositive 5"/>
+          <p:cNvPr id="8" name="Espace réservé du numéro de diapositive 5" hidden="0"/>
           <p:cNvSpPr>
             <a:spLocks noGrp="1"/>
           </p:cNvSpPr>
-          <p:nvPr>
-            <p:ph type="sldNum" sz="quarter" idx="12"/>
+          <p:nvPr isPhoto="0" userDrawn="0">
+            <p:ph type="sldNum" sz="quarter" idx="12" hasCustomPrompt="0"/>
           </p:nvPr>
         </p:nvSpPr>
-        <p:spPr/>
+        <p:spPr bwMode="auto"/>
         <p:txBody>
           <a:bodyPr/>
           <a:lstStyle/>
           <a:p>
+            <a:pPr>
+              <a:defRPr/>
+            </a:pPr>
             <a:fld id="{5F2BAB27-56FE-0F4B-AD23-F85EC639443E}" type="slidenum">
-              <a:rPr lang="fr-FR" smtClean="0"/>
               <a:t>‹N°›</a:t>
             </a:fld>
             <a:endParaRPr lang="fr-FR"/>
@@ -1298,28 +930,24 @@
         </p:txBody>
       </p:sp>
     </p:spTree>
-    <p:extLst>
-      <p:ext uri="{BB962C8B-B14F-4D97-AF65-F5344CB8AC3E}">
-        <p14:creationId xmlns:p14="http://schemas.microsoft.com/office/powerpoint/2010/main" val="385820403"/>
-      </p:ext>
-    </p:extLst>
   </p:cSld>
   <p:clrMapOvr>
     <a:masterClrMapping/>
   </p:clrMapOvr>
+  <p:hf dt="1" ftr="1" hdr="1" sldNum="1"/>
 </p:sldLayout>
 </file>
 
 <file path=ppt/slideLayouts/slideLayout3.xml><?xml version="1.0" encoding="utf-8"?>
-<p:sldLayout xmlns:a="http://schemas.openxmlformats.org/drawingml/2006/main" xmlns:r="http://schemas.openxmlformats.org/officeDocument/2006/relationships" xmlns:p="http://schemas.openxmlformats.org/presentationml/2006/main" type="secHead" preserve="1">
+<p:sldLayout xmlns:a="http://schemas.openxmlformats.org/drawingml/2006/main" xmlns:r="http://schemas.openxmlformats.org/officeDocument/2006/relationships" xmlns:p="http://schemas.openxmlformats.org/presentationml/2006/main" xmlns:m="http://schemas.openxmlformats.org/officeDocument/2006/math" xmlns:w="http://schemas.openxmlformats.org/wordprocessingml/2006/main" matchingName="" preserve="1" showMasterPhAnim="0" type="secHead" userDrawn="1">
   <p:cSld name="En-tête de section">
     <p:spTree>
       <p:nvGrpSpPr>
-        <p:cNvPr id="1" name=""/>
+        <p:cNvPr id="1" name="" hidden="0"/>
         <p:cNvGrpSpPr/>
-        <p:nvPr/>
+        <p:nvPr isPhoto="0" userDrawn="0"/>
       </p:nvGrpSpPr>
-      <p:grpSpPr>
+      <p:grpSpPr bwMode="auto">
         <a:xfrm>
           <a:off x="0" y="0"/>
           <a:ext cx="0" cy="0"/>
@@ -1329,15 +957,15 @@
       </p:grpSpPr>
       <p:sp>
         <p:nvSpPr>
-          <p:cNvPr id="2" name="Titre 1"/>
+          <p:cNvPr id="4" name="Titre 1" hidden="0"/>
           <p:cNvSpPr>
             <a:spLocks noGrp="1"/>
           </p:cNvSpPr>
-          <p:nvPr>
-            <p:ph type="title"/>
+          <p:nvPr isPhoto="0" userDrawn="0">
+            <p:ph type="title" hasCustomPrompt="0"/>
           </p:nvPr>
         </p:nvSpPr>
-        <p:spPr>
+        <p:spPr bwMode="auto">
           <a:xfrm>
             <a:off x="597413" y="6868441"/>
             <a:ext cx="6428423" cy="2122882"/>
@@ -1351,24 +979,28 @@
             </a:lvl1pPr>
           </a:lstStyle>
           <a:p>
+            <a:pPr>
+              <a:defRPr/>
+            </a:pPr>
             <a:r>
               <a:rPr lang="fr-FR"/>
               <a:t>Cliquez et modifiez le titre</a:t>
             </a:r>
-          </a:p>
-        </p:txBody>
-      </p:sp>
-      <p:sp>
-        <p:nvSpPr>
-          <p:cNvPr id="3" name="Espace réservé du texte 2"/>
+            <a:endParaRPr/>
+          </a:p>
+        </p:txBody>
+      </p:sp>
+      <p:sp>
+        <p:nvSpPr>
+          <p:cNvPr id="5" name="Espace réservé du texte 2" hidden="0"/>
           <p:cNvSpPr>
             <a:spLocks noGrp="1"/>
           </p:cNvSpPr>
-          <p:nvPr>
-            <p:ph type="body" idx="1"/>
+          <p:nvPr isPhoto="0" userDrawn="0">
+            <p:ph type="body" idx="1" hasCustomPrompt="0"/>
           </p:nvPr>
         </p:nvSpPr>
-        <p:spPr>
+        <p:spPr bwMode="auto">
           <a:xfrm>
             <a:off x="597413" y="4530301"/>
             <a:ext cx="6428423" cy="2338139"/>
@@ -1469,31 +1101,36 @@
             </a:lvl9pPr>
           </a:lstStyle>
           <a:p>
-            <a:pPr lvl="0"/>
+            <a:pPr lvl="0">
+              <a:defRPr/>
+            </a:pPr>
             <a:r>
               <a:rPr lang="fr-FR"/>
               <a:t>Cliquez pour modifier les styles du texte du masque</a:t>
             </a:r>
-          </a:p>
-        </p:txBody>
-      </p:sp>
-      <p:sp>
-        <p:nvSpPr>
-          <p:cNvPr id="4" name="Espace réservé de la date 3"/>
+            <a:endParaRPr/>
+          </a:p>
+        </p:txBody>
+      </p:sp>
+      <p:sp>
+        <p:nvSpPr>
+          <p:cNvPr id="6" name="Espace réservé de la date 3" hidden="0"/>
           <p:cNvSpPr>
             <a:spLocks noGrp="1"/>
           </p:cNvSpPr>
-          <p:nvPr>
-            <p:ph type="dt" sz="half" idx="10"/>
+          <p:nvPr isPhoto="0" userDrawn="0">
+            <p:ph type="dt" sz="half" idx="10" hasCustomPrompt="0"/>
           </p:nvPr>
         </p:nvSpPr>
-        <p:spPr/>
+        <p:spPr bwMode="auto"/>
         <p:txBody>
           <a:bodyPr/>
           <a:lstStyle/>
           <a:p>
+            <a:pPr>
+              <a:defRPr/>
+            </a:pPr>
             <a:fld id="{8CF0904D-930F-FD46-A326-BF7152BF9E0A}" type="datetimeFigureOut">
-              <a:rPr lang="fr-FR" smtClean="0"/>
               <a:t>21/02/2019</a:t>
             </a:fld>
             <a:endParaRPr lang="fr-FR"/>
@@ -1502,40 +1139,45 @@
       </p:sp>
       <p:sp>
         <p:nvSpPr>
-          <p:cNvPr id="5" name="Espace réservé du pied de page 4"/>
+          <p:cNvPr id="7" name="Espace réservé du pied de page 4" hidden="0"/>
           <p:cNvSpPr>
             <a:spLocks noGrp="1"/>
           </p:cNvSpPr>
-          <p:nvPr>
-            <p:ph type="ftr" sz="quarter" idx="11"/>
+          <p:nvPr isPhoto="0" userDrawn="0">
+            <p:ph type="ftr" sz="quarter" idx="11" hasCustomPrompt="0"/>
           </p:nvPr>
         </p:nvSpPr>
-        <p:spPr/>
+        <p:spPr bwMode="auto"/>
         <p:txBody>
           <a:bodyPr/>
           <a:lstStyle/>
           <a:p>
+            <a:pPr>
+              <a:defRPr/>
+            </a:pPr>
             <a:endParaRPr lang="fr-FR"/>
           </a:p>
         </p:txBody>
       </p:sp>
       <p:sp>
         <p:nvSpPr>
-          <p:cNvPr id="6" name="Espace réservé du numéro de diapositive 5"/>
+          <p:cNvPr id="8" name="Espace réservé du numéro de diapositive 5" hidden="0"/>
           <p:cNvSpPr>
             <a:spLocks noGrp="1"/>
           </p:cNvSpPr>
-          <p:nvPr>
-            <p:ph type="sldNum" sz="quarter" idx="12"/>
+          <p:nvPr isPhoto="0" userDrawn="0">
+            <p:ph type="sldNum" sz="quarter" idx="12" hasCustomPrompt="0"/>
           </p:nvPr>
         </p:nvSpPr>
-        <p:spPr/>
+        <p:spPr bwMode="auto"/>
         <p:txBody>
           <a:bodyPr/>
           <a:lstStyle/>
           <a:p>
+            <a:pPr>
+              <a:defRPr/>
+            </a:pPr>
             <a:fld id="{5F2BAB27-56FE-0F4B-AD23-F85EC639443E}" type="slidenum">
-              <a:rPr lang="fr-FR" smtClean="0"/>
               <a:t>‹N°›</a:t>
             </a:fld>
             <a:endParaRPr lang="fr-FR"/>
@@ -1543,28 +1185,24 @@
         </p:txBody>
       </p:sp>
     </p:spTree>
-    <p:extLst>
-      <p:ext uri="{BB962C8B-B14F-4D97-AF65-F5344CB8AC3E}">
-        <p14:creationId xmlns:p14="http://schemas.microsoft.com/office/powerpoint/2010/main" val="3916584431"/>
-      </p:ext>
-    </p:extLst>
   </p:cSld>
   <p:clrMapOvr>
     <a:masterClrMapping/>
   </p:clrMapOvr>
+  <p:hf dt="1" ftr="1" hdr="1" sldNum="1"/>
 </p:sldLayout>
 </file>
 
 <file path=ppt/slideLayouts/slideLayout4.xml><?xml version="1.0" encoding="utf-8"?>
-<p:sldLayout xmlns:a="http://schemas.openxmlformats.org/drawingml/2006/main" xmlns:r="http://schemas.openxmlformats.org/officeDocument/2006/relationships" xmlns:p="http://schemas.openxmlformats.org/presentationml/2006/main" type="twoObj" preserve="1">
+<p:sldLayout xmlns:a="http://schemas.openxmlformats.org/drawingml/2006/main" xmlns:r="http://schemas.openxmlformats.org/officeDocument/2006/relationships" xmlns:p="http://schemas.openxmlformats.org/presentationml/2006/main" xmlns:m="http://schemas.openxmlformats.org/officeDocument/2006/math" xmlns:w="http://schemas.openxmlformats.org/wordprocessingml/2006/main" matchingName="" preserve="1" showMasterPhAnim="0" type="twoObj" userDrawn="1">
   <p:cSld name="Deux contenus">
     <p:spTree>
       <p:nvGrpSpPr>
-        <p:cNvPr id="1" name=""/>
+        <p:cNvPr id="1" name="" hidden="0"/>
         <p:cNvGrpSpPr/>
-        <p:nvPr/>
+        <p:nvPr isPhoto="0" userDrawn="0"/>
       </p:nvGrpSpPr>
-      <p:grpSpPr>
+      <p:grpSpPr bwMode="auto">
         <a:xfrm>
           <a:off x="0" y="0"/>
           <a:ext cx="0" cy="0"/>
@@ -1574,37 +1212,41 @@
       </p:grpSpPr>
       <p:sp>
         <p:nvSpPr>
-          <p:cNvPr id="2" name="Titre 1"/>
+          <p:cNvPr id="4" name="Titre 1" hidden="0"/>
           <p:cNvSpPr>
             <a:spLocks noGrp="1"/>
           </p:cNvSpPr>
-          <p:nvPr>
-            <p:ph type="title"/>
+          <p:nvPr isPhoto="0" userDrawn="0">
+            <p:ph type="title" hasCustomPrompt="0"/>
           </p:nvPr>
         </p:nvSpPr>
-        <p:spPr/>
+        <p:spPr bwMode="auto"/>
         <p:txBody>
           <a:bodyPr/>
           <a:lstStyle/>
           <a:p>
+            <a:pPr>
+              <a:defRPr/>
+            </a:pPr>
             <a:r>
               <a:rPr lang="fr-FR"/>
               <a:t>Cliquez et modifiez le titre</a:t>
             </a:r>
-          </a:p>
-        </p:txBody>
-      </p:sp>
-      <p:sp>
-        <p:nvSpPr>
-          <p:cNvPr id="3" name="Espace réservé du contenu 2"/>
+            <a:endParaRPr/>
+          </a:p>
+        </p:txBody>
+      </p:sp>
+      <p:sp>
+        <p:nvSpPr>
+          <p:cNvPr id="5" name="Espace réservé du contenu 2" hidden="0"/>
           <p:cNvSpPr>
             <a:spLocks noGrp="1"/>
           </p:cNvSpPr>
-          <p:nvPr>
-            <p:ph sz="half" idx="1"/>
+          <p:nvPr isPhoto="0" userDrawn="0">
+            <p:ph sz="half" idx="1" hasCustomPrompt="0"/>
           </p:nvPr>
         </p:nvSpPr>
-        <p:spPr>
+        <p:spPr bwMode="auto">
           <a:xfrm>
             <a:off x="312493" y="3887003"/>
             <a:ext cx="2752037" cy="10995441"/>
@@ -1642,53 +1284,68 @@
             </a:lvl9pPr>
           </a:lstStyle>
           <a:p>
-            <a:pPr lvl="0"/>
+            <a:pPr lvl="0">
+              <a:defRPr/>
+            </a:pPr>
             <a:r>
               <a:rPr lang="fr-FR"/>
               <a:t>Cliquez pour modifier les styles du texte du masque</a:t>
             </a:r>
-          </a:p>
-          <a:p>
-            <a:pPr lvl="1"/>
+            <a:endParaRPr/>
+          </a:p>
+          <a:p>
+            <a:pPr lvl="1">
+              <a:defRPr/>
+            </a:pPr>
             <a:r>
               <a:rPr lang="fr-FR"/>
               <a:t>Deuxième niveau</a:t>
             </a:r>
-          </a:p>
-          <a:p>
-            <a:pPr lvl="2"/>
+            <a:endParaRPr/>
+          </a:p>
+          <a:p>
+            <a:pPr lvl="2">
+              <a:defRPr/>
+            </a:pPr>
             <a:r>
               <a:rPr lang="fr-FR"/>
               <a:t>Troisième niveau</a:t>
             </a:r>
-          </a:p>
-          <a:p>
-            <a:pPr lvl="3"/>
+            <a:endParaRPr/>
+          </a:p>
+          <a:p>
+            <a:pPr lvl="3">
+              <a:defRPr/>
+            </a:pPr>
             <a:r>
               <a:rPr lang="fr-FR"/>
               <a:t>Quatrième niveau</a:t>
             </a:r>
-          </a:p>
-          <a:p>
-            <a:pPr lvl="4"/>
+            <a:endParaRPr/>
+          </a:p>
+          <a:p>
+            <a:pPr lvl="4">
+              <a:defRPr/>
+            </a:pPr>
             <a:r>
               <a:rPr lang="fr-FR"/>
               <a:t>Cinquième niveau</a:t>
             </a:r>
-          </a:p>
-        </p:txBody>
-      </p:sp>
-      <p:sp>
-        <p:nvSpPr>
-          <p:cNvPr id="4" name="Espace réservé du contenu 3"/>
+            <a:endParaRPr/>
+          </a:p>
+        </p:txBody>
+      </p:sp>
+      <p:sp>
+        <p:nvSpPr>
+          <p:cNvPr id="6" name="Espace réservé du contenu 3" hidden="0"/>
           <p:cNvSpPr>
             <a:spLocks noGrp="1"/>
           </p:cNvSpPr>
-          <p:nvPr>
-            <p:ph sz="half" idx="2"/>
+          <p:nvPr isPhoto="0" userDrawn="0">
+            <p:ph sz="half" idx="2" hasCustomPrompt="0"/>
           </p:nvPr>
         </p:nvSpPr>
-        <p:spPr>
+        <p:spPr bwMode="auto">
           <a:xfrm>
             <a:off x="3190577" y="3887003"/>
             <a:ext cx="2752037" cy="10995441"/>
@@ -1726,59 +1383,76 @@
             </a:lvl9pPr>
           </a:lstStyle>
           <a:p>
-            <a:pPr lvl="0"/>
+            <a:pPr lvl="0">
+              <a:defRPr/>
+            </a:pPr>
             <a:r>
               <a:rPr lang="fr-FR"/>
               <a:t>Cliquez pour modifier les styles du texte du masque</a:t>
             </a:r>
-          </a:p>
-          <a:p>
-            <a:pPr lvl="1"/>
+            <a:endParaRPr/>
+          </a:p>
+          <a:p>
+            <a:pPr lvl="1">
+              <a:defRPr/>
+            </a:pPr>
             <a:r>
               <a:rPr lang="fr-FR"/>
               <a:t>Deuxième niveau</a:t>
             </a:r>
-          </a:p>
-          <a:p>
-            <a:pPr lvl="2"/>
+            <a:endParaRPr/>
+          </a:p>
+          <a:p>
+            <a:pPr lvl="2">
+              <a:defRPr/>
+            </a:pPr>
             <a:r>
               <a:rPr lang="fr-FR"/>
               <a:t>Troisième niveau</a:t>
             </a:r>
-          </a:p>
-          <a:p>
-            <a:pPr lvl="3"/>
+            <a:endParaRPr/>
+          </a:p>
+          <a:p>
+            <a:pPr lvl="3">
+              <a:defRPr/>
+            </a:pPr>
             <a:r>
               <a:rPr lang="fr-FR"/>
               <a:t>Quatrième niveau</a:t>
             </a:r>
-          </a:p>
-          <a:p>
-            <a:pPr lvl="4"/>
+            <a:endParaRPr/>
+          </a:p>
+          <a:p>
+            <a:pPr lvl="4">
+              <a:defRPr/>
+            </a:pPr>
             <a:r>
               <a:rPr lang="fr-FR"/>
               <a:t>Cinquième niveau</a:t>
             </a:r>
-          </a:p>
-        </p:txBody>
-      </p:sp>
-      <p:sp>
-        <p:nvSpPr>
-          <p:cNvPr id="5" name="Espace réservé de la date 4"/>
+            <a:endParaRPr/>
+          </a:p>
+        </p:txBody>
+      </p:sp>
+      <p:sp>
+        <p:nvSpPr>
+          <p:cNvPr id="7" name="Espace réservé de la date 4" hidden="0"/>
           <p:cNvSpPr>
             <a:spLocks noGrp="1"/>
           </p:cNvSpPr>
-          <p:nvPr>
-            <p:ph type="dt" sz="half" idx="10"/>
+          <p:nvPr isPhoto="0" userDrawn="0">
+            <p:ph type="dt" sz="half" idx="10" hasCustomPrompt="0"/>
           </p:nvPr>
         </p:nvSpPr>
-        <p:spPr/>
+        <p:spPr bwMode="auto"/>
         <p:txBody>
           <a:bodyPr/>
           <a:lstStyle/>
           <a:p>
+            <a:pPr>
+              <a:defRPr/>
+            </a:pPr>
             <a:fld id="{8CF0904D-930F-FD46-A326-BF7152BF9E0A}" type="datetimeFigureOut">
-              <a:rPr lang="fr-FR" smtClean="0"/>
               <a:t>21/02/2019</a:t>
             </a:fld>
             <a:endParaRPr lang="fr-FR"/>
@@ -1787,40 +1461,45 @@
       </p:sp>
       <p:sp>
         <p:nvSpPr>
-          <p:cNvPr id="6" name="Espace réservé du pied de page 5"/>
+          <p:cNvPr id="8" name="Espace réservé du pied de page 5" hidden="0"/>
           <p:cNvSpPr>
             <a:spLocks noGrp="1"/>
           </p:cNvSpPr>
-          <p:nvPr>
-            <p:ph type="ftr" sz="quarter" idx="11"/>
+          <p:nvPr isPhoto="0" userDrawn="0">
+            <p:ph type="ftr" sz="quarter" idx="11" hasCustomPrompt="0"/>
           </p:nvPr>
         </p:nvSpPr>
-        <p:spPr/>
+        <p:spPr bwMode="auto"/>
         <p:txBody>
           <a:bodyPr/>
           <a:lstStyle/>
           <a:p>
+            <a:pPr>
+              <a:defRPr/>
+            </a:pPr>
             <a:endParaRPr lang="fr-FR"/>
           </a:p>
         </p:txBody>
       </p:sp>
       <p:sp>
         <p:nvSpPr>
-          <p:cNvPr id="7" name="Espace réservé du numéro de diapositive 6"/>
+          <p:cNvPr id="9" name="Espace réservé du numéro de diapositive 6" hidden="0"/>
           <p:cNvSpPr>
             <a:spLocks noGrp="1"/>
           </p:cNvSpPr>
-          <p:nvPr>
-            <p:ph type="sldNum" sz="quarter" idx="12"/>
+          <p:nvPr isPhoto="0" userDrawn="0">
+            <p:ph type="sldNum" sz="quarter" idx="12" hasCustomPrompt="0"/>
           </p:nvPr>
         </p:nvSpPr>
-        <p:spPr/>
+        <p:spPr bwMode="auto"/>
         <p:txBody>
           <a:bodyPr/>
           <a:lstStyle/>
           <a:p>
+            <a:pPr>
+              <a:defRPr/>
+            </a:pPr>
             <a:fld id="{5F2BAB27-56FE-0F4B-AD23-F85EC639443E}" type="slidenum">
-              <a:rPr lang="fr-FR" smtClean="0"/>
               <a:t>‹N°›</a:t>
             </a:fld>
             <a:endParaRPr lang="fr-FR"/>
@@ -1828,28 +1507,24 @@
         </p:txBody>
       </p:sp>
     </p:spTree>
-    <p:extLst>
-      <p:ext uri="{BB962C8B-B14F-4D97-AF65-F5344CB8AC3E}">
-        <p14:creationId xmlns:p14="http://schemas.microsoft.com/office/powerpoint/2010/main" val="4182134361"/>
-      </p:ext>
-    </p:extLst>
   </p:cSld>
   <p:clrMapOvr>
     <a:masterClrMapping/>
   </p:clrMapOvr>
+  <p:hf dt="1" ftr="1" hdr="1" sldNum="1"/>
 </p:sldLayout>
 </file>
 
 <file path=ppt/slideLayouts/slideLayout5.xml><?xml version="1.0" encoding="utf-8"?>
-<p:sldLayout xmlns:a="http://schemas.openxmlformats.org/drawingml/2006/main" xmlns:r="http://schemas.openxmlformats.org/officeDocument/2006/relationships" xmlns:p="http://schemas.openxmlformats.org/presentationml/2006/main" type="twoTxTwoObj" preserve="1">
+<p:sldLayout xmlns:a="http://schemas.openxmlformats.org/drawingml/2006/main" xmlns:r="http://schemas.openxmlformats.org/officeDocument/2006/relationships" xmlns:p="http://schemas.openxmlformats.org/presentationml/2006/main" xmlns:m="http://schemas.openxmlformats.org/officeDocument/2006/math" xmlns:w="http://schemas.openxmlformats.org/wordprocessingml/2006/main" matchingName="" preserve="1" showMasterPhAnim="0" type="twoTxTwoObj" userDrawn="1">
   <p:cSld name="Comparaison">
     <p:spTree>
       <p:nvGrpSpPr>
-        <p:cNvPr id="1" name=""/>
+        <p:cNvPr id="1" name="" hidden="0"/>
         <p:cNvGrpSpPr/>
-        <p:nvPr/>
+        <p:nvPr isPhoto="0" userDrawn="0"/>
       </p:nvGrpSpPr>
-      <p:grpSpPr>
+      <p:grpSpPr bwMode="auto">
         <a:xfrm>
           <a:off x="0" y="0"/>
           <a:ext cx="0" cy="0"/>
@@ -1859,15 +1534,15 @@
       </p:grpSpPr>
       <p:sp>
         <p:nvSpPr>
-          <p:cNvPr id="2" name="Titre 1"/>
+          <p:cNvPr id="4" name="Titre 1" hidden="0"/>
           <p:cNvSpPr>
             <a:spLocks noGrp="1"/>
           </p:cNvSpPr>
-          <p:nvPr>
-            <p:ph type="title"/>
+          <p:nvPr isPhoto="0" userDrawn="0">
+            <p:ph type="title" hasCustomPrompt="0"/>
           </p:nvPr>
         </p:nvSpPr>
-        <p:spPr>
+        <p:spPr bwMode="auto">
           <a:xfrm>
             <a:off x="378143" y="428041"/>
             <a:ext cx="6806565" cy="1781440"/>
@@ -1881,24 +1556,28 @@
             </a:lvl1pPr>
           </a:lstStyle>
           <a:p>
+            <a:pPr>
+              <a:defRPr/>
+            </a:pPr>
             <a:r>
               <a:rPr lang="fr-FR"/>
               <a:t>Cliquez et modifiez le titre</a:t>
             </a:r>
-          </a:p>
-        </p:txBody>
-      </p:sp>
-      <p:sp>
-        <p:nvSpPr>
-          <p:cNvPr id="3" name="Espace réservé du texte 2"/>
+            <a:endParaRPr/>
+          </a:p>
+        </p:txBody>
+      </p:sp>
+      <p:sp>
+        <p:nvSpPr>
+          <p:cNvPr id="5" name="Espace réservé du texte 2" hidden="0"/>
           <p:cNvSpPr>
             <a:spLocks noGrp="1"/>
           </p:cNvSpPr>
-          <p:nvPr>
-            <p:ph type="body" idx="1"/>
+          <p:nvPr isPhoto="0" userDrawn="0">
+            <p:ph type="body" idx="1" hasCustomPrompt="0"/>
           </p:nvPr>
         </p:nvSpPr>
-        <p:spPr>
+        <p:spPr bwMode="auto">
           <a:xfrm>
             <a:off x="378143" y="2392573"/>
             <a:ext cx="3341572" cy="997111"/>
@@ -1945,25 +1624,28 @@
             </a:lvl9pPr>
           </a:lstStyle>
           <a:p>
-            <a:pPr lvl="0"/>
+            <a:pPr lvl="0">
+              <a:defRPr/>
+            </a:pPr>
             <a:r>
               <a:rPr lang="fr-FR"/>
               <a:t>Cliquez pour modifier les styles du texte du masque</a:t>
             </a:r>
-          </a:p>
-        </p:txBody>
-      </p:sp>
-      <p:sp>
-        <p:nvSpPr>
-          <p:cNvPr id="4" name="Espace réservé du contenu 3"/>
+            <a:endParaRPr/>
+          </a:p>
+        </p:txBody>
+      </p:sp>
+      <p:sp>
+        <p:nvSpPr>
+          <p:cNvPr id="6" name="Espace réservé du contenu 3" hidden="0"/>
           <p:cNvSpPr>
             <a:spLocks noGrp="1"/>
           </p:cNvSpPr>
-          <p:nvPr>
-            <p:ph sz="half" idx="2"/>
+          <p:nvPr isPhoto="0" userDrawn="0">
+            <p:ph sz="half" idx="2" hasCustomPrompt="0"/>
           </p:nvPr>
         </p:nvSpPr>
-        <p:spPr>
+        <p:spPr bwMode="auto">
           <a:xfrm>
             <a:off x="378143" y="3389684"/>
             <a:ext cx="3341572" cy="6158339"/>
@@ -2001,53 +1683,68 @@
             </a:lvl9pPr>
           </a:lstStyle>
           <a:p>
-            <a:pPr lvl="0"/>
+            <a:pPr lvl="0">
+              <a:defRPr/>
+            </a:pPr>
             <a:r>
               <a:rPr lang="fr-FR"/>
               <a:t>Cliquez pour modifier les styles du texte du masque</a:t>
             </a:r>
-          </a:p>
-          <a:p>
-            <a:pPr lvl="1"/>
+            <a:endParaRPr/>
+          </a:p>
+          <a:p>
+            <a:pPr lvl="1">
+              <a:defRPr/>
+            </a:pPr>
             <a:r>
               <a:rPr lang="fr-FR"/>
               <a:t>Deuxième niveau</a:t>
             </a:r>
-          </a:p>
-          <a:p>
-            <a:pPr lvl="2"/>
+            <a:endParaRPr/>
+          </a:p>
+          <a:p>
+            <a:pPr lvl="2">
+              <a:defRPr/>
+            </a:pPr>
             <a:r>
               <a:rPr lang="fr-FR"/>
               <a:t>Troisième niveau</a:t>
             </a:r>
-          </a:p>
-          <a:p>
-            <a:pPr lvl="3"/>
+            <a:endParaRPr/>
+          </a:p>
+          <a:p>
+            <a:pPr lvl="3">
+              <a:defRPr/>
+            </a:pPr>
             <a:r>
               <a:rPr lang="fr-FR"/>
               <a:t>Quatrième niveau</a:t>
             </a:r>
-          </a:p>
-          <a:p>
-            <a:pPr lvl="4"/>
+            <a:endParaRPr/>
+          </a:p>
+          <a:p>
+            <a:pPr lvl="4">
+              <a:defRPr/>
+            </a:pPr>
             <a:r>
               <a:rPr lang="fr-FR"/>
               <a:t>Cinquième niveau</a:t>
             </a:r>
-          </a:p>
-        </p:txBody>
-      </p:sp>
-      <p:sp>
-        <p:nvSpPr>
-          <p:cNvPr id="5" name="Espace réservé du texte 4"/>
+            <a:endParaRPr/>
+          </a:p>
+        </p:txBody>
+      </p:sp>
+      <p:sp>
+        <p:nvSpPr>
+          <p:cNvPr id="7" name="Espace réservé du texte 4" hidden="0"/>
           <p:cNvSpPr>
             <a:spLocks noGrp="1"/>
           </p:cNvSpPr>
-          <p:nvPr>
-            <p:ph type="body" sz="quarter" idx="3"/>
+          <p:nvPr isPhoto="0" userDrawn="0">
+            <p:ph type="body" sz="quarter" idx="3" hasCustomPrompt="0"/>
           </p:nvPr>
         </p:nvSpPr>
-        <p:spPr>
+        <p:spPr bwMode="auto">
           <a:xfrm>
             <a:off x="3841823" y="2392573"/>
             <a:ext cx="3342885" cy="997111"/>
@@ -2094,25 +1791,28 @@
             </a:lvl9pPr>
           </a:lstStyle>
           <a:p>
-            <a:pPr lvl="0"/>
+            <a:pPr lvl="0">
+              <a:defRPr/>
+            </a:pPr>
             <a:r>
               <a:rPr lang="fr-FR"/>
               <a:t>Cliquez pour modifier les styles du texte du masque</a:t>
             </a:r>
-          </a:p>
-        </p:txBody>
-      </p:sp>
-      <p:sp>
-        <p:nvSpPr>
-          <p:cNvPr id="6" name="Espace réservé du contenu 5"/>
+            <a:endParaRPr/>
+          </a:p>
+        </p:txBody>
+      </p:sp>
+      <p:sp>
+        <p:nvSpPr>
+          <p:cNvPr id="8" name="Espace réservé du contenu 5" hidden="0"/>
           <p:cNvSpPr>
             <a:spLocks noGrp="1"/>
           </p:cNvSpPr>
-          <p:nvPr>
-            <p:ph sz="quarter" idx="4"/>
+          <p:nvPr isPhoto="0" userDrawn="0">
+            <p:ph sz="quarter" idx="4" hasCustomPrompt="0"/>
           </p:nvPr>
         </p:nvSpPr>
-        <p:spPr>
+        <p:spPr bwMode="auto">
           <a:xfrm>
             <a:off x="3841823" y="3389684"/>
             <a:ext cx="3342885" cy="6158339"/>
@@ -2150,59 +1850,76 @@
             </a:lvl9pPr>
           </a:lstStyle>
           <a:p>
-            <a:pPr lvl="0"/>
+            <a:pPr lvl="0">
+              <a:defRPr/>
+            </a:pPr>
             <a:r>
               <a:rPr lang="fr-FR"/>
               <a:t>Cliquez pour modifier les styles du texte du masque</a:t>
             </a:r>
-          </a:p>
-          <a:p>
-            <a:pPr lvl="1"/>
+            <a:endParaRPr/>
+          </a:p>
+          <a:p>
+            <a:pPr lvl="1">
+              <a:defRPr/>
+            </a:pPr>
             <a:r>
               <a:rPr lang="fr-FR"/>
               <a:t>Deuxième niveau</a:t>
             </a:r>
-          </a:p>
-          <a:p>
-            <a:pPr lvl="2"/>
+            <a:endParaRPr/>
+          </a:p>
+          <a:p>
+            <a:pPr lvl="2">
+              <a:defRPr/>
+            </a:pPr>
             <a:r>
               <a:rPr lang="fr-FR"/>
               <a:t>Troisième niveau</a:t>
             </a:r>
-          </a:p>
-          <a:p>
-            <a:pPr lvl="3"/>
+            <a:endParaRPr/>
+          </a:p>
+          <a:p>
+            <a:pPr lvl="3">
+              <a:defRPr/>
+            </a:pPr>
             <a:r>
               <a:rPr lang="fr-FR"/>
               <a:t>Quatrième niveau</a:t>
             </a:r>
-          </a:p>
-          <a:p>
-            <a:pPr lvl="4"/>
+            <a:endParaRPr/>
+          </a:p>
+          <a:p>
+            <a:pPr lvl="4">
+              <a:defRPr/>
+            </a:pPr>
             <a:r>
               <a:rPr lang="fr-FR"/>
               <a:t>Cinquième niveau</a:t>
             </a:r>
-          </a:p>
-        </p:txBody>
-      </p:sp>
-      <p:sp>
-        <p:nvSpPr>
-          <p:cNvPr id="7" name="Espace réservé de la date 6"/>
+            <a:endParaRPr/>
+          </a:p>
+        </p:txBody>
+      </p:sp>
+      <p:sp>
+        <p:nvSpPr>
+          <p:cNvPr id="9" name="Espace réservé de la date 6" hidden="0"/>
           <p:cNvSpPr>
             <a:spLocks noGrp="1"/>
           </p:cNvSpPr>
-          <p:nvPr>
-            <p:ph type="dt" sz="half" idx="10"/>
+          <p:nvPr isPhoto="0" userDrawn="0">
+            <p:ph type="dt" sz="half" idx="10" hasCustomPrompt="0"/>
           </p:nvPr>
         </p:nvSpPr>
-        <p:spPr/>
+        <p:spPr bwMode="auto"/>
         <p:txBody>
           <a:bodyPr/>
           <a:lstStyle/>
           <a:p>
+            <a:pPr>
+              <a:defRPr/>
+            </a:pPr>
             <a:fld id="{8CF0904D-930F-FD46-A326-BF7152BF9E0A}" type="datetimeFigureOut">
-              <a:rPr lang="fr-FR" smtClean="0"/>
               <a:t>21/02/2019</a:t>
             </a:fld>
             <a:endParaRPr lang="fr-FR"/>
@@ -2211,40 +1928,45 @@
       </p:sp>
       <p:sp>
         <p:nvSpPr>
-          <p:cNvPr id="8" name="Espace réservé du pied de page 7"/>
+          <p:cNvPr id="10" name="Espace réservé du pied de page 7" hidden="0"/>
           <p:cNvSpPr>
             <a:spLocks noGrp="1"/>
           </p:cNvSpPr>
-          <p:nvPr>
-            <p:ph type="ftr" sz="quarter" idx="11"/>
+          <p:nvPr isPhoto="0" userDrawn="0">
+            <p:ph type="ftr" sz="quarter" idx="11" hasCustomPrompt="0"/>
           </p:nvPr>
         </p:nvSpPr>
-        <p:spPr/>
+        <p:spPr bwMode="auto"/>
         <p:txBody>
           <a:bodyPr/>
           <a:lstStyle/>
           <a:p>
+            <a:pPr>
+              <a:defRPr/>
+            </a:pPr>
             <a:endParaRPr lang="fr-FR"/>
           </a:p>
         </p:txBody>
       </p:sp>
       <p:sp>
         <p:nvSpPr>
-          <p:cNvPr id="9" name="Espace réservé du numéro de diapositive 8"/>
+          <p:cNvPr id="11" name="Espace réservé du numéro de diapositive 8" hidden="0"/>
           <p:cNvSpPr>
             <a:spLocks noGrp="1"/>
           </p:cNvSpPr>
-          <p:nvPr>
-            <p:ph type="sldNum" sz="quarter" idx="12"/>
+          <p:nvPr isPhoto="0" userDrawn="0">
+            <p:ph type="sldNum" sz="quarter" idx="12" hasCustomPrompt="0"/>
           </p:nvPr>
         </p:nvSpPr>
-        <p:spPr/>
+        <p:spPr bwMode="auto"/>
         <p:txBody>
           <a:bodyPr/>
           <a:lstStyle/>
           <a:p>
+            <a:pPr>
+              <a:defRPr/>
+            </a:pPr>
             <a:fld id="{5F2BAB27-56FE-0F4B-AD23-F85EC639443E}" type="slidenum">
-              <a:rPr lang="fr-FR" smtClean="0"/>
               <a:t>‹N°›</a:t>
             </a:fld>
             <a:endParaRPr lang="fr-FR"/>
@@ -2252,28 +1974,24 @@
         </p:txBody>
       </p:sp>
     </p:spTree>
-    <p:extLst>
-      <p:ext uri="{BB962C8B-B14F-4D97-AF65-F5344CB8AC3E}">
-        <p14:creationId xmlns:p14="http://schemas.microsoft.com/office/powerpoint/2010/main" val="4214897568"/>
-      </p:ext>
-    </p:extLst>
   </p:cSld>
   <p:clrMapOvr>
     <a:masterClrMapping/>
   </p:clrMapOvr>
+  <p:hf dt="1" ftr="1" hdr="1" sldNum="1"/>
 </p:sldLayout>
 </file>
 
 <file path=ppt/slideLayouts/slideLayout6.xml><?xml version="1.0" encoding="utf-8"?>
-<p:sldLayout xmlns:a="http://schemas.openxmlformats.org/drawingml/2006/main" xmlns:r="http://schemas.openxmlformats.org/officeDocument/2006/relationships" xmlns:p="http://schemas.openxmlformats.org/presentationml/2006/main" type="titleOnly" preserve="1">
+<p:sldLayout xmlns:a="http://schemas.openxmlformats.org/drawingml/2006/main" xmlns:r="http://schemas.openxmlformats.org/officeDocument/2006/relationships" xmlns:p="http://schemas.openxmlformats.org/presentationml/2006/main" xmlns:m="http://schemas.openxmlformats.org/officeDocument/2006/math" xmlns:w="http://schemas.openxmlformats.org/wordprocessingml/2006/main" matchingName="" preserve="1" showMasterPhAnim="0" type="titleOnly" userDrawn="1">
   <p:cSld name="Titre seul">
     <p:spTree>
       <p:nvGrpSpPr>
-        <p:cNvPr id="1" name=""/>
+        <p:cNvPr id="1" name="" hidden="0"/>
         <p:cNvGrpSpPr/>
-        <p:nvPr/>
+        <p:nvPr isPhoto="0" userDrawn="0"/>
       </p:nvGrpSpPr>
-      <p:grpSpPr>
+      <p:grpSpPr bwMode="auto">
         <a:xfrm>
           <a:off x="0" y="0"/>
           <a:ext cx="0" cy="0"/>
@@ -2283,43 +2001,49 @@
       </p:grpSpPr>
       <p:sp>
         <p:nvSpPr>
-          <p:cNvPr id="2" name="Titre 1"/>
+          <p:cNvPr id="4" name="Titre 1" hidden="0"/>
           <p:cNvSpPr>
             <a:spLocks noGrp="1"/>
           </p:cNvSpPr>
-          <p:nvPr>
-            <p:ph type="title"/>
+          <p:nvPr isPhoto="0" userDrawn="0">
+            <p:ph type="title" hasCustomPrompt="0"/>
           </p:nvPr>
         </p:nvSpPr>
-        <p:spPr/>
+        <p:spPr bwMode="auto"/>
         <p:txBody>
           <a:bodyPr/>
           <a:lstStyle/>
           <a:p>
+            <a:pPr>
+              <a:defRPr/>
+            </a:pPr>
             <a:r>
               <a:rPr lang="fr-FR"/>
               <a:t>Cliquez et modifiez le titre</a:t>
             </a:r>
-          </a:p>
-        </p:txBody>
-      </p:sp>
-      <p:sp>
-        <p:nvSpPr>
-          <p:cNvPr id="3" name="Espace réservé de la date 2"/>
+            <a:endParaRPr/>
+          </a:p>
+        </p:txBody>
+      </p:sp>
+      <p:sp>
+        <p:nvSpPr>
+          <p:cNvPr id="5" name="Espace réservé de la date 2" hidden="0"/>
           <p:cNvSpPr>
             <a:spLocks noGrp="1"/>
           </p:cNvSpPr>
-          <p:nvPr>
-            <p:ph type="dt" sz="half" idx="10"/>
+          <p:nvPr isPhoto="0" userDrawn="0">
+            <p:ph type="dt" sz="half" idx="10" hasCustomPrompt="0"/>
           </p:nvPr>
         </p:nvSpPr>
-        <p:spPr/>
+        <p:spPr bwMode="auto"/>
         <p:txBody>
           <a:bodyPr/>
           <a:lstStyle/>
           <a:p>
+            <a:pPr>
+              <a:defRPr/>
+            </a:pPr>
             <a:fld id="{8CF0904D-930F-FD46-A326-BF7152BF9E0A}" type="datetimeFigureOut">
-              <a:rPr lang="fr-FR" smtClean="0"/>
               <a:t>21/02/2019</a:t>
             </a:fld>
             <a:endParaRPr lang="fr-FR"/>
@@ -2328,40 +2052,45 @@
       </p:sp>
       <p:sp>
         <p:nvSpPr>
-          <p:cNvPr id="4" name="Espace réservé du pied de page 3"/>
+          <p:cNvPr id="6" name="Espace réservé du pied de page 3" hidden="0"/>
           <p:cNvSpPr>
             <a:spLocks noGrp="1"/>
           </p:cNvSpPr>
-          <p:nvPr>
-            <p:ph type="ftr" sz="quarter" idx="11"/>
+          <p:nvPr isPhoto="0" userDrawn="0">
+            <p:ph type="ftr" sz="quarter" idx="11" hasCustomPrompt="0"/>
           </p:nvPr>
         </p:nvSpPr>
-        <p:spPr/>
+        <p:spPr bwMode="auto"/>
         <p:txBody>
           <a:bodyPr/>
           <a:lstStyle/>
           <a:p>
+            <a:pPr>
+              <a:defRPr/>
+            </a:pPr>
             <a:endParaRPr lang="fr-FR"/>
           </a:p>
         </p:txBody>
       </p:sp>
       <p:sp>
         <p:nvSpPr>
-          <p:cNvPr id="5" name="Espace réservé du numéro de diapositive 4"/>
+          <p:cNvPr id="7" name="Espace réservé du numéro de diapositive 4" hidden="0"/>
           <p:cNvSpPr>
             <a:spLocks noGrp="1"/>
           </p:cNvSpPr>
-          <p:nvPr>
-            <p:ph type="sldNum" sz="quarter" idx="12"/>
+          <p:nvPr isPhoto="0" userDrawn="0">
+            <p:ph type="sldNum" sz="quarter" idx="12" hasCustomPrompt="0"/>
           </p:nvPr>
         </p:nvSpPr>
-        <p:spPr/>
+        <p:spPr bwMode="auto"/>
         <p:txBody>
           <a:bodyPr/>
           <a:lstStyle/>
           <a:p>
+            <a:pPr>
+              <a:defRPr/>
+            </a:pPr>
             <a:fld id="{5F2BAB27-56FE-0F4B-AD23-F85EC639443E}" type="slidenum">
-              <a:rPr lang="fr-FR" smtClean="0"/>
               <a:t>‹N°›</a:t>
             </a:fld>
             <a:endParaRPr lang="fr-FR"/>
@@ -2369,28 +2098,24 @@
         </p:txBody>
       </p:sp>
     </p:spTree>
-    <p:extLst>
-      <p:ext uri="{BB962C8B-B14F-4D97-AF65-F5344CB8AC3E}">
-        <p14:creationId xmlns:p14="http://schemas.microsoft.com/office/powerpoint/2010/main" val="3274726509"/>
-      </p:ext>
-    </p:extLst>
   </p:cSld>
   <p:clrMapOvr>
     <a:masterClrMapping/>
   </p:clrMapOvr>
+  <p:hf dt="1" ftr="1" hdr="1" sldNum="1"/>
 </p:sldLayout>
 </file>
 
 <file path=ppt/slideLayouts/slideLayout7.xml><?xml version="1.0" encoding="utf-8"?>
-<p:sldLayout xmlns:a="http://schemas.openxmlformats.org/drawingml/2006/main" xmlns:r="http://schemas.openxmlformats.org/officeDocument/2006/relationships" xmlns:p="http://schemas.openxmlformats.org/presentationml/2006/main" type="blank" preserve="1">
+<p:sldLayout xmlns:a="http://schemas.openxmlformats.org/drawingml/2006/main" xmlns:r="http://schemas.openxmlformats.org/officeDocument/2006/relationships" xmlns:p="http://schemas.openxmlformats.org/presentationml/2006/main" xmlns:m="http://schemas.openxmlformats.org/officeDocument/2006/math" xmlns:w="http://schemas.openxmlformats.org/wordprocessingml/2006/main" matchingName="" preserve="1" showMasterPhAnim="0" type="blank" userDrawn="1">
   <p:cSld name="Vide">
     <p:spTree>
       <p:nvGrpSpPr>
-        <p:cNvPr id="1" name=""/>
+        <p:cNvPr id="1" name="" hidden="0"/>
         <p:cNvGrpSpPr/>
-        <p:nvPr/>
+        <p:nvPr isPhoto="0" userDrawn="0"/>
       </p:nvGrpSpPr>
-      <p:grpSpPr>
+      <p:grpSpPr bwMode="auto">
         <a:xfrm>
           <a:off x="0" y="0"/>
           <a:ext cx="0" cy="0"/>
@@ -2400,21 +2125,23 @@
       </p:grpSpPr>
       <p:sp>
         <p:nvSpPr>
-          <p:cNvPr id="2" name="Espace réservé de la date 1"/>
+          <p:cNvPr id="4" name="Espace réservé de la date 1" hidden="0"/>
           <p:cNvSpPr>
             <a:spLocks noGrp="1"/>
           </p:cNvSpPr>
-          <p:nvPr>
-            <p:ph type="dt" sz="half" idx="10"/>
+          <p:nvPr isPhoto="0" userDrawn="0">
+            <p:ph type="dt" sz="half" idx="10" hasCustomPrompt="0"/>
           </p:nvPr>
         </p:nvSpPr>
-        <p:spPr/>
+        <p:spPr bwMode="auto"/>
         <p:txBody>
           <a:bodyPr/>
           <a:lstStyle/>
           <a:p>
+            <a:pPr>
+              <a:defRPr/>
+            </a:pPr>
             <a:fld id="{8CF0904D-930F-FD46-A326-BF7152BF9E0A}" type="datetimeFigureOut">
-              <a:rPr lang="fr-FR" smtClean="0"/>
               <a:t>21/02/2019</a:t>
             </a:fld>
             <a:endParaRPr lang="fr-FR"/>
@@ -2423,40 +2150,45 @@
       </p:sp>
       <p:sp>
         <p:nvSpPr>
-          <p:cNvPr id="3" name="Espace réservé du pied de page 2"/>
+          <p:cNvPr id="5" name="Espace réservé du pied de page 2" hidden="0"/>
           <p:cNvSpPr>
             <a:spLocks noGrp="1"/>
           </p:cNvSpPr>
-          <p:nvPr>
-            <p:ph type="ftr" sz="quarter" idx="11"/>
+          <p:nvPr isPhoto="0" userDrawn="0">
+            <p:ph type="ftr" sz="quarter" idx="11" hasCustomPrompt="0"/>
           </p:nvPr>
         </p:nvSpPr>
-        <p:spPr/>
+        <p:spPr bwMode="auto"/>
         <p:txBody>
           <a:bodyPr/>
           <a:lstStyle/>
           <a:p>
+            <a:pPr>
+              <a:defRPr/>
+            </a:pPr>
             <a:endParaRPr lang="fr-FR"/>
           </a:p>
         </p:txBody>
       </p:sp>
       <p:sp>
         <p:nvSpPr>
-          <p:cNvPr id="4" name="Espace réservé du numéro de diapositive 3"/>
+          <p:cNvPr id="6" name="Espace réservé du numéro de diapositive 3" hidden="0"/>
           <p:cNvSpPr>
             <a:spLocks noGrp="1"/>
           </p:cNvSpPr>
-          <p:nvPr>
-            <p:ph type="sldNum" sz="quarter" idx="12"/>
+          <p:nvPr isPhoto="0" userDrawn="0">
+            <p:ph type="sldNum" sz="quarter" idx="12" hasCustomPrompt="0"/>
           </p:nvPr>
         </p:nvSpPr>
-        <p:spPr/>
+        <p:spPr bwMode="auto"/>
         <p:txBody>
           <a:bodyPr/>
           <a:lstStyle/>
           <a:p>
+            <a:pPr>
+              <a:defRPr/>
+            </a:pPr>
             <a:fld id="{5F2BAB27-56FE-0F4B-AD23-F85EC639443E}" type="slidenum">
-              <a:rPr lang="fr-FR" smtClean="0"/>
               <a:t>‹N°›</a:t>
             </a:fld>
             <a:endParaRPr lang="fr-FR"/>
@@ -2464,28 +2196,24 @@
         </p:txBody>
       </p:sp>
     </p:spTree>
-    <p:extLst>
-      <p:ext uri="{BB962C8B-B14F-4D97-AF65-F5344CB8AC3E}">
-        <p14:creationId xmlns:p14="http://schemas.microsoft.com/office/powerpoint/2010/main" val="3278184219"/>
-      </p:ext>
-    </p:extLst>
   </p:cSld>
   <p:clrMapOvr>
     <a:masterClrMapping/>
   </p:clrMapOvr>
+  <p:hf dt="1" ftr="1" hdr="1" sldNum="1"/>
 </p:sldLayout>
 </file>
 
 <file path=ppt/slideLayouts/slideLayout8.xml><?xml version="1.0" encoding="utf-8"?>
-<p:sldLayout xmlns:a="http://schemas.openxmlformats.org/drawingml/2006/main" xmlns:r="http://schemas.openxmlformats.org/officeDocument/2006/relationships" xmlns:p="http://schemas.openxmlformats.org/presentationml/2006/main" type="objTx" preserve="1">
+<p:sldLayout xmlns:a="http://schemas.openxmlformats.org/drawingml/2006/main" xmlns:r="http://schemas.openxmlformats.org/officeDocument/2006/relationships" xmlns:p="http://schemas.openxmlformats.org/presentationml/2006/main" xmlns:m="http://schemas.openxmlformats.org/officeDocument/2006/math" xmlns:w="http://schemas.openxmlformats.org/wordprocessingml/2006/main" matchingName="" preserve="1" showMasterPhAnim="0" type="objTx" userDrawn="1">
   <p:cSld name="Contenu avec légende">
     <p:spTree>
       <p:nvGrpSpPr>
-        <p:cNvPr id="1" name=""/>
+        <p:cNvPr id="1" name="" hidden="0"/>
         <p:cNvGrpSpPr/>
-        <p:nvPr/>
+        <p:nvPr isPhoto="0" userDrawn="0"/>
       </p:nvGrpSpPr>
-      <p:grpSpPr>
+      <p:grpSpPr bwMode="auto">
         <a:xfrm>
           <a:off x="0" y="0"/>
           <a:ext cx="0" cy="0"/>
@@ -2495,15 +2223,15 @@
       </p:grpSpPr>
       <p:sp>
         <p:nvSpPr>
-          <p:cNvPr id="2" name="Titre 1"/>
+          <p:cNvPr id="4" name="Titre 1" hidden="0"/>
           <p:cNvSpPr>
             <a:spLocks noGrp="1"/>
           </p:cNvSpPr>
-          <p:nvPr>
-            <p:ph type="title"/>
+          <p:nvPr isPhoto="0" userDrawn="0">
+            <p:ph type="title" hasCustomPrompt="0"/>
           </p:nvPr>
         </p:nvSpPr>
-        <p:spPr>
+        <p:spPr bwMode="auto">
           <a:xfrm>
             <a:off x="378143" y="425566"/>
             <a:ext cx="2488126" cy="1811130"/>
@@ -2517,24 +2245,28 @@
             </a:lvl1pPr>
           </a:lstStyle>
           <a:p>
+            <a:pPr>
+              <a:defRPr/>
+            </a:pPr>
             <a:r>
               <a:rPr lang="fr-FR"/>
               <a:t>Cliquez et modifiez le titre</a:t>
             </a:r>
-          </a:p>
-        </p:txBody>
-      </p:sp>
-      <p:sp>
-        <p:nvSpPr>
-          <p:cNvPr id="3" name="Espace réservé du contenu 2"/>
+            <a:endParaRPr/>
+          </a:p>
+        </p:txBody>
+      </p:sp>
+      <p:sp>
+        <p:nvSpPr>
+          <p:cNvPr id="5" name="Espace réservé du contenu 2" hidden="0"/>
           <p:cNvSpPr>
             <a:spLocks noGrp="1"/>
           </p:cNvSpPr>
-          <p:nvPr>
-            <p:ph idx="1"/>
+          <p:nvPr isPhoto="0" userDrawn="0">
+            <p:ph idx="1" hasCustomPrompt="0"/>
           </p:nvPr>
         </p:nvSpPr>
-        <p:spPr>
+        <p:spPr bwMode="auto">
           <a:xfrm>
             <a:off x="2956864" y="425567"/>
             <a:ext cx="4227843" cy="9122456"/>
@@ -2572,53 +2304,68 @@
             </a:lvl9pPr>
           </a:lstStyle>
           <a:p>
-            <a:pPr lvl="0"/>
+            <a:pPr lvl="0">
+              <a:defRPr/>
+            </a:pPr>
             <a:r>
               <a:rPr lang="fr-FR"/>
               <a:t>Cliquez pour modifier les styles du texte du masque</a:t>
             </a:r>
-          </a:p>
-          <a:p>
-            <a:pPr lvl="1"/>
+            <a:endParaRPr/>
+          </a:p>
+          <a:p>
+            <a:pPr lvl="1">
+              <a:defRPr/>
+            </a:pPr>
             <a:r>
               <a:rPr lang="fr-FR"/>
               <a:t>Deuxième niveau</a:t>
             </a:r>
-          </a:p>
-          <a:p>
-            <a:pPr lvl="2"/>
+            <a:endParaRPr/>
+          </a:p>
+          <a:p>
+            <a:pPr lvl="2">
+              <a:defRPr/>
+            </a:pPr>
             <a:r>
               <a:rPr lang="fr-FR"/>
               <a:t>Troisième niveau</a:t>
             </a:r>
-          </a:p>
-          <a:p>
-            <a:pPr lvl="3"/>
+            <a:endParaRPr/>
+          </a:p>
+          <a:p>
+            <a:pPr lvl="3">
+              <a:defRPr/>
+            </a:pPr>
             <a:r>
               <a:rPr lang="fr-FR"/>
               <a:t>Quatrième niveau</a:t>
             </a:r>
-          </a:p>
-          <a:p>
-            <a:pPr lvl="4"/>
+            <a:endParaRPr/>
+          </a:p>
+          <a:p>
+            <a:pPr lvl="4">
+              <a:defRPr/>
+            </a:pPr>
             <a:r>
               <a:rPr lang="fr-FR"/>
               <a:t>Cinquième niveau</a:t>
             </a:r>
-          </a:p>
-        </p:txBody>
-      </p:sp>
-      <p:sp>
-        <p:nvSpPr>
-          <p:cNvPr id="4" name="Espace réservé du texte 3"/>
+            <a:endParaRPr/>
+          </a:p>
+        </p:txBody>
+      </p:sp>
+      <p:sp>
+        <p:nvSpPr>
+          <p:cNvPr id="6" name="Espace réservé du texte 3" hidden="0"/>
           <p:cNvSpPr>
             <a:spLocks noGrp="1"/>
           </p:cNvSpPr>
-          <p:nvPr>
-            <p:ph type="body" sz="half" idx="2"/>
+          <p:nvPr isPhoto="0" userDrawn="0">
+            <p:ph type="body" sz="half" idx="2" hasCustomPrompt="0"/>
           </p:nvPr>
         </p:nvSpPr>
-        <p:spPr>
+        <p:spPr bwMode="auto">
           <a:xfrm>
             <a:off x="378143" y="2236697"/>
             <a:ext cx="2488126" cy="7311326"/>
@@ -2665,31 +2412,36 @@
             </a:lvl9pPr>
           </a:lstStyle>
           <a:p>
-            <a:pPr lvl="0"/>
+            <a:pPr lvl="0">
+              <a:defRPr/>
+            </a:pPr>
             <a:r>
               <a:rPr lang="fr-FR"/>
               <a:t>Cliquez pour modifier les styles du texte du masque</a:t>
             </a:r>
-          </a:p>
-        </p:txBody>
-      </p:sp>
-      <p:sp>
-        <p:nvSpPr>
-          <p:cNvPr id="5" name="Espace réservé de la date 4"/>
+            <a:endParaRPr/>
+          </a:p>
+        </p:txBody>
+      </p:sp>
+      <p:sp>
+        <p:nvSpPr>
+          <p:cNvPr id="7" name="Espace réservé de la date 4" hidden="0"/>
           <p:cNvSpPr>
             <a:spLocks noGrp="1"/>
           </p:cNvSpPr>
-          <p:nvPr>
-            <p:ph type="dt" sz="half" idx="10"/>
+          <p:nvPr isPhoto="0" userDrawn="0">
+            <p:ph type="dt" sz="half" idx="10" hasCustomPrompt="0"/>
           </p:nvPr>
         </p:nvSpPr>
-        <p:spPr/>
+        <p:spPr bwMode="auto"/>
         <p:txBody>
           <a:bodyPr/>
           <a:lstStyle/>
           <a:p>
+            <a:pPr>
+              <a:defRPr/>
+            </a:pPr>
             <a:fld id="{8CF0904D-930F-FD46-A326-BF7152BF9E0A}" type="datetimeFigureOut">
-              <a:rPr lang="fr-FR" smtClean="0"/>
               <a:t>21/02/2019</a:t>
             </a:fld>
             <a:endParaRPr lang="fr-FR"/>
@@ -2698,40 +2450,45 @@
       </p:sp>
       <p:sp>
         <p:nvSpPr>
-          <p:cNvPr id="6" name="Espace réservé du pied de page 5"/>
+          <p:cNvPr id="8" name="Espace réservé du pied de page 5" hidden="0"/>
           <p:cNvSpPr>
             <a:spLocks noGrp="1"/>
           </p:cNvSpPr>
-          <p:nvPr>
-            <p:ph type="ftr" sz="quarter" idx="11"/>
+          <p:nvPr isPhoto="0" userDrawn="0">
+            <p:ph type="ftr" sz="quarter" idx="11" hasCustomPrompt="0"/>
           </p:nvPr>
         </p:nvSpPr>
-        <p:spPr/>
+        <p:spPr bwMode="auto"/>
         <p:txBody>
           <a:bodyPr/>
           <a:lstStyle/>
           <a:p>
+            <a:pPr>
+              <a:defRPr/>
+            </a:pPr>
             <a:endParaRPr lang="fr-FR"/>
           </a:p>
         </p:txBody>
       </p:sp>
       <p:sp>
         <p:nvSpPr>
-          <p:cNvPr id="7" name="Espace réservé du numéro de diapositive 6"/>
+          <p:cNvPr id="9" name="Espace réservé du numéro de diapositive 6" hidden="0"/>
           <p:cNvSpPr>
             <a:spLocks noGrp="1"/>
           </p:cNvSpPr>
-          <p:nvPr>
-            <p:ph type="sldNum" sz="quarter" idx="12"/>
+          <p:nvPr isPhoto="0" userDrawn="0">
+            <p:ph type="sldNum" sz="quarter" idx="12" hasCustomPrompt="0"/>
           </p:nvPr>
         </p:nvSpPr>
-        <p:spPr/>
+        <p:spPr bwMode="auto"/>
         <p:txBody>
           <a:bodyPr/>
           <a:lstStyle/>
           <a:p>
+            <a:pPr>
+              <a:defRPr/>
+            </a:pPr>
             <a:fld id="{5F2BAB27-56FE-0F4B-AD23-F85EC639443E}" type="slidenum">
-              <a:rPr lang="fr-FR" smtClean="0"/>
               <a:t>‹N°›</a:t>
             </a:fld>
             <a:endParaRPr lang="fr-FR"/>
@@ -2739,28 +2496,24 @@
         </p:txBody>
       </p:sp>
     </p:spTree>
-    <p:extLst>
-      <p:ext uri="{BB962C8B-B14F-4D97-AF65-F5344CB8AC3E}">
-        <p14:creationId xmlns:p14="http://schemas.microsoft.com/office/powerpoint/2010/main" val="3712155595"/>
-      </p:ext>
-    </p:extLst>
   </p:cSld>
   <p:clrMapOvr>
     <a:masterClrMapping/>
   </p:clrMapOvr>
+  <p:hf dt="1" ftr="1" hdr="1" sldNum="1"/>
 </p:sldLayout>
 </file>
 
 <file path=ppt/slideLayouts/slideLayout9.xml><?xml version="1.0" encoding="utf-8"?>
-<p:sldLayout xmlns:a="http://schemas.openxmlformats.org/drawingml/2006/main" xmlns:r="http://schemas.openxmlformats.org/officeDocument/2006/relationships" xmlns:p="http://schemas.openxmlformats.org/presentationml/2006/main" type="picTx" preserve="1">
+<p:sldLayout xmlns:a="http://schemas.openxmlformats.org/drawingml/2006/main" xmlns:r="http://schemas.openxmlformats.org/officeDocument/2006/relationships" xmlns:p="http://schemas.openxmlformats.org/presentationml/2006/main" xmlns:m="http://schemas.openxmlformats.org/officeDocument/2006/math" xmlns:w="http://schemas.openxmlformats.org/wordprocessingml/2006/main" matchingName="" preserve="1" showMasterPhAnim="0" type="picTx" userDrawn="1">
   <p:cSld name="Image avec légende">
     <p:spTree>
       <p:nvGrpSpPr>
-        <p:cNvPr id="1" name=""/>
+        <p:cNvPr id="1" name="" hidden="0"/>
         <p:cNvGrpSpPr/>
-        <p:nvPr/>
+        <p:nvPr isPhoto="0" userDrawn="0"/>
       </p:nvGrpSpPr>
-      <p:grpSpPr>
+      <p:grpSpPr bwMode="auto">
         <a:xfrm>
           <a:off x="0" y="0"/>
           <a:ext cx="0" cy="0"/>
@@ -2770,15 +2523,15 @@
       </p:grpSpPr>
       <p:sp>
         <p:nvSpPr>
-          <p:cNvPr id="2" name="Titre 1"/>
+          <p:cNvPr id="4" name="Titre 1" hidden="0"/>
           <p:cNvSpPr>
             <a:spLocks noGrp="1"/>
           </p:cNvSpPr>
-          <p:nvPr>
-            <p:ph type="title"/>
+          <p:nvPr isPhoto="0" userDrawn="0">
+            <p:ph type="title" hasCustomPrompt="0"/>
           </p:nvPr>
         </p:nvSpPr>
-        <p:spPr>
+        <p:spPr bwMode="auto">
           <a:xfrm>
             <a:off x="1482372" y="7482047"/>
             <a:ext cx="4537710" cy="883298"/>
@@ -2792,24 +2545,28 @@
             </a:lvl1pPr>
           </a:lstStyle>
           <a:p>
+            <a:pPr>
+              <a:defRPr/>
+            </a:pPr>
             <a:r>
               <a:rPr lang="fr-FR"/>
               <a:t>Cliquez et modifiez le titre</a:t>
             </a:r>
-          </a:p>
-        </p:txBody>
-      </p:sp>
-      <p:sp>
-        <p:nvSpPr>
-          <p:cNvPr id="3" name="Espace réservé pour une image  2"/>
+            <a:endParaRPr/>
+          </a:p>
+        </p:txBody>
+      </p:sp>
+      <p:sp>
+        <p:nvSpPr>
+          <p:cNvPr id="5" name="Espace réservé pour une image  2" hidden="0"/>
           <p:cNvSpPr>
             <a:spLocks noGrp="1"/>
           </p:cNvSpPr>
-          <p:nvPr>
-            <p:ph type="pic" idx="1"/>
+          <p:nvPr isPhoto="0" userDrawn="0">
+            <p:ph type="pic" idx="1" hasCustomPrompt="0"/>
           </p:nvPr>
         </p:nvSpPr>
-        <p:spPr>
+        <p:spPr bwMode="auto">
           <a:xfrm>
             <a:off x="1482372" y="955049"/>
             <a:ext cx="4537710" cy="6413183"/>
@@ -2856,21 +2613,24 @@
             </a:lvl9pPr>
           </a:lstStyle>
           <a:p>
+            <a:pPr>
+              <a:defRPr/>
+            </a:pPr>
             <a:endParaRPr lang="fr-FR"/>
           </a:p>
         </p:txBody>
       </p:sp>
       <p:sp>
         <p:nvSpPr>
-          <p:cNvPr id="4" name="Espace réservé du texte 3"/>
+          <p:cNvPr id="6" name="Espace réservé du texte 3" hidden="0"/>
           <p:cNvSpPr>
             <a:spLocks noGrp="1"/>
           </p:cNvSpPr>
-          <p:nvPr>
-            <p:ph type="body" sz="half" idx="2"/>
+          <p:nvPr isPhoto="0" userDrawn="0">
+            <p:ph type="body" sz="half" idx="2" hasCustomPrompt="0"/>
           </p:nvPr>
         </p:nvSpPr>
-        <p:spPr>
+        <p:spPr bwMode="auto">
           <a:xfrm>
             <a:off x="1482372" y="8365344"/>
             <a:ext cx="4537710" cy="1254430"/>
@@ -2917,31 +2677,36 @@
             </a:lvl9pPr>
           </a:lstStyle>
           <a:p>
-            <a:pPr lvl="0"/>
+            <a:pPr lvl="0">
+              <a:defRPr/>
+            </a:pPr>
             <a:r>
               <a:rPr lang="fr-FR"/>
               <a:t>Cliquez pour modifier les styles du texte du masque</a:t>
             </a:r>
-          </a:p>
-        </p:txBody>
-      </p:sp>
-      <p:sp>
-        <p:nvSpPr>
-          <p:cNvPr id="5" name="Espace réservé de la date 4"/>
+            <a:endParaRPr/>
+          </a:p>
+        </p:txBody>
+      </p:sp>
+      <p:sp>
+        <p:nvSpPr>
+          <p:cNvPr id="7" name="Espace réservé de la date 4" hidden="0"/>
           <p:cNvSpPr>
             <a:spLocks noGrp="1"/>
           </p:cNvSpPr>
-          <p:nvPr>
-            <p:ph type="dt" sz="half" idx="10"/>
+          <p:nvPr isPhoto="0" userDrawn="0">
+            <p:ph type="dt" sz="half" idx="10" hasCustomPrompt="0"/>
           </p:nvPr>
         </p:nvSpPr>
-        <p:spPr/>
+        <p:spPr bwMode="auto"/>
         <p:txBody>
           <a:bodyPr/>
           <a:lstStyle/>
           <a:p>
+            <a:pPr>
+              <a:defRPr/>
+            </a:pPr>
             <a:fld id="{8CF0904D-930F-FD46-A326-BF7152BF9E0A}" type="datetimeFigureOut">
-              <a:rPr lang="fr-FR" smtClean="0"/>
               <a:t>21/02/2019</a:t>
             </a:fld>
             <a:endParaRPr lang="fr-FR"/>
@@ -2950,40 +2715,45 @@
       </p:sp>
       <p:sp>
         <p:nvSpPr>
-          <p:cNvPr id="6" name="Espace réservé du pied de page 5"/>
+          <p:cNvPr id="8" name="Espace réservé du pied de page 5" hidden="0"/>
           <p:cNvSpPr>
             <a:spLocks noGrp="1"/>
           </p:cNvSpPr>
-          <p:nvPr>
-            <p:ph type="ftr" sz="quarter" idx="11"/>
+          <p:nvPr isPhoto="0" userDrawn="0">
+            <p:ph type="ftr" sz="quarter" idx="11" hasCustomPrompt="0"/>
           </p:nvPr>
         </p:nvSpPr>
-        <p:spPr/>
+        <p:spPr bwMode="auto"/>
         <p:txBody>
           <a:bodyPr/>
           <a:lstStyle/>
           <a:p>
+            <a:pPr>
+              <a:defRPr/>
+            </a:pPr>
             <a:endParaRPr lang="fr-FR"/>
           </a:p>
         </p:txBody>
       </p:sp>
       <p:sp>
         <p:nvSpPr>
-          <p:cNvPr id="7" name="Espace réservé du numéro de diapositive 6"/>
+          <p:cNvPr id="9" name="Espace réservé du numéro de diapositive 6" hidden="0"/>
           <p:cNvSpPr>
             <a:spLocks noGrp="1"/>
           </p:cNvSpPr>
-          <p:nvPr>
-            <p:ph type="sldNum" sz="quarter" idx="12"/>
+          <p:nvPr isPhoto="0" userDrawn="0">
+            <p:ph type="sldNum" sz="quarter" idx="12" hasCustomPrompt="0"/>
           </p:nvPr>
         </p:nvSpPr>
-        <p:spPr/>
+        <p:spPr bwMode="auto"/>
         <p:txBody>
           <a:bodyPr/>
           <a:lstStyle/>
           <a:p>
+            <a:pPr>
+              <a:defRPr/>
+            </a:pPr>
             <a:fld id="{5F2BAB27-56FE-0F4B-AD23-F85EC639443E}" type="slidenum">
-              <a:rPr lang="fr-FR" smtClean="0"/>
               <a:t>‹N°›</a:t>
             </a:fld>
             <a:endParaRPr lang="fr-FR"/>
@@ -2991,21 +2761,17 @@
         </p:txBody>
       </p:sp>
     </p:spTree>
-    <p:extLst>
-      <p:ext uri="{BB962C8B-B14F-4D97-AF65-F5344CB8AC3E}">
-        <p14:creationId xmlns:p14="http://schemas.microsoft.com/office/powerpoint/2010/main" val="358615447"/>
-      </p:ext>
-    </p:extLst>
   </p:cSld>
   <p:clrMapOvr>
     <a:masterClrMapping/>
   </p:clrMapOvr>
+  <p:hf dt="1" ftr="1" hdr="1" sldNum="1"/>
 </p:sldLayout>
 </file>
 
 <file path=ppt/slideMasters/slideMaster1.xml><?xml version="1.0" encoding="utf-8"?>
-<p:sldMaster xmlns:a="http://schemas.openxmlformats.org/drawingml/2006/main" xmlns:r="http://schemas.openxmlformats.org/officeDocument/2006/relationships" xmlns:p="http://schemas.openxmlformats.org/presentationml/2006/main">
-  <p:cSld>
+<p:sldMaster xmlns:a="http://schemas.openxmlformats.org/drawingml/2006/main" xmlns:r="http://schemas.openxmlformats.org/officeDocument/2006/relationships" xmlns:p="http://schemas.openxmlformats.org/presentationml/2006/main" xmlns:m="http://schemas.openxmlformats.org/officeDocument/2006/math" xmlns:w="http://schemas.openxmlformats.org/wordprocessingml/2006/main" preserve="0">
+  <p:cSld name="">
     <p:bg>
       <p:bgRef idx="1001">
         <a:schemeClr val="bg1"/>
@@ -3013,11 +2779,11 @@
     </p:bg>
     <p:spTree>
       <p:nvGrpSpPr>
-        <p:cNvPr id="1" name=""/>
+        <p:cNvPr id="1" name="" hidden="0"/>
         <p:cNvGrpSpPr/>
-        <p:nvPr/>
+        <p:nvPr isPhoto="0" userDrawn="0"/>
       </p:nvGrpSpPr>
-      <p:grpSpPr>
+      <p:grpSpPr bwMode="auto">
         <a:xfrm>
           <a:off x="0" y="0"/>
           <a:ext cx="0" cy="0"/>
@@ -3027,15 +2793,15 @@
       </p:grpSpPr>
       <p:sp>
         <p:nvSpPr>
-          <p:cNvPr id="2" name="Espace réservé du titre 1"/>
+          <p:cNvPr id="4" name="Espace réservé du titre 1" hidden="0"/>
           <p:cNvSpPr>
             <a:spLocks noGrp="1"/>
           </p:cNvSpPr>
-          <p:nvPr>
-            <p:ph type="title"/>
+          <p:nvPr isPhoto="0" userDrawn="0">
+            <p:ph type="title" hasCustomPrompt="0"/>
           </p:nvPr>
         </p:nvSpPr>
-        <p:spPr>
+        <p:spPr bwMode="auto">
           <a:xfrm>
             <a:off x="378143" y="428041"/>
             <a:ext cx="6806565" cy="1781440"/>
@@ -3050,27 +2816,31 @@
           </a:bodyPr>
           <a:lstStyle/>
           <a:p>
+            <a:pPr>
+              <a:defRPr/>
+            </a:pPr>
             <a:r>
               <a:rPr lang="fr-FR"/>
               <a:t>Cliquez et modifiez le titre</a:t>
             </a:r>
-          </a:p>
-        </p:txBody>
-      </p:sp>
-      <p:sp>
-        <p:nvSpPr>
-          <p:cNvPr id="3" name="Espace réservé du texte 2"/>
+            <a:endParaRPr/>
+          </a:p>
+        </p:txBody>
+      </p:sp>
+      <p:sp>
+        <p:nvSpPr>
+          <p:cNvPr id="5" name="Espace réservé du texte 2" hidden="0"/>
           <p:cNvSpPr>
             <a:spLocks noGrp="1"/>
           </p:cNvSpPr>
-          <p:nvPr>
-            <p:ph type="body" idx="1"/>
+          <p:nvPr isPhoto="0" userDrawn="0">
+            <p:ph type="body" idx="1" hasCustomPrompt="0"/>
           </p:nvPr>
         </p:nvSpPr>
-        <p:spPr>
+        <p:spPr bwMode="auto">
           <a:xfrm>
             <a:off x="378143" y="2494016"/>
-            <a:ext cx="6806565" cy="7054007"/>
+            <a:ext cx="6806565" cy="7054006"/>
           </a:xfrm>
           <a:prstGeom prst="rect">
             <a:avLst/>
@@ -3082,53 +2852,68 @@
           </a:bodyPr>
           <a:lstStyle/>
           <a:p>
-            <a:pPr lvl="0"/>
+            <a:pPr lvl="0">
+              <a:defRPr/>
+            </a:pPr>
             <a:r>
               <a:rPr lang="fr-FR"/>
               <a:t>Cliquez pour modifier les styles du texte du masque</a:t>
             </a:r>
-          </a:p>
-          <a:p>
-            <a:pPr lvl="1"/>
+            <a:endParaRPr/>
+          </a:p>
+          <a:p>
+            <a:pPr lvl="1">
+              <a:defRPr/>
+            </a:pPr>
             <a:r>
               <a:rPr lang="fr-FR"/>
               <a:t>Deuxième niveau</a:t>
             </a:r>
-          </a:p>
-          <a:p>
-            <a:pPr lvl="2"/>
+            <a:endParaRPr/>
+          </a:p>
+          <a:p>
+            <a:pPr lvl="2">
+              <a:defRPr/>
+            </a:pPr>
             <a:r>
               <a:rPr lang="fr-FR"/>
               <a:t>Troisième niveau</a:t>
             </a:r>
-          </a:p>
-          <a:p>
-            <a:pPr lvl="3"/>
+            <a:endParaRPr/>
+          </a:p>
+          <a:p>
+            <a:pPr lvl="3">
+              <a:defRPr/>
+            </a:pPr>
             <a:r>
               <a:rPr lang="fr-FR"/>
               <a:t>Quatrième niveau</a:t>
             </a:r>
-          </a:p>
-          <a:p>
-            <a:pPr lvl="4"/>
+            <a:endParaRPr/>
+          </a:p>
+          <a:p>
+            <a:pPr lvl="4">
+              <a:defRPr/>
+            </a:pPr>
             <a:r>
               <a:rPr lang="fr-FR"/>
               <a:t>Cinquième niveau</a:t>
             </a:r>
-          </a:p>
-        </p:txBody>
-      </p:sp>
-      <p:sp>
-        <p:nvSpPr>
-          <p:cNvPr id="4" name="Espace réservé de la date 3"/>
+            <a:endParaRPr/>
+          </a:p>
+        </p:txBody>
+      </p:sp>
+      <p:sp>
+        <p:nvSpPr>
+          <p:cNvPr id="6" name="Espace réservé de la date 3" hidden="0"/>
           <p:cNvSpPr>
             <a:spLocks noGrp="1"/>
           </p:cNvSpPr>
-          <p:nvPr>
-            <p:ph type="dt" sz="half" idx="2"/>
+          <p:nvPr isPhoto="0" userDrawn="0">
+            <p:ph type="dt" sz="half" idx="2" hasCustomPrompt="0"/>
           </p:nvPr>
         </p:nvSpPr>
-        <p:spPr>
+        <p:spPr bwMode="auto">
           <a:xfrm>
             <a:off x="378143" y="9906785"/>
             <a:ext cx="1764665" cy="569071"/>
@@ -3151,8 +2936,10 @@
             </a:lvl1pPr>
           </a:lstStyle>
           <a:p>
+            <a:pPr>
+              <a:defRPr/>
+            </a:pPr>
             <a:fld id="{8CF0904D-930F-FD46-A326-BF7152BF9E0A}" type="datetimeFigureOut">
-              <a:rPr lang="fr-FR" smtClean="0"/>
               <a:t>21/02/2019</a:t>
             </a:fld>
             <a:endParaRPr lang="fr-FR"/>
@@ -3161,17 +2948,17 @@
       </p:sp>
       <p:sp>
         <p:nvSpPr>
-          <p:cNvPr id="5" name="Espace réservé du pied de page 4"/>
+          <p:cNvPr id="7" name="Espace réservé du pied de page 4" hidden="0"/>
           <p:cNvSpPr>
             <a:spLocks noGrp="1"/>
           </p:cNvSpPr>
-          <p:nvPr>
-            <p:ph type="ftr" sz="quarter" idx="3"/>
+          <p:nvPr isPhoto="0" userDrawn="0">
+            <p:ph type="ftr" sz="quarter" idx="3" hasCustomPrompt="0"/>
           </p:nvPr>
         </p:nvSpPr>
-        <p:spPr>
-          <a:xfrm>
-            <a:off x="2583974" y="9906785"/>
+        <p:spPr bwMode="auto">
+          <a:xfrm>
+            <a:off x="2583973" y="9906785"/>
             <a:ext cx="2394903" cy="569071"/>
           </a:xfrm>
           <a:prstGeom prst="rect">
@@ -3192,21 +2979,24 @@
             </a:lvl1pPr>
           </a:lstStyle>
           <a:p>
+            <a:pPr>
+              <a:defRPr/>
+            </a:pPr>
             <a:endParaRPr lang="fr-FR"/>
           </a:p>
         </p:txBody>
       </p:sp>
       <p:sp>
         <p:nvSpPr>
-          <p:cNvPr id="6" name="Espace réservé du numéro de diapositive 5"/>
+          <p:cNvPr id="8" name="Espace réservé du numéro de diapositive 5" hidden="0"/>
           <p:cNvSpPr>
             <a:spLocks noGrp="1"/>
           </p:cNvSpPr>
-          <p:nvPr>
-            <p:ph type="sldNum" sz="quarter" idx="4"/>
+          <p:nvPr isPhoto="0" userDrawn="0">
+            <p:ph type="sldNum" sz="quarter" idx="4" hasCustomPrompt="0"/>
           </p:nvPr>
         </p:nvSpPr>
-        <p:spPr>
+        <p:spPr bwMode="auto">
           <a:xfrm>
             <a:off x="5420043" y="9906785"/>
             <a:ext cx="1764665" cy="569071"/>
@@ -3229,8 +3019,10 @@
             </a:lvl1pPr>
           </a:lstStyle>
           <a:p>
+            <a:pPr>
+              <a:defRPr/>
+            </a:pPr>
             <a:fld id="{5F2BAB27-56FE-0F4B-AD23-F85EC639443E}" type="slidenum">
-              <a:rPr lang="fr-FR" smtClean="0"/>
               <a:t>‹N°›</a:t>
             </a:fld>
             <a:endParaRPr lang="fr-FR"/>
@@ -3238,13 +3030,8 @@
         </p:txBody>
       </p:sp>
     </p:spTree>
-    <p:extLst>
-      <p:ext uri="{BB962C8B-B14F-4D97-AF65-F5344CB8AC3E}">
-        <p14:creationId xmlns:p14="http://schemas.microsoft.com/office/powerpoint/2010/main" val="3576098910"/>
-      </p:ext>
-    </p:extLst>
   </p:cSld>
-  <p:clrMap bg1="lt1" tx1="dk1" bg2="lt2" tx2="dk2" accent1="accent1" accent2="accent2" accent3="accent3" accent4="accent4" accent5="accent5" accent6="accent6" hlink="hlink" folHlink="folHlink"/>
+  <p:clrMap accent1="accent1" accent2="accent2" accent3="accent3" accent4="accent4" accent5="accent5" accent6="accent6" bg1="lt1" bg2="lt2" folHlink="folHlink" hlink="hlink" tx1="dk1" tx2="dk2"/>
   <p:sldLayoutIdLst>
     <p:sldLayoutId id="2147483649" r:id="rId1"/>
     <p:sldLayoutId id="2147483650" r:id="rId2"/>
@@ -3258,14 +3045,15 @@
     <p:sldLayoutId id="2147483658" r:id="rId10"/>
     <p:sldLayoutId id="2147483659" r:id="rId11"/>
   </p:sldLayoutIdLst>
+  <p:hf dt="1" ftr="1" hdr="1" sldNum="1"/>
   <p:txStyles>
     <p:titleStyle>
-      <a:lvl1pPr algn="ctr" defTabSz="457200" rtl="0" eaLnBrk="1" latinLnBrk="0" hangingPunct="1">
+      <a:lvl1pPr algn="ctr" defTabSz="457200">
         <a:spcBef>
-          <a:spcPct val="0"/>
+          <a:spcPts val="0"/>
         </a:spcBef>
         <a:buNone/>
-        <a:defRPr sz="4400" kern="1200">
+        <a:defRPr sz="4400">
           <a:solidFill>
             <a:schemeClr val="tx1"/>
           </a:solidFill>
@@ -3276,13 +3064,13 @@
       </a:lvl1pPr>
     </p:titleStyle>
     <p:bodyStyle>
-      <a:lvl1pPr marL="342900" indent="-342900" algn="l" defTabSz="457200" rtl="0" eaLnBrk="1" latinLnBrk="0" hangingPunct="1">
+      <a:lvl1pPr marL="342900" indent="-342900" algn="l" defTabSz="457200">
         <a:spcBef>
-          <a:spcPct val="20000"/>
+          <a:spcPts val="0"/>
         </a:spcBef>
         <a:buFont typeface="Arial"/>
         <a:buChar char="•"/>
-        <a:defRPr sz="3200" kern="1200">
+        <a:defRPr sz="3200">
           <a:solidFill>
             <a:schemeClr val="tx1"/>
           </a:solidFill>
@@ -3291,13 +3079,13 @@
           <a:cs typeface="+mn-cs"/>
         </a:defRPr>
       </a:lvl1pPr>
-      <a:lvl2pPr marL="742950" indent="-285750" algn="l" defTabSz="457200" rtl="0" eaLnBrk="1" latinLnBrk="0" hangingPunct="1">
+      <a:lvl2pPr marL="742950" indent="-285750" algn="l" defTabSz="457200">
         <a:spcBef>
-          <a:spcPct val="20000"/>
+          <a:spcPts val="0"/>
         </a:spcBef>
         <a:buFont typeface="Arial"/>
         <a:buChar char="–"/>
-        <a:defRPr sz="2800" kern="1200">
+        <a:defRPr sz="2800">
           <a:solidFill>
             <a:schemeClr val="tx1"/>
           </a:solidFill>
@@ -3306,13 +3094,13 @@
           <a:cs typeface="+mn-cs"/>
         </a:defRPr>
       </a:lvl2pPr>
-      <a:lvl3pPr marL="1143000" indent="-228600" algn="l" defTabSz="457200" rtl="0" eaLnBrk="1" latinLnBrk="0" hangingPunct="1">
+      <a:lvl3pPr marL="1143000" indent="-228600" algn="l" defTabSz="457200">
         <a:spcBef>
-          <a:spcPct val="20000"/>
+          <a:spcPts val="0"/>
         </a:spcBef>
         <a:buFont typeface="Arial"/>
         <a:buChar char="•"/>
-        <a:defRPr sz="2400" kern="1200">
+        <a:defRPr sz="2400">
           <a:solidFill>
             <a:schemeClr val="tx1"/>
           </a:solidFill>
@@ -3321,13 +3109,13 @@
           <a:cs typeface="+mn-cs"/>
         </a:defRPr>
       </a:lvl3pPr>
-      <a:lvl4pPr marL="1600200" indent="-228600" algn="l" defTabSz="457200" rtl="0" eaLnBrk="1" latinLnBrk="0" hangingPunct="1">
+      <a:lvl4pPr marL="1600200" indent="-228600" algn="l" defTabSz="457200">
         <a:spcBef>
-          <a:spcPct val="20000"/>
+          <a:spcPts val="0"/>
         </a:spcBef>
         <a:buFont typeface="Arial"/>
         <a:buChar char="–"/>
-        <a:defRPr sz="2000" kern="1200">
+        <a:defRPr sz="2000">
           <a:solidFill>
             <a:schemeClr val="tx1"/>
           </a:solidFill>
@@ -3336,13 +3124,13 @@
           <a:cs typeface="+mn-cs"/>
         </a:defRPr>
       </a:lvl4pPr>
-      <a:lvl5pPr marL="2057400" indent="-228600" algn="l" defTabSz="457200" rtl="0" eaLnBrk="1" latinLnBrk="0" hangingPunct="1">
+      <a:lvl5pPr marL="2057400" indent="-228600" algn="l" defTabSz="457200">
         <a:spcBef>
-          <a:spcPct val="20000"/>
+          <a:spcPts val="0"/>
         </a:spcBef>
         <a:buFont typeface="Arial"/>
         <a:buChar char="»"/>
-        <a:defRPr sz="2000" kern="1200">
+        <a:defRPr sz="2000">
           <a:solidFill>
             <a:schemeClr val="tx1"/>
           </a:solidFill>
@@ -3351,13 +3139,13 @@
           <a:cs typeface="+mn-cs"/>
         </a:defRPr>
       </a:lvl5pPr>
-      <a:lvl6pPr marL="2514600" indent="-228600" algn="l" defTabSz="457200" rtl="0" eaLnBrk="1" latinLnBrk="0" hangingPunct="1">
+      <a:lvl6pPr marL="2514600" indent="-228600" algn="l" defTabSz="457200">
         <a:spcBef>
-          <a:spcPct val="20000"/>
+          <a:spcPts val="0"/>
         </a:spcBef>
         <a:buFont typeface="Arial"/>
         <a:buChar char="•"/>
-        <a:defRPr sz="2000" kern="1200">
+        <a:defRPr sz="2000">
           <a:solidFill>
             <a:schemeClr val="tx1"/>
           </a:solidFill>
@@ -3366,13 +3154,13 @@
           <a:cs typeface="+mn-cs"/>
         </a:defRPr>
       </a:lvl6pPr>
-      <a:lvl7pPr marL="2971800" indent="-228600" algn="l" defTabSz="457200" rtl="0" eaLnBrk="1" latinLnBrk="0" hangingPunct="1">
+      <a:lvl7pPr marL="2971800" indent="-228600" algn="l" defTabSz="457200">
         <a:spcBef>
-          <a:spcPct val="20000"/>
+          <a:spcPts val="0"/>
         </a:spcBef>
         <a:buFont typeface="Arial"/>
         <a:buChar char="•"/>
-        <a:defRPr sz="2000" kern="1200">
+        <a:defRPr sz="2000">
           <a:solidFill>
             <a:schemeClr val="tx1"/>
           </a:solidFill>
@@ -3381,13 +3169,13 @@
           <a:cs typeface="+mn-cs"/>
         </a:defRPr>
       </a:lvl7pPr>
-      <a:lvl8pPr marL="3429000" indent="-228600" algn="l" defTabSz="457200" rtl="0" eaLnBrk="1" latinLnBrk="0" hangingPunct="1">
+      <a:lvl8pPr marL="3429000" indent="-228600" algn="l" defTabSz="457200">
         <a:spcBef>
-          <a:spcPct val="20000"/>
+          <a:spcPts val="0"/>
         </a:spcBef>
         <a:buFont typeface="Arial"/>
         <a:buChar char="•"/>
-        <a:defRPr sz="2000" kern="1200">
+        <a:defRPr sz="2000">
           <a:solidFill>
             <a:schemeClr val="tx1"/>
           </a:solidFill>
@@ -3396,13 +3184,13 @@
           <a:cs typeface="+mn-cs"/>
         </a:defRPr>
       </a:lvl8pPr>
-      <a:lvl9pPr marL="3886200" indent="-228600" algn="l" defTabSz="457200" rtl="0" eaLnBrk="1" latinLnBrk="0" hangingPunct="1">
+      <a:lvl9pPr marL="3886200" indent="-228600" algn="l" defTabSz="457200">
         <a:spcBef>
-          <a:spcPct val="20000"/>
+          <a:spcPts val="0"/>
         </a:spcBef>
         <a:buFont typeface="Arial"/>
         <a:buChar char="•"/>
-        <a:defRPr sz="2000" kern="1200">
+        <a:defRPr sz="2000">
           <a:solidFill>
             <a:schemeClr val="tx1"/>
           </a:solidFill>
@@ -3416,8 +3204,8 @@
       <a:defPPr>
         <a:defRPr lang="fr-FR"/>
       </a:defPPr>
-      <a:lvl1pPr marL="0" algn="l" defTabSz="457200" rtl="0" eaLnBrk="1" latinLnBrk="0" hangingPunct="1">
-        <a:defRPr sz="1800" kern="1200">
+      <a:lvl1pPr marL="0" algn="l" defTabSz="457200">
+        <a:defRPr sz="1800">
           <a:solidFill>
             <a:schemeClr val="tx1"/>
           </a:solidFill>
@@ -3426,8 +3214,8 @@
           <a:cs typeface="+mn-cs"/>
         </a:defRPr>
       </a:lvl1pPr>
-      <a:lvl2pPr marL="457200" algn="l" defTabSz="457200" rtl="0" eaLnBrk="1" latinLnBrk="0" hangingPunct="1">
-        <a:defRPr sz="1800" kern="1200">
+      <a:lvl2pPr marL="457200" algn="l" defTabSz="457200">
+        <a:defRPr sz="1800">
           <a:solidFill>
             <a:schemeClr val="tx1"/>
           </a:solidFill>
@@ -3436,8 +3224,8 @@
           <a:cs typeface="+mn-cs"/>
         </a:defRPr>
       </a:lvl2pPr>
-      <a:lvl3pPr marL="914400" algn="l" defTabSz="457200" rtl="0" eaLnBrk="1" latinLnBrk="0" hangingPunct="1">
-        <a:defRPr sz="1800" kern="1200">
+      <a:lvl3pPr marL="914400" algn="l" defTabSz="457200">
+        <a:defRPr sz="1800">
           <a:solidFill>
             <a:schemeClr val="tx1"/>
           </a:solidFill>
@@ -3446,8 +3234,8 @@
           <a:cs typeface="+mn-cs"/>
         </a:defRPr>
       </a:lvl3pPr>
-      <a:lvl4pPr marL="1371600" algn="l" defTabSz="457200" rtl="0" eaLnBrk="1" latinLnBrk="0" hangingPunct="1">
-        <a:defRPr sz="1800" kern="1200">
+      <a:lvl4pPr marL="1371600" algn="l" defTabSz="457200">
+        <a:defRPr sz="1800">
           <a:solidFill>
             <a:schemeClr val="tx1"/>
           </a:solidFill>
@@ -3456,8 +3244,8 @@
           <a:cs typeface="+mn-cs"/>
         </a:defRPr>
       </a:lvl4pPr>
-      <a:lvl5pPr marL="1828800" algn="l" defTabSz="457200" rtl="0" eaLnBrk="1" latinLnBrk="0" hangingPunct="1">
-        <a:defRPr sz="1800" kern="1200">
+      <a:lvl5pPr marL="1828800" algn="l" defTabSz="457200">
+        <a:defRPr sz="1800">
           <a:solidFill>
             <a:schemeClr val="tx1"/>
           </a:solidFill>
@@ -3466,8 +3254,8 @@
           <a:cs typeface="+mn-cs"/>
         </a:defRPr>
       </a:lvl5pPr>
-      <a:lvl6pPr marL="2286000" algn="l" defTabSz="457200" rtl="0" eaLnBrk="1" latinLnBrk="0" hangingPunct="1">
-        <a:defRPr sz="1800" kern="1200">
+      <a:lvl6pPr marL="2286000" algn="l" defTabSz="457200">
+        <a:defRPr sz="1800">
           <a:solidFill>
             <a:schemeClr val="tx1"/>
           </a:solidFill>
@@ -3476,8 +3264,8 @@
           <a:cs typeface="+mn-cs"/>
         </a:defRPr>
       </a:lvl6pPr>
-      <a:lvl7pPr marL="2743200" algn="l" defTabSz="457200" rtl="0" eaLnBrk="1" latinLnBrk="0" hangingPunct="1">
-        <a:defRPr sz="1800" kern="1200">
+      <a:lvl7pPr marL="2743200" algn="l" defTabSz="457200">
+        <a:defRPr sz="1800">
           <a:solidFill>
             <a:schemeClr val="tx1"/>
           </a:solidFill>
@@ -3486,8 +3274,8 @@
           <a:cs typeface="+mn-cs"/>
         </a:defRPr>
       </a:lvl7pPr>
-      <a:lvl8pPr marL="3200400" algn="l" defTabSz="457200" rtl="0" eaLnBrk="1" latinLnBrk="0" hangingPunct="1">
-        <a:defRPr sz="1800" kern="1200">
+      <a:lvl8pPr marL="3200400" algn="l" defTabSz="457200">
+        <a:defRPr sz="1800">
           <a:solidFill>
             <a:schemeClr val="tx1"/>
           </a:solidFill>
@@ -3496,8 +3284,8 @@
           <a:cs typeface="+mn-cs"/>
         </a:defRPr>
       </a:lvl8pPr>
-      <a:lvl9pPr marL="3657600" algn="l" defTabSz="457200" rtl="0" eaLnBrk="1" latinLnBrk="0" hangingPunct="1">
-        <a:defRPr sz="1800" kern="1200">
+      <a:lvl9pPr marL="3657600" algn="l" defTabSz="457200">
+        <a:defRPr sz="1800">
           <a:solidFill>
             <a:schemeClr val="tx1"/>
           </a:solidFill>
@@ -3512,15 +3300,15 @@
 </file>
 
 <file path=ppt/slides/slide1.xml><?xml version="1.0" encoding="utf-8"?>
-<p:sld xmlns:a="http://schemas.openxmlformats.org/drawingml/2006/main" xmlns:r="http://schemas.openxmlformats.org/officeDocument/2006/relationships" xmlns:p="http://schemas.openxmlformats.org/presentationml/2006/main">
-  <p:cSld>
+<p:sld xmlns:a="http://schemas.openxmlformats.org/drawingml/2006/main" xmlns:r="http://schemas.openxmlformats.org/officeDocument/2006/relationships" xmlns:p="http://schemas.openxmlformats.org/presentationml/2006/main" xmlns:m="http://schemas.openxmlformats.org/officeDocument/2006/math" xmlns:w="http://schemas.openxmlformats.org/wordprocessingml/2006/main" showMasterPhAnim="0" show="1">
+  <p:cSld name="">
     <p:spTree>
       <p:nvGrpSpPr>
-        <p:cNvPr id="1" name=""/>
+        <p:cNvPr id="1" name="" hidden="0"/>
         <p:cNvGrpSpPr/>
-        <p:nvPr/>
+        <p:nvPr isPhoto="0" userDrawn="0"/>
       </p:nvGrpSpPr>
-      <p:grpSpPr>
+      <p:grpSpPr bwMode="auto">
         <a:xfrm>
           <a:off x="0" y="0"/>
           <a:ext cx="0" cy="0"/>
@@ -3530,11 +3318,11 @@
       </p:grpSpPr>
       <p:sp>
         <p:nvSpPr>
-          <p:cNvPr id="91" name="Rectangle 90"/>
+          <p:cNvPr id="4" name="Rectangle 90" hidden="0"/>
           <p:cNvSpPr/>
-          <p:nvPr/>
-        </p:nvSpPr>
-        <p:spPr>
+          <p:nvPr isPhoto="0" userDrawn="0"/>
+        </p:nvSpPr>
+        <p:spPr bwMode="auto">
           <a:xfrm>
             <a:off x="0" y="2766219"/>
             <a:ext cx="965200" cy="7912730"/>
@@ -3548,7 +3336,6 @@
           <a:ln>
             <a:noFill/>
           </a:ln>
-          <a:effectLst/>
         </p:spPr>
         <p:style>
           <a:lnRef idx="1">
@@ -3568,18 +3355,20 @@
           <a:bodyPr rtlCol="0" anchor="ctr"/>
           <a:lstStyle/>
           <a:p>
-            <a:pPr algn="ctr"/>
+            <a:pPr algn="ctr">
+              <a:defRPr/>
+            </a:pPr>
             <a:endParaRPr lang="en-US"/>
           </a:p>
         </p:txBody>
       </p:sp>
       <p:sp>
         <p:nvSpPr>
-          <p:cNvPr id="90" name="Rectangle 89"/>
+          <p:cNvPr id="5" name="Rectangle 89" hidden="0"/>
           <p:cNvSpPr/>
-          <p:nvPr/>
-        </p:nvSpPr>
-        <p:spPr>
+          <p:nvPr isPhoto="0" userDrawn="0"/>
+        </p:nvSpPr>
+        <p:spPr bwMode="auto">
           <a:xfrm>
             <a:off x="5422997" y="9295093"/>
             <a:ext cx="2120900" cy="1399196"/>
@@ -3593,7 +3382,6 @@
           <a:ln>
             <a:noFill/>
           </a:ln>
-          <a:effectLst/>
         </p:spPr>
         <p:style>
           <a:lnRef idx="1">
@@ -3613,20 +3401,22 @@
           <a:bodyPr rtlCol="0" anchor="ctr"/>
           <a:lstStyle/>
           <a:p>
-            <a:pPr algn="ctr"/>
+            <a:pPr algn="ctr">
+              <a:defRPr/>
+            </a:pPr>
             <a:endParaRPr lang="en-US"/>
           </a:p>
         </p:txBody>
       </p:sp>
       <p:sp>
         <p:nvSpPr>
-          <p:cNvPr id="89" name="Rectangle 88"/>
+          <p:cNvPr id="6" name="Rectangle 88" hidden="0"/>
           <p:cNvSpPr/>
-          <p:nvPr/>
-        </p:nvSpPr>
-        <p:spPr>
-          <a:xfrm>
-            <a:off x="5437285" y="2779538"/>
+          <p:nvPr isPhoto="0" userDrawn="0"/>
+        </p:nvSpPr>
+        <p:spPr bwMode="auto">
+          <a:xfrm>
+            <a:off x="5437284" y="2679699"/>
             <a:ext cx="2120900" cy="6515555"/>
           </a:xfrm>
           <a:prstGeom prst="rect">
@@ -3638,7 +3428,6 @@
           <a:ln>
             <a:noFill/>
           </a:ln>
-          <a:effectLst/>
         </p:spPr>
         <p:style>
           <a:lnRef idx="1">
@@ -3658,18 +3447,20 @@
           <a:bodyPr rtlCol="0" anchor="ctr"/>
           <a:lstStyle/>
           <a:p>
-            <a:pPr algn="ctr"/>
+            <a:pPr algn="ctr">
+              <a:defRPr/>
+            </a:pPr>
             <a:endParaRPr lang="en-US"/>
           </a:p>
         </p:txBody>
       </p:sp>
       <p:sp>
         <p:nvSpPr>
-          <p:cNvPr id="8" name="Rectangle 7"/>
+          <p:cNvPr id="7" name="Rectangle 7" hidden="0"/>
           <p:cNvSpPr/>
-          <p:nvPr/>
-        </p:nvSpPr>
-        <p:spPr>
+          <p:nvPr isPhoto="0" userDrawn="0"/>
+        </p:nvSpPr>
+        <p:spPr bwMode="auto">
           <a:xfrm>
             <a:off x="-12700" y="0"/>
             <a:ext cx="7575550" cy="2679700"/>
@@ -3683,7 +3474,6 @@
           <a:ln>
             <a:noFill/>
           </a:ln>
-          <a:effectLst/>
         </p:spPr>
         <p:style>
           <a:lnRef idx="1">
@@ -3703,18 +3493,22 @@
           <a:bodyPr rtlCol="0" anchor="ctr"/>
           <a:lstStyle/>
           <a:p>
-            <a:pPr algn="ctr"/>
+            <a:pPr algn="ctr">
+              <a:defRPr/>
+            </a:pPr>
             <a:endParaRPr lang="en-US"/>
           </a:p>
         </p:txBody>
       </p:sp>
       <p:sp>
         <p:nvSpPr>
-          <p:cNvPr id="4" name="TextBox 3"/>
-          <p:cNvSpPr txBox="1"/>
-          <p:nvPr/>
-        </p:nvSpPr>
-        <p:spPr>
+          <p:cNvPr id="8" name="TextBox 3" hidden="0"/>
+          <p:cNvSpPr>
+            <a:spLocks noAdjustHandles="0" noChangeArrowheads="0"/>
+          </p:cNvSpPr>
+          <p:nvPr isPhoto="0" userDrawn="0"/>
+        </p:nvSpPr>
+        <p:spPr bwMode="auto">
           <a:xfrm>
             <a:off x="156210" y="216094"/>
             <a:ext cx="3661833" cy="584775"/>
@@ -3730,27 +3524,33 @@
           </a:bodyPr>
           <a:lstStyle/>
           <a:p>
-            <a:r>
-              <a:rPr lang="en-US" sz="3200" b="1" dirty="0">
+            <a:pPr>
+              <a:defRPr/>
+            </a:pPr>
+            <a:r>
+              <a:rPr lang="en-US" sz="3200" b="1">
                 <a:solidFill>
                   <a:schemeClr val="bg1"/>
                 </a:solidFill>
               </a:rPr>
               <a:t>FABIEN DESABLENS</a:t>
             </a:r>
-          </a:p>
-        </p:txBody>
-      </p:sp>
-      <p:sp>
-        <p:nvSpPr>
-          <p:cNvPr id="48" name="TextBox 47"/>
-          <p:cNvSpPr txBox="1"/>
-          <p:nvPr/>
-        </p:nvSpPr>
-        <p:spPr>
-          <a:xfrm>
-            <a:off x="156210" y="635194"/>
-            <a:ext cx="2967567" cy="338554"/>
+            <a:endParaRPr/>
+          </a:p>
+        </p:txBody>
+      </p:sp>
+      <p:sp>
+        <p:nvSpPr>
+          <p:cNvPr id="9" name="TextBox 47" hidden="0"/>
+          <p:cNvSpPr>
+            <a:spLocks noAdjustHandles="0" noChangeArrowheads="0"/>
+          </p:cNvSpPr>
+          <p:nvPr isPhoto="0" userDrawn="0"/>
+        </p:nvSpPr>
+        <p:spPr bwMode="auto">
+          <a:xfrm>
+            <a:off x="156209" y="635193"/>
+            <a:ext cx="2968358" cy="335315"/>
           </a:xfrm>
           <a:prstGeom prst="rect">
             <a:avLst/>
@@ -3763,31 +3563,18 @@
           </a:bodyPr>
           <a:lstStyle/>
           <a:p>
-            <a:r>
-              <a:rPr lang="en-US" sz="1600" dirty="0" err="1">
+            <a:pPr>
+              <a:defRPr/>
+            </a:pPr>
+            <a:r>
+              <a:rPr lang="en-US" sz="1600">
                 <a:solidFill>
                   <a:schemeClr val="bg1"/>
                 </a:solidFill>
               </a:rPr>
-              <a:t>Préparateur</a:t>
-            </a:r>
-            <a:r>
-              <a:rPr lang="en-US" sz="1600" dirty="0">
-                <a:solidFill>
-                  <a:schemeClr val="bg1"/>
-                </a:solidFill>
-              </a:rPr>
-              <a:t> de </a:t>
-            </a:r>
-            <a:r>
-              <a:rPr lang="en-US" sz="1600" dirty="0" err="1">
-                <a:solidFill>
-                  <a:schemeClr val="bg1"/>
-                </a:solidFill>
-              </a:rPr>
-              <a:t>commande</a:t>
-            </a:r>
-            <a:endParaRPr lang="en-US" sz="1600" dirty="0">
+              <a:t>Junior Web Développeur</a:t>
+            </a:r>
+            <a:endParaRPr lang="en-US" sz="1600">
               <a:solidFill>
                 <a:schemeClr val="bg1"/>
               </a:solidFill>
@@ -3797,11 +3584,12 @@
       </p:sp>
       <p:cxnSp>
         <p:nvCxnSpPr>
-          <p:cNvPr id="6" name="Straight Connector 5"/>
-          <p:cNvCxnSpPr/>
-          <p:nvPr/>
+          <p:cNvPr id="10" name="Straight Connector 5" hidden="0"/>
+          <p:cNvCxnSpPr>
+            <a:cxnSpLocks/>
+          </p:cNvCxnSpPr>
         </p:nvCxnSpPr>
-        <p:spPr>
+        <p:spPr bwMode="auto">
           <a:xfrm>
             <a:off x="257811" y="986448"/>
             <a:ext cx="5067300" cy="0"/>
@@ -3814,7 +3602,6 @@
               <a:schemeClr val="tx2"/>
             </a:solidFill>
           </a:ln>
-          <a:effectLst/>
         </p:spPr>
         <p:style>
           <a:lnRef idx="2">
@@ -3833,11 +3620,13 @@
       </p:cxnSp>
       <p:sp>
         <p:nvSpPr>
-          <p:cNvPr id="51" name="TextBox 50"/>
-          <p:cNvSpPr txBox="1"/>
-          <p:nvPr/>
-        </p:nvSpPr>
-        <p:spPr>
+          <p:cNvPr id="11" name="TextBox 50" hidden="0"/>
+          <p:cNvSpPr>
+            <a:spLocks noAdjustHandles="0" noChangeArrowheads="0"/>
+          </p:cNvSpPr>
+          <p:nvPr isPhoto="0" userDrawn="0"/>
+        </p:nvSpPr>
+        <p:spPr bwMode="auto">
           <a:xfrm>
             <a:off x="156211" y="1075135"/>
             <a:ext cx="2057400" cy="384721"/>
@@ -3853,24 +3642,30 @@
           </a:bodyPr>
           <a:lstStyle/>
           <a:p>
-            <a:r>
-              <a:rPr lang="en-US" sz="1900" b="1" dirty="0">
+            <a:pPr>
+              <a:defRPr/>
+            </a:pPr>
+            <a:r>
+              <a:rPr lang="en-US" sz="1900" b="1">
                 <a:solidFill>
                   <a:schemeClr val="bg1"/>
                 </a:solidFill>
               </a:rPr>
               <a:t>A PROPOS DE MOI</a:t>
             </a:r>
-          </a:p>
-        </p:txBody>
-      </p:sp>
-      <p:sp>
-        <p:nvSpPr>
-          <p:cNvPr id="52" name="TextBox 51"/>
-          <p:cNvSpPr txBox="1"/>
-          <p:nvPr/>
-        </p:nvSpPr>
-        <p:spPr>
+            <a:endParaRPr/>
+          </a:p>
+        </p:txBody>
+      </p:sp>
+      <p:sp>
+        <p:nvSpPr>
+          <p:cNvPr id="12" name="TextBox 51" hidden="0"/>
+          <p:cNvSpPr>
+            <a:spLocks noAdjustHandles="0" noChangeArrowheads="0"/>
+          </p:cNvSpPr>
+          <p:nvPr isPhoto="0" userDrawn="0"/>
+        </p:nvSpPr>
+        <p:spPr bwMode="auto">
           <a:xfrm>
             <a:off x="156211" y="1379616"/>
             <a:ext cx="5168900" cy="815608"/>
@@ -3889,7 +3684,7 @@
             <a:pPr defTabSz="685800">
               <a:defRPr/>
             </a:pPr>
-            <a:endParaRPr lang="fr-FR" sz="1100" dirty="0">
+            <a:endParaRPr lang="fr-FR" sz="1100">
               <a:solidFill>
                 <a:schemeClr val="bg1"/>
               </a:solidFill>
@@ -3900,25 +3695,27 @@
               <a:defRPr/>
             </a:pPr>
             <a:r>
-              <a:rPr lang="fr-FR" sz="1200" dirty="0">
+              <a:rPr lang="fr-FR" sz="1200">
                 <a:solidFill>
                   <a:schemeClr val="bg1"/>
                 </a:solidFill>
               </a:rPr>
               <a:t>Étant familier dans le secteur de la préparation de commande, je saurai rapidement m’adapter à votre entreprise et vous faire bénéficier de mon expérience et de mon sens de la responsabilité.</a:t>
             </a:r>
+            <a:endParaRPr/>
           </a:p>
         </p:txBody>
       </p:sp>
       <p:cxnSp>
         <p:nvCxnSpPr>
-          <p:cNvPr id="54" name="Straight Connector 53"/>
-          <p:cNvCxnSpPr/>
-          <p:nvPr/>
+          <p:cNvPr id="13" name="Straight Connector 53" hidden="0"/>
+          <p:cNvCxnSpPr>
+            <a:cxnSpLocks/>
+          </p:cNvCxnSpPr>
         </p:nvCxnSpPr>
-        <p:spPr>
-          <a:xfrm>
-            <a:off x="-12700" y="2722959"/>
+        <p:spPr bwMode="auto">
+          <a:xfrm>
+            <a:off x="-12699" y="2679699"/>
             <a:ext cx="7575550" cy="0"/>
           </a:xfrm>
           <a:prstGeom prst="line">
@@ -3929,7 +3726,6 @@
               <a:schemeClr val="tx2"/>
             </a:solidFill>
           </a:ln>
-          <a:effectLst/>
         </p:spPr>
         <p:style>
           <a:lnRef idx="2">
@@ -3948,17 +3744,11 @@
       </p:cxnSp>
       <p:graphicFrame>
         <p:nvGraphicFramePr>
-          <p:cNvPr id="64" name="Tableau 19"/>
+          <p:cNvPr id="14" name="Tableau 19" hidden="0"/>
           <p:cNvGraphicFramePr>
-            <a:graphicFrameLocks noGrp="1"/>
+            <a:graphicFrameLocks xmlns:a="http://schemas.openxmlformats.org/drawingml/2006/main" noGrp="1"/>
           </p:cNvGraphicFramePr>
-          <p:nvPr>
-            <p:extLst>
-              <p:ext uri="{D42A27DB-BD31-4B8C-83A1-F6EECF244321}">
-                <p14:modId xmlns:p14="http://schemas.microsoft.com/office/powerpoint/2010/main" val="212931810"/>
-              </p:ext>
-            </p:extLst>
-          </p:nvPr>
+          <p:nvPr isPhoto="0" userDrawn="0"/>
         </p:nvGraphicFramePr>
         <p:xfrm>
           <a:off x="5547457" y="3382971"/>
@@ -3967,341 +3757,253 @@
         <a:graphic>
           <a:graphicData uri="http://schemas.openxmlformats.org/drawingml/2006/table">
             <a:tbl>
-              <a:tblPr firstRow="1" bandRow="1">
-                <a:tableStyleId>{2D5ABB26-0587-4C30-8999-92F81FD0307C}</a:tableStyleId>
+              <a:tblPr firstRow="1" firstCol="0" lastRow="0" lastCol="0" bandRow="1" bandCol="0">
+                <a:tableStyleId>{79C72D8E-F0A1-3B73-513B-CF45335C0A03}</a:tableStyleId>
               </a:tblPr>
               <a:tblGrid>
-                <a:gridCol w="2329082">
-                  <a:extLst>
-                    <a:ext uri="{9D8B030D-6E8A-4147-A177-3AD203B41FA5}">
-                      <a16:colId xmlns:a16="http://schemas.microsoft.com/office/drawing/2014/main" val="20000"/>
-                    </a:ext>
-                  </a:extLst>
-                </a:gridCol>
+                <a:gridCol w="2329082"/>
               </a:tblGrid>
               <a:tr h="414000">
                 <a:tc>
                   <a:txBody>
                     <a:bodyPr/>
-                    <a:lstStyle/>
                     <a:p>
                       <a:pPr marL="7938" indent="0">
                         <a:lnSpc>
                           <a:spcPct val="100000"/>
                         </a:lnSpc>
-                        <a:buFont typeface="Courier New" charset="0"/>
+                        <a:buFont typeface="Courier New"/>
                         <a:buNone/>
-                        <a:tabLst/>
+                        <a:defRPr/>
                       </a:pPr>
                       <a:r>
-                        <a:rPr lang="fr-FR" sz="1400" b="0" i="0" noProof="0" dirty="0">
+                        <a:rPr lang="fr-FR" sz="1400" b="0" i="0">
                           <a:solidFill>
                             <a:schemeClr val="bg1"/>
                           </a:solidFill>
                           <a:latin typeface="+mn-lt"/>
-                          <a:ea typeface="Times New Roman" charset="0"/>
-                          <a:cs typeface="Times New Roman" charset="0"/>
+                          <a:ea typeface="Times New Roman"/>
+                          <a:cs typeface="Times New Roman"/>
                         </a:rPr>
-                        <a:t>Windows</a:t>
+                        <a:t>HTML, CSS, SASS</a:t>
                       </a:r>
-                      <a:r>
-                        <a:rPr lang="fr-FR" sz="1400" b="0" i="0" baseline="0" noProof="0" dirty="0">
-                          <a:solidFill>
-                            <a:schemeClr val="bg1"/>
-                          </a:solidFill>
-                          <a:latin typeface="+mn-lt"/>
-                          <a:ea typeface="Times New Roman" charset="0"/>
-                          <a:cs typeface="Times New Roman" charset="0"/>
-                        </a:rPr>
-                        <a:t> 10, 8, 7</a:t>
-                      </a:r>
-                      <a:endParaRPr lang="fr-FR" sz="1400" b="0" i="0" noProof="0" dirty="0">
+                      <a:endParaRPr lang="fr-FR" sz="1400" b="0" i="0">
                         <a:solidFill>
                           <a:schemeClr val="bg1"/>
                         </a:solidFill>
                         <a:latin typeface="+mn-lt"/>
-                        <a:ea typeface="Times New Roman" charset="0"/>
-                        <a:cs typeface="Times New Roman" charset="0"/>
+                        <a:ea typeface="Times New Roman"/>
+                        <a:cs typeface="Times New Roman"/>
                       </a:endParaRPr>
                     </a:p>
                   </a:txBody>
                   <a:tcPr anchor="ctr"/>
                 </a:tc>
-                <a:extLst>
-                  <a:ext uri="{0D108BD9-81ED-4DB2-BD59-A6C34878D82A}">
-                    <a16:rowId xmlns:a16="http://schemas.microsoft.com/office/drawing/2014/main" val="10000"/>
-                  </a:ext>
-                </a:extLst>
               </a:tr>
               <a:tr h="414000">
                 <a:tc>
                   <a:txBody>
                     <a:bodyPr/>
-                    <a:lstStyle/>
                     <a:p>
                       <a:pPr marL="7938" indent="0">
                         <a:lnSpc>
                           <a:spcPct val="100000"/>
                         </a:lnSpc>
-                        <a:buFont typeface="Courier New" charset="0"/>
+                        <a:buFont typeface="Courier New"/>
                         <a:buNone/>
-                        <a:tabLst/>
+                        <a:defRPr/>
                       </a:pPr>
                       <a:r>
-                        <a:rPr lang="fr-FR" sz="1400" b="0" i="0" noProof="0" dirty="0">
+                        <a:rPr lang="fr-FR" sz="1400" b="0" i="0">
                           <a:solidFill>
                             <a:schemeClr val="bg1"/>
                           </a:solidFill>
                           <a:latin typeface="+mn-lt"/>
-                          <a:ea typeface="Times New Roman" charset="0"/>
-                          <a:cs typeface="Times New Roman" charset="0"/>
+                          <a:ea typeface="Times New Roman"/>
+                          <a:cs typeface="Times New Roman"/>
                         </a:rPr>
-                        <a:t>Suite</a:t>
+                        <a:t>Javascript</a:t>
                       </a:r>
-                      <a:r>
-                        <a:rPr lang="fr-FR" sz="1400" b="0" i="0" baseline="0" noProof="0" dirty="0">
-                          <a:solidFill>
-                            <a:schemeClr val="bg1"/>
-                          </a:solidFill>
-                          <a:latin typeface="+mn-lt"/>
-                          <a:ea typeface="Times New Roman" charset="0"/>
-                          <a:cs typeface="Times New Roman" charset="0"/>
-                        </a:rPr>
-                        <a:t> Office (Word,…)</a:t>
-                      </a:r>
-                      <a:endParaRPr lang="fr-FR" sz="1400" b="0" i="0" noProof="0" dirty="0">
+                      <a:endParaRPr lang="fr-FR" sz="1400" b="0" i="0">
                         <a:solidFill>
                           <a:schemeClr val="bg1"/>
                         </a:solidFill>
                         <a:latin typeface="+mn-lt"/>
-                        <a:ea typeface="Times New Roman" charset="0"/>
-                        <a:cs typeface="Times New Roman" charset="0"/>
+                        <a:ea typeface="Times New Roman"/>
+                        <a:cs typeface="Times New Roman"/>
                       </a:endParaRPr>
                     </a:p>
                   </a:txBody>
                   <a:tcPr anchor="ctr"/>
                 </a:tc>
-                <a:extLst>
-                  <a:ext uri="{0D108BD9-81ED-4DB2-BD59-A6C34878D82A}">
-                    <a16:rowId xmlns:a16="http://schemas.microsoft.com/office/drawing/2014/main" val="10001"/>
-                  </a:ext>
-                </a:extLst>
               </a:tr>
               <a:tr h="414000">
                 <a:tc>
                   <a:txBody>
                     <a:bodyPr/>
-                    <a:lstStyle/>
                     <a:p>
                       <a:pPr marL="7938" indent="0">
                         <a:lnSpc>
                           <a:spcPct val="100000"/>
                         </a:lnSpc>
-                        <a:buFont typeface="Courier New" charset="0"/>
+                        <a:buFont typeface="Courier New"/>
                         <a:buNone/>
-                        <a:tabLst/>
+                        <a:defRPr/>
                       </a:pPr>
                       <a:r>
-                        <a:rPr lang="fr-FR" sz="1400" b="0" i="0" noProof="0" dirty="0">
+                        <a:rPr lang="fr-FR" sz="1400" b="0" i="0">
                           <a:solidFill>
                             <a:schemeClr val="bg1"/>
                           </a:solidFill>
                           <a:latin typeface="+mn-lt"/>
-                          <a:ea typeface="Times New Roman" charset="0"/>
-                          <a:cs typeface="Times New Roman" charset="0"/>
+                          <a:ea typeface="Times New Roman"/>
+                          <a:cs typeface="Times New Roman"/>
                         </a:rPr>
-                        <a:t>Adobe Photoshop</a:t>
+                        <a:t>Bootstrap</a:t>
                       </a:r>
+                      <a:endParaRPr/>
                     </a:p>
                   </a:txBody>
                   <a:tcPr anchor="ctr"/>
                 </a:tc>
-                <a:extLst>
-                  <a:ext uri="{0D108BD9-81ED-4DB2-BD59-A6C34878D82A}">
-                    <a16:rowId xmlns:a16="http://schemas.microsoft.com/office/drawing/2014/main" val="10002"/>
-                  </a:ext>
-                </a:extLst>
               </a:tr>
               <a:tr h="414000">
                 <a:tc>
                   <a:txBody>
                     <a:bodyPr/>
-                    <a:lstStyle/>
                     <a:p>
                       <a:pPr marL="7938" indent="0">
                         <a:lnSpc>
                           <a:spcPct val="100000"/>
                         </a:lnSpc>
-                        <a:buFont typeface="Courier New" charset="0"/>
+                        <a:buFont typeface="Courier New"/>
                         <a:buNone/>
-                        <a:tabLst/>
+                        <a:defRPr/>
                       </a:pPr>
                       <a:r>
-                        <a:rPr lang="fr-FR" sz="1400" b="0" i="0" noProof="0" dirty="0">
+                        <a:rPr lang="fr-FR" sz="1400" b="0" i="0">
                           <a:solidFill>
                             <a:schemeClr val="bg1"/>
                           </a:solidFill>
                           <a:latin typeface="+mn-lt"/>
-                          <a:ea typeface="Times New Roman" charset="0"/>
-                          <a:cs typeface="Times New Roman" charset="0"/>
+                          <a:ea typeface="Times New Roman"/>
+                          <a:cs typeface="Times New Roman"/>
                         </a:rPr>
                         <a:t>Adobe</a:t>
                       </a:r>
                       <a:r>
-                        <a:rPr lang="fr-FR" sz="1400" b="0" i="0" baseline="0" noProof="0" dirty="0">
+                        <a:rPr lang="fr-FR" sz="1400" b="0" i="0">
                           <a:solidFill>
                             <a:schemeClr val="bg1"/>
                           </a:solidFill>
                           <a:latin typeface="+mn-lt"/>
-                          <a:ea typeface="Times New Roman" charset="0"/>
-                          <a:cs typeface="Times New Roman" charset="0"/>
+                          <a:ea typeface="Times New Roman"/>
+                          <a:cs typeface="Times New Roman"/>
                         </a:rPr>
                         <a:t> </a:t>
                       </a:r>
-                      <a:r>
-                        <a:rPr lang="fr-FR" sz="1400" b="0" i="0" baseline="0" noProof="0" dirty="0" err="1">
-                          <a:solidFill>
-                            <a:schemeClr val="bg1"/>
-                          </a:solidFill>
-                          <a:latin typeface="+mn-lt"/>
-                          <a:ea typeface="Times New Roman" charset="0"/>
-                          <a:cs typeface="Times New Roman" charset="0"/>
-                        </a:rPr>
-                        <a:t>Premiere</a:t>
-                      </a:r>
-                      <a:r>
-                        <a:rPr lang="fr-FR" sz="1400" b="0" i="0" baseline="0" noProof="0" dirty="0">
-                          <a:solidFill>
-                            <a:schemeClr val="bg1"/>
-                          </a:solidFill>
-                          <a:latin typeface="+mn-lt"/>
-                          <a:ea typeface="Times New Roman" charset="0"/>
-                          <a:cs typeface="Times New Roman" charset="0"/>
-                        </a:rPr>
-                        <a:t> Pro</a:t>
-                      </a:r>
-                      <a:endParaRPr lang="fr-FR" sz="1400" b="0" i="0" noProof="0" dirty="0">
+                      <a:endParaRPr lang="fr-FR" sz="1400" b="0" i="0">
                         <a:solidFill>
                           <a:schemeClr val="bg1"/>
                         </a:solidFill>
                         <a:latin typeface="+mn-lt"/>
-                        <a:ea typeface="Times New Roman" charset="0"/>
-                        <a:cs typeface="Times New Roman" charset="0"/>
+                        <a:ea typeface="Times New Roman"/>
+                        <a:cs typeface="Times New Roman"/>
                       </a:endParaRPr>
                     </a:p>
                   </a:txBody>
                   <a:tcPr anchor="ctr"/>
                 </a:tc>
-                <a:extLst>
-                  <a:ext uri="{0D108BD9-81ED-4DB2-BD59-A6C34878D82A}">
-                    <a16:rowId xmlns:a16="http://schemas.microsoft.com/office/drawing/2014/main" val="10003"/>
-                  </a:ext>
-                </a:extLst>
               </a:tr>
               <a:tr h="414000">
                 <a:tc>
                   <a:txBody>
                     <a:bodyPr/>
-                    <a:lstStyle/>
                     <a:p>
                       <a:pPr marL="7938" indent="0">
                         <a:lnSpc>
                           <a:spcPct val="100000"/>
                         </a:lnSpc>
-                        <a:buFont typeface="Courier New" charset="0"/>
+                        <a:buFont typeface="Courier New"/>
                         <a:buNone/>
-                        <a:tabLst/>
+                        <a:defRPr/>
                       </a:pPr>
                       <a:r>
-                        <a:rPr lang="fr-FR" sz="1400" b="0" i="0" noProof="0" dirty="0">
+                        <a:rPr lang="fr-FR" sz="1400" b="0" i="0">
                           <a:solidFill>
                             <a:schemeClr val="bg1"/>
                           </a:solidFill>
                           <a:latin typeface="+mn-lt"/>
-                          <a:ea typeface="Times New Roman" charset="0"/>
-                          <a:cs typeface="Times New Roman" charset="0"/>
+                          <a:ea typeface="Times New Roman"/>
+                          <a:cs typeface="Times New Roman"/>
                         </a:rPr>
                         <a:t>Powerpoint</a:t>
                       </a:r>
+                      <a:endParaRPr/>
                     </a:p>
                   </a:txBody>
                   <a:tcPr anchor="ctr"/>
                 </a:tc>
-                <a:extLst>
-                  <a:ext uri="{0D108BD9-81ED-4DB2-BD59-A6C34878D82A}">
-                    <a16:rowId xmlns:a16="http://schemas.microsoft.com/office/drawing/2014/main" val="10004"/>
-                  </a:ext>
-                </a:extLst>
               </a:tr>
               <a:tr h="414000">
                 <a:tc>
                   <a:txBody>
                     <a:bodyPr/>
-                    <a:lstStyle/>
                     <a:p>
                       <a:pPr marL="7938" indent="0">
                         <a:lnSpc>
                           <a:spcPct val="100000"/>
                         </a:lnSpc>
-                        <a:buFont typeface="Courier New" charset="0"/>
+                        <a:buFont typeface="Courier New"/>
                         <a:buNone/>
-                        <a:tabLst/>
+                        <a:defRPr/>
                       </a:pPr>
                       <a:r>
-                        <a:rPr lang="fr-FR" sz="1400" b="0" i="0" noProof="0" dirty="0">
+                        <a:rPr lang="fr-FR" sz="1400" b="0" i="0">
                           <a:solidFill>
                             <a:schemeClr val="bg1"/>
                           </a:solidFill>
                           <a:latin typeface="+mn-lt"/>
-                          <a:ea typeface="Times New Roman" charset="0"/>
-                          <a:cs typeface="Times New Roman" charset="0"/>
+                          <a:ea typeface="Times New Roman"/>
+                          <a:cs typeface="Times New Roman"/>
                         </a:rPr>
                         <a:t>Créativité</a:t>
                       </a:r>
+                      <a:endParaRPr/>
                     </a:p>
                   </a:txBody>
                   <a:tcPr anchor="ctr"/>
                 </a:tc>
-                <a:extLst>
-                  <a:ext uri="{0D108BD9-81ED-4DB2-BD59-A6C34878D82A}">
-                    <a16:rowId xmlns:a16="http://schemas.microsoft.com/office/drawing/2014/main" val="10005"/>
-                  </a:ext>
-                </a:extLst>
               </a:tr>
               <a:tr h="414000">
                 <a:tc>
                   <a:txBody>
                     <a:bodyPr/>
-                    <a:lstStyle/>
                     <a:p>
                       <a:pPr marL="7938" indent="0">
                         <a:lnSpc>
                           <a:spcPct val="100000"/>
                         </a:lnSpc>
-                        <a:buFont typeface="Courier New" charset="0"/>
+                        <a:buFont typeface="Courier New"/>
                         <a:buNone/>
-                        <a:tabLst/>
+                        <a:defRPr/>
                       </a:pPr>
                       <a:r>
-                        <a:rPr lang="fr-FR" sz="1400" b="0" i="0" noProof="0" dirty="0">
+                        <a:rPr lang="fr-FR" sz="1400" b="0" i="0">
                           <a:solidFill>
                             <a:schemeClr val="bg1"/>
                           </a:solidFill>
                           <a:latin typeface="+mn-lt"/>
-                          <a:ea typeface="Times New Roman" charset="0"/>
-                          <a:cs typeface="Times New Roman" charset="0"/>
+                          <a:ea typeface="Times New Roman"/>
+                          <a:cs typeface="Times New Roman"/>
                         </a:rPr>
                         <a:t>Passion</a:t>
                       </a:r>
+                      <a:endParaRPr/>
                     </a:p>
                   </a:txBody>
                   <a:tcPr anchor="ctr"/>
                 </a:tc>
-                <a:extLst>
-                  <a:ext uri="{0D108BD9-81ED-4DB2-BD59-A6C34878D82A}">
-                    <a16:rowId xmlns:a16="http://schemas.microsoft.com/office/drawing/2014/main" val="10006"/>
-                  </a:ext>
-                </a:extLst>
               </a:tr>
             </a:tbl>
           </a:graphicData>
@@ -4309,11 +4011,11 @@
       </p:graphicFrame>
       <p:sp>
         <p:nvSpPr>
-          <p:cNvPr id="65" name="Rectangle 64"/>
+          <p:cNvPr id="15" name="Rectangle 64" hidden="0"/>
           <p:cNvSpPr/>
-          <p:nvPr/>
-        </p:nvSpPr>
-        <p:spPr>
+          <p:nvPr isPhoto="0" userDrawn="0"/>
+        </p:nvSpPr>
+        <p:spPr bwMode="auto">
           <a:xfrm>
             <a:off x="5642707" y="3781872"/>
             <a:ext cx="1761490" cy="86088"/>
@@ -4346,18 +4048,20 @@
           <a:bodyPr rtlCol="0" anchor="ctr"/>
           <a:lstStyle/>
           <a:p>
-            <a:pPr algn="ctr"/>
+            <a:pPr algn="ctr">
+              <a:defRPr/>
+            </a:pPr>
             <a:endParaRPr lang="en-US"/>
           </a:p>
         </p:txBody>
       </p:sp>
       <p:sp>
         <p:nvSpPr>
-          <p:cNvPr id="66" name="Rectangle 65"/>
+          <p:cNvPr id="16" name="Rectangle 65" hidden="0"/>
           <p:cNvSpPr/>
-          <p:nvPr/>
-        </p:nvSpPr>
-        <p:spPr>
+          <p:nvPr isPhoto="0" userDrawn="0"/>
+        </p:nvSpPr>
+        <p:spPr bwMode="auto">
           <a:xfrm>
             <a:off x="5642706" y="3781051"/>
             <a:ext cx="1304896" cy="86910"/>
@@ -4390,18 +4094,20 @@
           <a:bodyPr rtlCol="0" anchor="ctr"/>
           <a:lstStyle/>
           <a:p>
-            <a:pPr algn="ctr"/>
+            <a:pPr algn="ctr">
+              <a:defRPr/>
+            </a:pPr>
             <a:endParaRPr lang="en-US"/>
           </a:p>
         </p:txBody>
       </p:sp>
       <p:sp>
         <p:nvSpPr>
-          <p:cNvPr id="67" name="Rectangle 66"/>
+          <p:cNvPr id="17" name="Rectangle 66" hidden="0"/>
           <p:cNvSpPr/>
-          <p:nvPr/>
-        </p:nvSpPr>
-        <p:spPr>
+          <p:nvPr isPhoto="0" userDrawn="0"/>
+        </p:nvSpPr>
+        <p:spPr bwMode="auto">
           <a:xfrm>
             <a:off x="5642707" y="4181922"/>
             <a:ext cx="1761490" cy="86088"/>
@@ -4434,18 +4140,20 @@
           <a:bodyPr rtlCol="0" anchor="ctr"/>
           <a:lstStyle/>
           <a:p>
-            <a:pPr algn="ctr"/>
+            <a:pPr algn="ctr">
+              <a:defRPr/>
+            </a:pPr>
             <a:endParaRPr lang="en-US"/>
           </a:p>
         </p:txBody>
       </p:sp>
       <p:sp>
         <p:nvSpPr>
-          <p:cNvPr id="68" name="Rectangle 67"/>
+          <p:cNvPr id="18" name="Rectangle 67" hidden="0"/>
           <p:cNvSpPr/>
-          <p:nvPr/>
-        </p:nvSpPr>
-        <p:spPr>
+          <p:nvPr isPhoto="0" userDrawn="0"/>
+        </p:nvSpPr>
+        <p:spPr bwMode="auto">
           <a:xfrm>
             <a:off x="5642706" y="4181200"/>
             <a:ext cx="1401561" cy="82562"/>
@@ -4478,18 +4186,20 @@
           <a:bodyPr rtlCol="0" anchor="ctr"/>
           <a:lstStyle/>
           <a:p>
-            <a:pPr algn="ctr"/>
+            <a:pPr algn="ctr">
+              <a:defRPr/>
+            </a:pPr>
             <a:endParaRPr lang="en-US"/>
           </a:p>
         </p:txBody>
       </p:sp>
       <p:sp>
         <p:nvSpPr>
-          <p:cNvPr id="2" name="Rectangle 1"/>
+          <p:cNvPr id="19" name="Rectangle 1" hidden="0"/>
           <p:cNvSpPr/>
-          <p:nvPr/>
-        </p:nvSpPr>
-        <p:spPr>
+          <p:nvPr isPhoto="0" userDrawn="0"/>
+        </p:nvSpPr>
+        <p:spPr bwMode="auto">
           <a:xfrm>
             <a:off x="5422997" y="7017559"/>
             <a:ext cx="2120900" cy="243136"/>
@@ -4503,7 +4213,6 @@
           <a:ln>
             <a:noFill/>
           </a:ln>
-          <a:effectLst/>
         </p:spPr>
         <p:style>
           <a:lnRef idx="1">
@@ -4523,18 +4232,20 @@
           <a:bodyPr rtlCol="0" anchor="ctr"/>
           <a:lstStyle/>
           <a:p>
-            <a:pPr algn="ctr"/>
+            <a:pPr algn="ctr">
+              <a:defRPr/>
+            </a:pPr>
             <a:endParaRPr lang="fr-FR"/>
           </a:p>
         </p:txBody>
       </p:sp>
       <p:sp>
         <p:nvSpPr>
-          <p:cNvPr id="69" name="Rectangle 68"/>
+          <p:cNvPr id="20" name="Rectangle 68" hidden="0"/>
           <p:cNvSpPr/>
-          <p:nvPr/>
-        </p:nvSpPr>
-        <p:spPr>
+          <p:nvPr isPhoto="0" userDrawn="0"/>
+        </p:nvSpPr>
+        <p:spPr bwMode="auto">
           <a:xfrm>
             <a:off x="5642707" y="4594672"/>
             <a:ext cx="1761490" cy="86088"/>
@@ -4567,18 +4278,20 @@
           <a:bodyPr rtlCol="0" anchor="ctr"/>
           <a:lstStyle/>
           <a:p>
-            <a:pPr algn="ctr"/>
+            <a:pPr algn="ctr">
+              <a:defRPr/>
+            </a:pPr>
             <a:endParaRPr lang="en-US"/>
           </a:p>
         </p:txBody>
       </p:sp>
       <p:sp>
         <p:nvSpPr>
-          <p:cNvPr id="70" name="Rectangle 69"/>
+          <p:cNvPr id="21" name="Rectangle 69" hidden="0"/>
           <p:cNvSpPr/>
-          <p:nvPr/>
-        </p:nvSpPr>
-        <p:spPr>
+          <p:nvPr isPhoto="0" userDrawn="0"/>
+        </p:nvSpPr>
+        <p:spPr bwMode="auto">
           <a:xfrm>
             <a:off x="5642706" y="4593951"/>
             <a:ext cx="1208037" cy="86088"/>
@@ -4611,18 +4324,20 @@
           <a:bodyPr rtlCol="0" anchor="ctr"/>
           <a:lstStyle/>
           <a:p>
-            <a:pPr algn="ctr"/>
+            <a:pPr algn="ctr">
+              <a:defRPr/>
+            </a:pPr>
             <a:endParaRPr lang="en-US"/>
           </a:p>
         </p:txBody>
       </p:sp>
       <p:sp>
         <p:nvSpPr>
-          <p:cNvPr id="71" name="Rectangle 70"/>
+          <p:cNvPr id="22" name="Rectangle 70" hidden="0"/>
           <p:cNvSpPr/>
-          <p:nvPr/>
-        </p:nvSpPr>
-        <p:spPr>
+          <p:nvPr isPhoto="0" userDrawn="0"/>
+        </p:nvSpPr>
+        <p:spPr bwMode="auto">
           <a:xfrm>
             <a:off x="5642707" y="5001072"/>
             <a:ext cx="1761490" cy="86088"/>
@@ -4655,18 +4370,20 @@
           <a:bodyPr rtlCol="0" anchor="ctr"/>
           <a:lstStyle/>
           <a:p>
-            <a:pPr algn="ctr"/>
+            <a:pPr algn="ctr">
+              <a:defRPr/>
+            </a:pPr>
             <a:endParaRPr lang="en-US"/>
           </a:p>
         </p:txBody>
       </p:sp>
       <p:sp>
         <p:nvSpPr>
-          <p:cNvPr id="72" name="Rectangle 71"/>
+          <p:cNvPr id="23" name="Rectangle 71" hidden="0"/>
           <p:cNvSpPr/>
-          <p:nvPr/>
-        </p:nvSpPr>
-        <p:spPr>
+          <p:nvPr isPhoto="0" userDrawn="0"/>
+        </p:nvSpPr>
+        <p:spPr bwMode="auto">
           <a:xfrm>
             <a:off x="5642706" y="5000350"/>
             <a:ext cx="1304896" cy="86909"/>
@@ -4699,18 +4416,20 @@
           <a:bodyPr rtlCol="0" anchor="ctr"/>
           <a:lstStyle/>
           <a:p>
-            <a:pPr algn="ctr"/>
+            <a:pPr algn="ctr">
+              <a:defRPr/>
+            </a:pPr>
             <a:endParaRPr lang="en-US"/>
           </a:p>
         </p:txBody>
       </p:sp>
       <p:sp>
         <p:nvSpPr>
-          <p:cNvPr id="73" name="Rectangle 72"/>
+          <p:cNvPr id="24" name="Rectangle 72" hidden="0"/>
           <p:cNvSpPr/>
-          <p:nvPr/>
-        </p:nvSpPr>
-        <p:spPr>
+          <p:nvPr isPhoto="0" userDrawn="0"/>
+        </p:nvSpPr>
+        <p:spPr bwMode="auto">
           <a:xfrm>
             <a:off x="5642707" y="5413822"/>
             <a:ext cx="1761490" cy="86088"/>
@@ -4743,18 +4462,20 @@
           <a:bodyPr rtlCol="0" anchor="ctr"/>
           <a:lstStyle/>
           <a:p>
-            <a:pPr algn="ctr"/>
+            <a:pPr algn="ctr">
+              <a:defRPr/>
+            </a:pPr>
             <a:endParaRPr lang="en-US"/>
           </a:p>
         </p:txBody>
       </p:sp>
       <p:sp>
         <p:nvSpPr>
-          <p:cNvPr id="74" name="Rectangle 73"/>
+          <p:cNvPr id="25" name="Rectangle 73" hidden="0"/>
           <p:cNvSpPr/>
-          <p:nvPr/>
-        </p:nvSpPr>
-        <p:spPr>
+          <p:nvPr isPhoto="0" userDrawn="0"/>
+        </p:nvSpPr>
+        <p:spPr bwMode="auto">
           <a:xfrm>
             <a:off x="5642706" y="5413100"/>
             <a:ext cx="1181427" cy="86909"/>
@@ -4787,18 +4508,20 @@
           <a:bodyPr rtlCol="0" anchor="ctr"/>
           <a:lstStyle/>
           <a:p>
-            <a:pPr algn="ctr"/>
+            <a:pPr algn="ctr">
+              <a:defRPr/>
+            </a:pPr>
             <a:endParaRPr lang="en-US"/>
           </a:p>
         </p:txBody>
       </p:sp>
       <p:sp>
         <p:nvSpPr>
-          <p:cNvPr id="75" name="Rectangle 74"/>
+          <p:cNvPr id="26" name="Rectangle 74" hidden="0"/>
           <p:cNvSpPr/>
-          <p:nvPr/>
-        </p:nvSpPr>
-        <p:spPr>
+          <p:nvPr isPhoto="0" userDrawn="0"/>
+        </p:nvSpPr>
+        <p:spPr bwMode="auto">
           <a:xfrm>
             <a:off x="5642707" y="5820222"/>
             <a:ext cx="1761490" cy="86088"/>
@@ -4831,18 +4554,20 @@
           <a:bodyPr rtlCol="0" anchor="ctr"/>
           <a:lstStyle/>
           <a:p>
-            <a:pPr algn="ctr"/>
+            <a:pPr algn="ctr">
+              <a:defRPr/>
+            </a:pPr>
             <a:endParaRPr lang="en-US"/>
           </a:p>
         </p:txBody>
       </p:sp>
       <p:sp>
         <p:nvSpPr>
-          <p:cNvPr id="76" name="Rectangle 75"/>
+          <p:cNvPr id="27" name="Rectangle 75" hidden="0"/>
           <p:cNvSpPr/>
-          <p:nvPr/>
-        </p:nvSpPr>
-        <p:spPr>
+          <p:nvPr isPhoto="0" userDrawn="0"/>
+        </p:nvSpPr>
+        <p:spPr bwMode="auto">
           <a:xfrm>
             <a:off x="5642706" y="5819500"/>
             <a:ext cx="1143857" cy="86909"/>
@@ -4875,18 +4600,20 @@
           <a:bodyPr rtlCol="0" anchor="ctr"/>
           <a:lstStyle/>
           <a:p>
-            <a:pPr algn="ctr"/>
+            <a:pPr algn="ctr">
+              <a:defRPr/>
+            </a:pPr>
             <a:endParaRPr lang="en-US"/>
           </a:p>
         </p:txBody>
       </p:sp>
       <p:sp>
         <p:nvSpPr>
-          <p:cNvPr id="77" name="Rectangle 76"/>
+          <p:cNvPr id="28" name="Rectangle 76" hidden="0"/>
           <p:cNvSpPr/>
-          <p:nvPr/>
-        </p:nvSpPr>
-        <p:spPr>
+          <p:nvPr isPhoto="0" userDrawn="0"/>
+        </p:nvSpPr>
+        <p:spPr bwMode="auto">
           <a:xfrm>
             <a:off x="5642707" y="6226622"/>
             <a:ext cx="1761490" cy="86088"/>
@@ -4919,21 +4646,23 @@
           <a:bodyPr rtlCol="0" anchor="ctr"/>
           <a:lstStyle/>
           <a:p>
-            <a:pPr algn="ctr"/>
+            <a:pPr algn="ctr">
+              <a:defRPr/>
+            </a:pPr>
             <a:endParaRPr lang="en-US"/>
           </a:p>
         </p:txBody>
       </p:sp>
       <p:sp>
         <p:nvSpPr>
-          <p:cNvPr id="78" name="Rectangle 77"/>
+          <p:cNvPr id="29" name="Rectangle 77" hidden="0"/>
           <p:cNvSpPr/>
-          <p:nvPr/>
-        </p:nvSpPr>
-        <p:spPr>
-          <a:xfrm>
-            <a:off x="5642707" y="6225900"/>
-            <a:ext cx="1517674" cy="86909"/>
+          <p:nvPr isPhoto="0" userDrawn="0"/>
+        </p:nvSpPr>
+        <p:spPr bwMode="auto">
+          <a:xfrm flipH="0" flipV="0">
+            <a:off x="5642706" y="6225899"/>
+            <a:ext cx="1612980" cy="86908"/>
           </a:xfrm>
           <a:prstGeom prst="rect">
             <a:avLst/>
@@ -4963,24 +4692,20 @@
           <a:bodyPr rtlCol="0" anchor="ctr"/>
           <a:lstStyle/>
           <a:p>
-            <a:pPr algn="ctr"/>
+            <a:pPr algn="ctr">
+              <a:defRPr/>
+            </a:pPr>
             <a:endParaRPr lang="en-US"/>
           </a:p>
         </p:txBody>
       </p:sp>
       <p:graphicFrame>
         <p:nvGraphicFramePr>
-          <p:cNvPr id="79" name="Tableau 19"/>
+          <p:cNvPr id="30" name="Tableau 19" hidden="0"/>
           <p:cNvGraphicFramePr>
-            <a:graphicFrameLocks noGrp="1"/>
+            <a:graphicFrameLocks xmlns:a="http://schemas.openxmlformats.org/drawingml/2006/main" noGrp="1"/>
           </p:cNvGraphicFramePr>
-          <p:nvPr>
-            <p:extLst>
-              <p:ext uri="{D42A27DB-BD31-4B8C-83A1-F6EECF244321}">
-                <p14:modId xmlns:p14="http://schemas.microsoft.com/office/powerpoint/2010/main" val="1060299918"/>
-              </p:ext>
-            </p:extLst>
-          </p:nvPr>
+          <p:nvPr isPhoto="0" userDrawn="0"/>
         </p:nvGraphicFramePr>
         <p:xfrm>
           <a:off x="5547457" y="7383471"/>
@@ -4989,122 +4714,101 @@
         <a:graphic>
           <a:graphicData uri="http://schemas.openxmlformats.org/drawingml/2006/table">
             <a:tbl>
-              <a:tblPr firstRow="1" bandRow="1">
-                <a:tableStyleId>{2D5ABB26-0587-4C30-8999-92F81FD0307C}</a:tableStyleId>
+              <a:tblPr firstRow="1" firstCol="0" lastRow="0" lastCol="0" bandRow="1" bandCol="0">
+                <a:tableStyleId>{79C72D8E-F0A1-3B73-513B-CF45335C0A03}</a:tableStyleId>
               </a:tblPr>
               <a:tblGrid>
-                <a:gridCol w="2329082">
-                  <a:extLst>
-                    <a:ext uri="{9D8B030D-6E8A-4147-A177-3AD203B41FA5}">
-                      <a16:colId xmlns:a16="http://schemas.microsoft.com/office/drawing/2014/main" val="20000"/>
-                    </a:ext>
-                  </a:extLst>
-                </a:gridCol>
+                <a:gridCol w="2329082"/>
               </a:tblGrid>
               <a:tr h="414000">
                 <a:tc>
                   <a:txBody>
                     <a:bodyPr/>
-                    <a:lstStyle/>
                     <a:p>
                       <a:pPr marL="7938" indent="0">
                         <a:lnSpc>
                           <a:spcPct val="100000"/>
                         </a:lnSpc>
-                        <a:buFont typeface="Courier New" charset="0"/>
+                        <a:buFont typeface="Courier New"/>
                         <a:buNone/>
-                        <a:tabLst/>
+                        <a:defRPr/>
                       </a:pPr>
                       <a:r>
-                        <a:rPr lang="fr-FR" sz="1400" b="0" i="0" noProof="0" dirty="0">
+                        <a:rPr lang="fr-FR" sz="1400" b="0" i="0">
                           <a:solidFill>
                             <a:schemeClr val="bg1"/>
                           </a:solidFill>
                           <a:latin typeface="+mn-lt"/>
-                          <a:ea typeface="Times New Roman" charset="0"/>
-                          <a:cs typeface="Times New Roman" charset="0"/>
+                          <a:ea typeface="Times New Roman"/>
+                          <a:cs typeface="Times New Roman"/>
                         </a:rPr>
                         <a:t>Anglais</a:t>
                       </a:r>
+                      <a:endParaRPr/>
                     </a:p>
                   </a:txBody>
                   <a:tcPr anchor="ctr"/>
                 </a:tc>
-                <a:extLst>
-                  <a:ext uri="{0D108BD9-81ED-4DB2-BD59-A6C34878D82A}">
-                    <a16:rowId xmlns:a16="http://schemas.microsoft.com/office/drawing/2014/main" val="10000"/>
-                  </a:ext>
-                </a:extLst>
               </a:tr>
               <a:tr h="414000">
                 <a:tc>
                   <a:txBody>
                     <a:bodyPr/>
-                    <a:lstStyle/>
                     <a:p>
                       <a:pPr marL="7938" indent="0">
                         <a:lnSpc>
                           <a:spcPct val="100000"/>
                         </a:lnSpc>
-                        <a:buFont typeface="Courier New" charset="0"/>
+                        <a:buFont typeface="Courier New"/>
                         <a:buNone/>
-                        <a:tabLst/>
+                        <a:defRPr/>
                       </a:pPr>
                       <a:r>
-                        <a:rPr lang="fr-FR" sz="1400" b="0" i="0" noProof="0" dirty="0">
+                        <a:rPr lang="fr-FR" sz="1400" b="0" i="0">
                           <a:solidFill>
                             <a:schemeClr val="bg1"/>
                           </a:solidFill>
                           <a:latin typeface="+mn-lt"/>
-                          <a:ea typeface="Times New Roman" charset="0"/>
-                          <a:cs typeface="Times New Roman" charset="0"/>
+                          <a:ea typeface="Times New Roman"/>
+                          <a:cs typeface="Times New Roman"/>
                         </a:rPr>
                         <a:t>Néerlandais</a:t>
                       </a:r>
+                      <a:endParaRPr/>
                     </a:p>
                   </a:txBody>
                   <a:tcPr anchor="ctr"/>
                 </a:tc>
-                <a:extLst>
-                  <a:ext uri="{0D108BD9-81ED-4DB2-BD59-A6C34878D82A}">
-                    <a16:rowId xmlns:a16="http://schemas.microsoft.com/office/drawing/2014/main" val="10001"/>
-                  </a:ext>
-                </a:extLst>
               </a:tr>
               <a:tr h="414000">
                 <a:tc>
                   <a:txBody>
                     <a:bodyPr/>
-                    <a:lstStyle/>
                     <a:p>
                       <a:pPr marL="7938" indent="0">
                         <a:lnSpc>
                           <a:spcPct val="100000"/>
                         </a:lnSpc>
-                        <a:buFont typeface="Courier New" charset="0"/>
+                        <a:buFont typeface="Courier New"/>
                         <a:buNone/>
-                        <a:tabLst/>
+                        <a:defRPr/>
                       </a:pPr>
                       <a:r>
-                        <a:rPr lang="fr-FR" sz="1400" b="0" i="0" noProof="0" dirty="0">
+                        <a:rPr lang="fr-FR" sz="1400" b="0" i="0">
                           <a:solidFill>
                             <a:schemeClr val="bg1"/>
                           </a:solidFill>
                           <a:latin typeface="+mn-lt"/>
-                          <a:ea typeface="Times New Roman" charset="0"/>
-                          <a:cs typeface="Times New Roman" charset="0"/>
+                          <a:ea typeface="Times New Roman"/>
+                          <a:cs typeface="Times New Roman"/>
                         </a:rPr>
                         <a:t>Espagnol</a:t>
                       </a:r>
+                      <a:endParaRPr/>
                     </a:p>
                   </a:txBody>
                   <a:tcPr anchor="ctr"/>
                 </a:tc>
-                <a:extLst>
-                  <a:ext uri="{0D108BD9-81ED-4DB2-BD59-A6C34878D82A}">
-                    <a16:rowId xmlns:a16="http://schemas.microsoft.com/office/drawing/2014/main" val="10002"/>
-                  </a:ext>
-                </a:extLst>
               </a:tr>
             </a:tbl>
           </a:graphicData>
@@ -5112,11 +4816,11 @@
       </p:graphicFrame>
       <p:sp>
         <p:nvSpPr>
-          <p:cNvPr id="80" name="Rectangle 79"/>
+          <p:cNvPr id="31" name="Rectangle 79" hidden="0"/>
           <p:cNvSpPr/>
-          <p:nvPr/>
-        </p:nvSpPr>
-        <p:spPr>
+          <p:nvPr isPhoto="0" userDrawn="0"/>
+        </p:nvSpPr>
+        <p:spPr bwMode="auto">
           <a:xfrm>
             <a:off x="5642707" y="7769672"/>
             <a:ext cx="1761490" cy="86088"/>
@@ -5149,18 +4853,20 @@
           <a:bodyPr rtlCol="0" anchor="ctr"/>
           <a:lstStyle/>
           <a:p>
-            <a:pPr algn="ctr"/>
+            <a:pPr algn="ctr">
+              <a:defRPr/>
+            </a:pPr>
             <a:endParaRPr lang="en-US"/>
           </a:p>
         </p:txBody>
       </p:sp>
       <p:sp>
         <p:nvSpPr>
-          <p:cNvPr id="81" name="Rectangle 80"/>
+          <p:cNvPr id="32" name="Rectangle 80" hidden="0"/>
           <p:cNvSpPr/>
-          <p:nvPr/>
-        </p:nvSpPr>
-        <p:spPr>
+          <p:nvPr isPhoto="0" userDrawn="0"/>
+        </p:nvSpPr>
+        <p:spPr bwMode="auto">
           <a:xfrm>
             <a:off x="5642706" y="7768950"/>
             <a:ext cx="1262919" cy="86909"/>
@@ -5193,18 +4899,20 @@
           <a:bodyPr rtlCol="0" anchor="ctr"/>
           <a:lstStyle/>
           <a:p>
-            <a:pPr algn="ctr"/>
+            <a:pPr algn="ctr">
+              <a:defRPr/>
+            </a:pPr>
             <a:endParaRPr lang="en-US"/>
           </a:p>
         </p:txBody>
       </p:sp>
       <p:sp>
         <p:nvSpPr>
-          <p:cNvPr id="82" name="Rectangle 81"/>
+          <p:cNvPr id="33" name="Rectangle 81" hidden="0"/>
           <p:cNvSpPr/>
-          <p:nvPr/>
-        </p:nvSpPr>
-        <p:spPr>
+          <p:nvPr isPhoto="0" userDrawn="0"/>
+        </p:nvSpPr>
+        <p:spPr bwMode="auto">
           <a:xfrm>
             <a:off x="5642707" y="8182422"/>
             <a:ext cx="1761490" cy="86088"/>
@@ -5237,21 +4945,23 @@
           <a:bodyPr rtlCol="0" anchor="ctr"/>
           <a:lstStyle/>
           <a:p>
-            <a:pPr algn="ctr"/>
+            <a:pPr algn="ctr">
+              <a:defRPr/>
+            </a:pPr>
             <a:endParaRPr lang="en-US"/>
           </a:p>
         </p:txBody>
       </p:sp>
       <p:sp>
         <p:nvSpPr>
-          <p:cNvPr id="83" name="Rectangle 82"/>
+          <p:cNvPr id="34" name="Rectangle 82" hidden="0"/>
           <p:cNvSpPr/>
-          <p:nvPr/>
-        </p:nvSpPr>
-        <p:spPr>
+          <p:nvPr isPhoto="0" userDrawn="0"/>
+        </p:nvSpPr>
+        <p:spPr bwMode="auto">
           <a:xfrm>
             <a:off x="5642707" y="8181700"/>
-            <a:ext cx="703502" cy="86087"/>
+            <a:ext cx="703502" cy="86086"/>
           </a:xfrm>
           <a:prstGeom prst="rect">
             <a:avLst/>
@@ -5281,18 +4991,20 @@
           <a:bodyPr rtlCol="0" anchor="ctr"/>
           <a:lstStyle/>
           <a:p>
-            <a:pPr algn="ctr"/>
+            <a:pPr algn="ctr">
+              <a:defRPr/>
+            </a:pPr>
             <a:endParaRPr lang="en-US"/>
           </a:p>
         </p:txBody>
       </p:sp>
       <p:sp>
         <p:nvSpPr>
-          <p:cNvPr id="84" name="Rectangle 83"/>
+          <p:cNvPr id="35" name="Rectangle 83" hidden="0"/>
           <p:cNvSpPr/>
-          <p:nvPr/>
-        </p:nvSpPr>
-        <p:spPr>
+          <p:nvPr isPhoto="0" userDrawn="0"/>
+        </p:nvSpPr>
+        <p:spPr bwMode="auto">
           <a:xfrm>
             <a:off x="5642707" y="8588822"/>
             <a:ext cx="1761490" cy="86088"/>
@@ -5325,18 +5037,20 @@
           <a:bodyPr rtlCol="0" anchor="ctr"/>
           <a:lstStyle/>
           <a:p>
-            <a:pPr algn="ctr"/>
+            <a:pPr algn="ctr">
+              <a:defRPr/>
+            </a:pPr>
             <a:endParaRPr lang="en-US"/>
           </a:p>
         </p:txBody>
       </p:sp>
       <p:sp>
         <p:nvSpPr>
-          <p:cNvPr id="85" name="Rectangle 84"/>
+          <p:cNvPr id="36" name="Rectangle 84" hidden="0"/>
           <p:cNvSpPr/>
-          <p:nvPr/>
-        </p:nvSpPr>
-        <p:spPr>
+          <p:nvPr isPhoto="0" userDrawn="0"/>
+        </p:nvSpPr>
+        <p:spPr bwMode="auto">
           <a:xfrm>
             <a:off x="5642706" y="8588100"/>
             <a:ext cx="440691" cy="93949"/>
@@ -5369,18 +5083,20 @@
           <a:bodyPr rtlCol="0" anchor="ctr"/>
           <a:lstStyle/>
           <a:p>
-            <a:pPr algn="ctr"/>
+            <a:pPr algn="ctr">
+              <a:defRPr/>
+            </a:pPr>
             <a:endParaRPr lang="en-US"/>
           </a:p>
         </p:txBody>
       </p:sp>
       <p:sp>
         <p:nvSpPr>
-          <p:cNvPr id="11" name="Rounded Rectangle 10"/>
+          <p:cNvPr id="37" name="Rounded Rectangle 10" hidden="0"/>
           <p:cNvSpPr/>
-          <p:nvPr/>
-        </p:nvSpPr>
-        <p:spPr>
+          <p:nvPr isPhoto="0" userDrawn="0"/>
+        </p:nvSpPr>
+        <p:spPr bwMode="auto">
           <a:xfrm>
             <a:off x="5782830" y="9158993"/>
             <a:ext cx="1422400" cy="347274"/>
@@ -5417,31 +5133,28 @@
           <a:bodyPr rtlCol="0" anchor="ctr"/>
           <a:lstStyle/>
           <a:p>
-            <a:pPr algn="ctr"/>
-            <a:r>
-              <a:rPr lang="en-US" sz="1500" b="1" dirty="0">
+            <a:pPr algn="ctr">
+              <a:defRPr/>
+            </a:pPr>
+            <a:r>
+              <a:rPr lang="en-US" sz="1500" b="1">
                 <a:solidFill>
                   <a:schemeClr val="tx1"/>
                 </a:solidFill>
               </a:rPr>
               <a:t>Contact</a:t>
             </a:r>
+            <a:endParaRPr/>
           </a:p>
         </p:txBody>
       </p:sp>
       <p:graphicFrame>
         <p:nvGraphicFramePr>
-          <p:cNvPr id="88" name="Tableau 19"/>
+          <p:cNvPr id="38" name="Tableau 19" hidden="0"/>
           <p:cNvGraphicFramePr>
-            <a:graphicFrameLocks noGrp="1"/>
+            <a:graphicFrameLocks xmlns:a="http://schemas.openxmlformats.org/drawingml/2006/main" noGrp="1"/>
           </p:cNvGraphicFramePr>
-          <p:nvPr>
-            <p:extLst>
-              <p:ext uri="{D42A27DB-BD31-4B8C-83A1-F6EECF244321}">
-                <p14:modId xmlns:p14="http://schemas.microsoft.com/office/powerpoint/2010/main" val="2862334718"/>
-              </p:ext>
-            </p:extLst>
-          </p:nvPr>
+          <p:nvPr isPhoto="0" userDrawn="0"/>
         </p:nvGraphicFramePr>
         <p:xfrm>
           <a:off x="5496657" y="9604848"/>
@@ -5450,122 +5163,101 @@
         <a:graphic>
           <a:graphicData uri="http://schemas.openxmlformats.org/drawingml/2006/table">
             <a:tbl>
-              <a:tblPr firstRow="1" bandRow="1">
-                <a:tableStyleId>{2D5ABB26-0587-4C30-8999-92F81FD0307C}</a:tableStyleId>
+              <a:tblPr firstRow="1" firstCol="0" lastRow="0" lastCol="0" bandRow="1" bandCol="0">
+                <a:tableStyleId>{79C72D8E-F0A1-3B73-513B-CF45335C0A03}</a:tableStyleId>
               </a:tblPr>
               <a:tblGrid>
-                <a:gridCol w="1958340">
-                  <a:extLst>
-                    <a:ext uri="{9D8B030D-6E8A-4147-A177-3AD203B41FA5}">
-                      <a16:colId xmlns:a16="http://schemas.microsoft.com/office/drawing/2014/main" val="20000"/>
-                    </a:ext>
-                  </a:extLst>
-                </a:gridCol>
+                <a:gridCol w="1958340"/>
               </a:tblGrid>
               <a:tr h="273600">
                 <a:tc>
                   <a:txBody>
                     <a:bodyPr/>
-                    <a:lstStyle/>
                     <a:p>
                       <a:pPr marL="7938" indent="0" algn="ctr">
                         <a:lnSpc>
                           <a:spcPct val="100000"/>
                         </a:lnSpc>
-                        <a:buFont typeface="Courier New" charset="0"/>
+                        <a:buFont typeface="Courier New"/>
                         <a:buNone/>
-                        <a:tabLst/>
+                        <a:defRPr/>
                       </a:pPr>
                       <a:r>
-                        <a:rPr lang="fr-FR" sz="1100" b="1" i="0" noProof="0" dirty="0">
+                        <a:rPr lang="fr-FR" sz="1100" b="1" i="0">
                           <a:solidFill>
                             <a:schemeClr val="bg1"/>
                           </a:solidFill>
                           <a:latin typeface="+mn-lt"/>
-                          <a:ea typeface="Times New Roman" charset="0"/>
-                          <a:cs typeface="Times New Roman" charset="0"/>
+                          <a:ea typeface="Times New Roman"/>
+                          <a:cs typeface="Times New Roman"/>
                         </a:rPr>
                         <a:t>+32 0485 62 71 77</a:t>
                       </a:r>
+                      <a:endParaRPr/>
                     </a:p>
                   </a:txBody>
                   <a:tcPr anchor="ctr"/>
                 </a:tc>
-                <a:extLst>
-                  <a:ext uri="{0D108BD9-81ED-4DB2-BD59-A6C34878D82A}">
-                    <a16:rowId xmlns:a16="http://schemas.microsoft.com/office/drawing/2014/main" val="10000"/>
-                  </a:ext>
-                </a:extLst>
               </a:tr>
               <a:tr h="273600">
                 <a:tc>
                   <a:txBody>
                     <a:bodyPr/>
-                    <a:lstStyle/>
                     <a:p>
                       <a:pPr marL="7938" indent="0" algn="ctr">
                         <a:lnSpc>
                           <a:spcPct val="100000"/>
                         </a:lnSpc>
-                        <a:buFont typeface="Courier New" charset="0"/>
+                        <a:buFont typeface="Courier New"/>
                         <a:buNone/>
-                        <a:tabLst/>
+                        <a:defRPr/>
                       </a:pPr>
                       <a:r>
-                        <a:rPr lang="fr-FR" sz="1100" b="1" i="0" noProof="0" dirty="0">
+                        <a:rPr lang="fr-FR" sz="1100" b="1" i="0">
                           <a:solidFill>
                             <a:schemeClr val="bg1"/>
                           </a:solidFill>
                           <a:latin typeface="+mn-lt"/>
-                          <a:ea typeface="Times New Roman" charset="0"/>
-                          <a:cs typeface="Times New Roman" charset="0"/>
+                          <a:ea typeface="Times New Roman"/>
+                          <a:cs typeface="Times New Roman"/>
                         </a:rPr>
                         <a:t>fdesablens@gmail.com</a:t>
                       </a:r>
+                      <a:endParaRPr/>
                     </a:p>
                   </a:txBody>
                   <a:tcPr anchor="ctr"/>
                 </a:tc>
-                <a:extLst>
-                  <a:ext uri="{0D108BD9-81ED-4DB2-BD59-A6C34878D82A}">
-                    <a16:rowId xmlns:a16="http://schemas.microsoft.com/office/drawing/2014/main" val="10001"/>
-                  </a:ext>
-                </a:extLst>
               </a:tr>
               <a:tr h="273600">
                 <a:tc>
                   <a:txBody>
                     <a:bodyPr/>
-                    <a:lstStyle/>
                     <a:p>
                       <a:pPr marL="7938" indent="0" algn="ctr">
                         <a:lnSpc>
                           <a:spcPct val="100000"/>
                         </a:lnSpc>
-                        <a:buFont typeface="Courier New" charset="0"/>
+                        <a:buFont typeface="Courier New"/>
                         <a:buNone/>
-                        <a:tabLst/>
+                        <a:defRPr/>
                       </a:pPr>
                       <a:r>
-                        <a:rPr lang="fr-FR" sz="1100" b="1" i="0" noProof="0" dirty="0">
+                        <a:rPr lang="fr-FR" sz="1100" b="1" i="0">
                           <a:solidFill>
                             <a:schemeClr val="bg1"/>
                           </a:solidFill>
                           <a:latin typeface="+mn-lt"/>
-                          <a:ea typeface="Times New Roman" charset="0"/>
-                          <a:cs typeface="Times New Roman" charset="0"/>
+                          <a:ea typeface="Times New Roman"/>
+                          <a:cs typeface="Times New Roman"/>
                         </a:rPr>
                         <a:t>77 avenue des genêts 6001 Marcinelle</a:t>
                       </a:r>
+                      <a:endParaRPr/>
                     </a:p>
                   </a:txBody>
                   <a:tcPr anchor="ctr"/>
                 </a:tc>
-                <a:extLst>
-                  <a:ext uri="{0D108BD9-81ED-4DB2-BD59-A6C34878D82A}">
-                    <a16:rowId xmlns:a16="http://schemas.microsoft.com/office/drawing/2014/main" val="10002"/>
-                  </a:ext>
-                </a:extLst>
               </a:tr>
             </a:tbl>
           </a:graphicData>
@@ -5573,11 +5265,12 @@
       </p:graphicFrame>
       <p:cxnSp>
         <p:nvCxnSpPr>
-          <p:cNvPr id="92" name="Straight Connector 91"/>
-          <p:cNvCxnSpPr/>
-          <p:nvPr/>
+          <p:cNvPr id="39" name="Straight Connector 91" hidden="0"/>
+          <p:cNvCxnSpPr>
+            <a:cxnSpLocks/>
+          </p:cNvCxnSpPr>
         </p:nvCxnSpPr>
-        <p:spPr>
+        <p:spPr bwMode="auto">
           <a:xfrm>
             <a:off x="878970" y="5026842"/>
             <a:ext cx="4114800" cy="0"/>
@@ -5590,7 +5283,6 @@
               <a:srgbClr val="E7E7EA"/>
             </a:solidFill>
           </a:ln>
-          <a:effectLst/>
         </p:spPr>
         <p:style>
           <a:lnRef idx="2">
@@ -5609,11 +5301,12 @@
       </p:cxnSp>
       <p:cxnSp>
         <p:nvCxnSpPr>
-          <p:cNvPr id="95" name="Straight Connector 94"/>
-          <p:cNvCxnSpPr/>
-          <p:nvPr/>
+          <p:cNvPr id="40" name="Straight Connector 94" hidden="0"/>
+          <p:cNvCxnSpPr>
+            <a:cxnSpLocks/>
+          </p:cNvCxnSpPr>
         </p:nvCxnSpPr>
-        <p:spPr>
+        <p:spPr bwMode="auto">
           <a:xfrm>
             <a:off x="926385" y="9404823"/>
             <a:ext cx="4114800" cy="0"/>
@@ -5626,7 +5319,6 @@
               <a:srgbClr val="E7E7EA"/>
             </a:solidFill>
           </a:ln>
-          <a:effectLst/>
         </p:spPr>
         <p:style>
           <a:lnRef idx="2">
@@ -5645,11 +5337,11 @@
       </p:cxnSp>
       <p:sp>
         <p:nvSpPr>
-          <p:cNvPr id="97" name="Oval 96"/>
+          <p:cNvPr id="41" name="Oval 96" hidden="0"/>
           <p:cNvSpPr/>
-          <p:nvPr/>
-        </p:nvSpPr>
-        <p:spPr>
+          <p:nvPr isPhoto="0" userDrawn="0"/>
+        </p:nvSpPr>
+        <p:spPr bwMode="auto">
           <a:xfrm>
             <a:off x="327947" y="2849126"/>
             <a:ext cx="415986" cy="415986"/>
@@ -5682,18 +5374,20 @@
           <a:bodyPr rtlCol="0" anchor="ctr"/>
           <a:lstStyle/>
           <a:p>
-            <a:pPr algn="ctr"/>
+            <a:pPr algn="ctr">
+              <a:defRPr/>
+            </a:pPr>
             <a:endParaRPr lang="en-US"/>
           </a:p>
         </p:txBody>
       </p:sp>
       <p:sp>
         <p:nvSpPr>
-          <p:cNvPr id="98" name="Oval 97"/>
+          <p:cNvPr id="42" name="Oval 97" hidden="0"/>
           <p:cNvSpPr/>
-          <p:nvPr/>
-        </p:nvSpPr>
-        <p:spPr>
+          <p:nvPr isPhoto="0" userDrawn="0"/>
+        </p:nvSpPr>
+        <p:spPr bwMode="auto">
           <a:xfrm>
             <a:off x="327947" y="5040238"/>
             <a:ext cx="415986" cy="415986"/>
@@ -5726,18 +5420,20 @@
           <a:bodyPr rtlCol="0" anchor="ctr"/>
           <a:lstStyle/>
           <a:p>
-            <a:pPr algn="ctr"/>
+            <a:pPr algn="ctr">
+              <a:defRPr/>
+            </a:pPr>
             <a:endParaRPr lang="en-US"/>
           </a:p>
         </p:txBody>
       </p:sp>
       <p:sp>
         <p:nvSpPr>
-          <p:cNvPr id="99" name="Oval 98"/>
+          <p:cNvPr id="43" name="Oval 98" hidden="0"/>
           <p:cNvSpPr/>
-          <p:nvPr/>
-        </p:nvSpPr>
-        <p:spPr>
+          <p:nvPr isPhoto="0" userDrawn="0"/>
+        </p:nvSpPr>
+        <p:spPr bwMode="auto">
           <a:xfrm>
             <a:off x="328530" y="7511302"/>
             <a:ext cx="415986" cy="415986"/>
@@ -5770,24 +5466,20 @@
           <a:bodyPr rtlCol="0" anchor="ctr"/>
           <a:lstStyle/>
           <a:p>
-            <a:pPr algn="ctr"/>
+            <a:pPr algn="ctr">
+              <a:defRPr/>
+            </a:pPr>
             <a:endParaRPr lang="en-US"/>
           </a:p>
         </p:txBody>
       </p:sp>
       <p:graphicFrame>
         <p:nvGraphicFramePr>
-          <p:cNvPr id="100" name="Tableau 13"/>
+          <p:cNvPr id="44" name="Tableau 13" hidden="0"/>
           <p:cNvGraphicFramePr>
-            <a:graphicFrameLocks noGrp="1"/>
+            <a:graphicFrameLocks xmlns:a="http://schemas.openxmlformats.org/drawingml/2006/main" noGrp="1"/>
           </p:cNvGraphicFramePr>
-          <p:nvPr>
-            <p:extLst>
-              <p:ext uri="{D42A27DB-BD31-4B8C-83A1-F6EECF244321}">
-                <p14:modId xmlns:p14="http://schemas.microsoft.com/office/powerpoint/2010/main" val="2417596242"/>
-              </p:ext>
-            </p:extLst>
-          </p:nvPr>
+          <p:nvPr isPhoto="0" userDrawn="0"/>
         </p:nvGraphicFramePr>
         <p:xfrm>
           <a:off x="120650" y="3361706"/>
@@ -5796,32 +5488,17 @@
         <a:graphic>
           <a:graphicData uri="http://schemas.openxmlformats.org/drawingml/2006/table">
             <a:tbl>
-              <a:tblPr firstRow="1" bandRow="1">
-                <a:tableStyleId>{5940675A-B579-460E-94D1-54222C63F5DA}</a:tableStyleId>
-              </a:tblPr>
+              <a:tblPr firstRow="1" firstCol="0" lastRow="0" lastCol="0" bandRow="1" bandCol="0"/>
               <a:tblGrid>
-                <a:gridCol w="912283">
-                  <a:extLst>
-                    <a:ext uri="{9D8B030D-6E8A-4147-A177-3AD203B41FA5}">
-                      <a16:colId xmlns:a16="http://schemas.microsoft.com/office/drawing/2014/main" val="20000"/>
-                    </a:ext>
-                  </a:extLst>
-                </a:gridCol>
-                <a:gridCol w="4114799">
-                  <a:extLst>
-                    <a:ext uri="{9D8B030D-6E8A-4147-A177-3AD203B41FA5}">
-                      <a16:colId xmlns:a16="http://schemas.microsoft.com/office/drawing/2014/main" val="20001"/>
-                    </a:ext>
-                  </a:extLst>
-                </a:gridCol>
+                <a:gridCol w="912283"/>
+                <a:gridCol w="4114799"/>
               </a:tblGrid>
-              <a:tr h="324722">
+              <a:tr h="848343">
                 <a:tc>
                   <a:txBody>
                     <a:bodyPr/>
-                    <a:lstStyle/>
                     <a:p>
-                      <a:pPr marL="7938" marR="0" indent="0" algn="l" defTabSz="457200" rtl="0" eaLnBrk="1" fontAlgn="auto" latinLnBrk="0" hangingPunct="1">
+                      <a:pPr marL="7938" marR="0" indent="0" algn="l" defTabSz="457200">
                         <a:lnSpc>
                           <a:spcPct val="100000"/>
                         </a:lnSpc>
@@ -5835,57 +5512,40 @@
                         <a:buSzTx/>
                         <a:buFontTx/>
                         <a:buNone/>
-                        <a:tabLst/>
                         <a:defRPr/>
                       </a:pPr>
                       <a:r>
-                        <a:rPr lang="fr-FR" sz="1100" b="1" i="0" dirty="0">
+                        <a:rPr lang="fr-FR" sz="1100" b="1" i="0">
                           <a:solidFill>
                             <a:srgbClr val="58585A"/>
                           </a:solidFill>
                           <a:latin typeface="+mn-lt"/>
-                          <a:ea typeface="Times New Roman" charset="0"/>
-                          <a:cs typeface="Times New Roman" charset="0"/>
+                          <a:ea typeface="Times New Roman"/>
+                          <a:cs typeface="Times New Roman"/>
                         </a:rPr>
-                        <a:t>     2015</a:t>
+                        <a:t>     2016</a:t>
                       </a:r>
+                      <a:endParaRPr/>
                     </a:p>
                   </a:txBody>
                   <a:tcPr marL="86222" marR="86222" marT="43111" marB="43111">
-                    <a:lnL w="3175" cap="flat" cmpd="sng" algn="ctr">
+                    <a:lnL w="3175" algn="ctr">
                       <a:noFill/>
-                      <a:prstDash val="solid"/>
-                      <a:round/>
-                      <a:headEnd type="none" w="med" len="med"/>
-                      <a:tailEnd type="none" w="med" len="med"/>
                     </a:lnL>
-                    <a:lnR w="12700" cmpd="sng">
+                    <a:lnR w="12700" algn="ctr">
                       <a:noFill/>
                     </a:lnR>
-                    <a:lnT w="12700" cmpd="sng">
+                    <a:lnT w="12700" algn="ctr">
                       <a:noFill/>
                     </a:lnT>
-                    <a:lnB w="9525" cap="flat" cmpd="sng" algn="ctr">
+                    <a:lnB w="9525" algn="ctr">
                       <a:noFill/>
-                      <a:prstDash val="solid"/>
-                      <a:round/>
-                      <a:headEnd type="none" w="med" len="med"/>
-                      <a:tailEnd type="none" w="med" len="med"/>
                     </a:lnB>
-                    <a:lnTlToBr w="12700" cmpd="sng">
-                      <a:noFill/>
-                      <a:prstDash val="solid"/>
-                    </a:lnTlToBr>
-                    <a:lnBlToTr w="12700" cmpd="sng">
-                      <a:noFill/>
-                      <a:prstDash val="solid"/>
-                    </a:lnBlToTr>
                   </a:tcPr>
                 </a:tc>
                 <a:tc>
                   <a:txBody>
                     <a:bodyPr/>
-                    <a:lstStyle/>
                     <a:p>
                       <a:pPr marL="0" indent="0">
                         <a:lnSpc>
@@ -5895,193 +5555,93 @@
                           <a:srgbClr val="00B050"/>
                         </a:buClr>
                         <a:buSzPct val="100000"/>
-                        <a:buFont typeface="Courier New" charset="0"/>
+                        <a:buFont typeface="Courier New"/>
                         <a:buNone/>
-                        <a:tabLst/>
+                        <a:defRPr/>
                       </a:pPr>
                       <a:r>
-                        <a:rPr lang="fr-FR" sz="1100" b="1" i="0" dirty="0">
+                        <a:rPr lang="fr-FR" sz="1100" b="1" i="0">
                           <a:solidFill>
                             <a:schemeClr val="tx1"/>
                           </a:solidFill>
                           <a:latin typeface="+mn-lt"/>
-                          <a:ea typeface="Times New Roman" charset="0"/>
-                          <a:cs typeface="Times New Roman" charset="0"/>
+                          <a:ea typeface="Times New Roman"/>
+                          <a:cs typeface="Times New Roman"/>
                         </a:rPr>
                         <a:t>Préparateur de commande et réassortisseur</a:t>
                       </a:r>
+                      <a:endParaRPr/>
                     </a:p>
                     <a:p>
-                      <a:pPr algn="l"/>
+                      <a:pPr algn="l">
+                        <a:defRPr/>
+                      </a:pPr>
                       <a:r>
-                        <a:rPr lang="fr-FR" sz="1050" b="1" i="0" kern="1200" dirty="0">
+                        <a:rPr lang="fr-FR" sz="1050" b="1" i="0">
                           <a:solidFill>
                             <a:srgbClr val="7F7F7F"/>
                           </a:solidFill>
                           <a:latin typeface="+mn-lt"/>
-                          <a:ea typeface="Times New Roman" charset="0"/>
-                          <a:cs typeface="Times New Roman" charset="0"/>
+                          <a:ea typeface="Times New Roman"/>
+                          <a:cs typeface="Times New Roman"/>
                         </a:rPr>
                         <a:t>Pharma </a:t>
                       </a:r>
                       <a:r>
-                        <a:rPr lang="fr-FR" sz="1050" b="1" i="0" kern="1200" dirty="0" err="1">
+                        <a:rPr lang="fr-FR" sz="1050" b="1" i="0">
                           <a:solidFill>
                             <a:srgbClr val="7F7F7F"/>
                           </a:solidFill>
                           <a:latin typeface="+mn-lt"/>
-                          <a:ea typeface="Times New Roman" charset="0"/>
-                          <a:cs typeface="Times New Roman" charset="0"/>
+                          <a:ea typeface="Times New Roman"/>
+                          <a:cs typeface="Times New Roman"/>
                         </a:rPr>
                         <a:t>Belgium</a:t>
                       </a:r>
-                      <a:endParaRPr lang="fr-FR" sz="1050" b="1" i="0" kern="1200" dirty="0">
+                      <a:endParaRPr lang="fr-FR" sz="1050" b="1" i="0">
                         <a:solidFill>
                           <a:srgbClr val="7F7F7F"/>
                         </a:solidFill>
                         <a:latin typeface="+mn-lt"/>
-                        <a:ea typeface="Times New Roman" charset="0"/>
-                        <a:cs typeface="Times New Roman" charset="0"/>
+                        <a:ea typeface="Times New Roman"/>
+                        <a:cs typeface="Times New Roman"/>
                       </a:endParaRPr>
                     </a:p>
                     <a:p>
                       <a:pPr marL="171450" indent="-171450" algn="l">
-                        <a:buFont typeface="Arial" panose="020B0604020202020204" pitchFamily="34" charset="0"/>
+                        <a:buFont typeface="Arial"/>
                         <a:buChar char="•"/>
+                        <a:defRPr/>
                       </a:pPr>
                       <a:r>
-                        <a:rPr lang="fr-BE" sz="1200" b="0" i="0" u="none" strike="noStrike" kern="1200" dirty="0">
+                        <a:rPr lang="fr-BE" sz="1200" b="0" i="0" u="none" strike="noStrike">
                           <a:solidFill>
                             <a:schemeClr val="tx1"/>
                           </a:solidFill>
-                          <a:effectLst/>
                           <a:latin typeface="+mn-lt"/>
                           <a:ea typeface="+mn-ea"/>
                           <a:cs typeface="+mn-cs"/>
                         </a:rPr>
                         <a:t>Réaliser le prélèvement de produits selon les instructions de préparation de commande</a:t>
                       </a:r>
-                    </a:p>
-                    <a:p>
-                      <a:pPr marL="171450" indent="-171450" algn="l">
-                        <a:buFont typeface="Arial" panose="020B0604020202020204" pitchFamily="34" charset="0"/>
-                        <a:buChar char="•"/>
-                      </a:pPr>
-                      <a:r>
-                        <a:rPr lang="fr-BE" sz="1200" b="0" i="0" u="none" strike="noStrike" kern="1200" dirty="0">
-                          <a:solidFill>
-                            <a:schemeClr val="tx1"/>
-                          </a:solidFill>
-                          <a:effectLst/>
-                          <a:latin typeface="+mn-lt"/>
-                          <a:ea typeface="+mn-ea"/>
-                          <a:cs typeface="+mn-cs"/>
-                        </a:rPr>
-                        <a:t>Conditionner les produits</a:t>
-                      </a:r>
-                    </a:p>
-                    <a:p>
-                      <a:pPr marL="171450" indent="-171450" algn="l">
-                        <a:buFont typeface="Arial" panose="020B0604020202020204" pitchFamily="34" charset="0"/>
-                        <a:buChar char="•"/>
-                      </a:pPr>
-                      <a:r>
-                        <a:rPr lang="fr-BE" sz="1200" b="0" i="0" u="none" strike="noStrike" kern="1200" dirty="0">
-                          <a:solidFill>
-                            <a:schemeClr val="tx1"/>
-                          </a:solidFill>
-                          <a:effectLst/>
-                          <a:latin typeface="+mn-lt"/>
-                          <a:ea typeface="+mn-ea"/>
-                          <a:cs typeface="+mn-cs"/>
-                        </a:rPr>
-                        <a:t>Réassortir les rayons et robots</a:t>
-                      </a:r>
-                    </a:p>
-                    <a:p>
-                      <a:pPr marL="171450" indent="-171450" algn="l">
-                        <a:buFont typeface="Arial" panose="020B0604020202020204" pitchFamily="34" charset="0"/>
-                        <a:buChar char="•"/>
-                      </a:pPr>
-                      <a:r>
-                        <a:rPr lang="fr-BE" sz="1200" b="0" i="0" u="none" strike="noStrike" kern="1200" dirty="0">
-                          <a:solidFill>
-                            <a:schemeClr val="tx1"/>
-                          </a:solidFill>
-                          <a:effectLst/>
-                          <a:latin typeface="+mn-lt"/>
-                          <a:ea typeface="+mn-ea"/>
-                          <a:cs typeface="+mn-cs"/>
-                        </a:rPr>
-                        <a:t>Nettoyage et entretien</a:t>
-                      </a:r>
-                    </a:p>
-                    <a:p>
-                      <a:pPr marL="171450" indent="-171450" algn="l">
-                        <a:buFont typeface="Arial" panose="020B0604020202020204" pitchFamily="34" charset="0"/>
-                        <a:buChar char="•"/>
-                      </a:pPr>
-                      <a:endParaRPr lang="fr-BE" sz="1200" b="0" i="0" u="none" strike="noStrike" kern="1200" dirty="0">
-                        <a:solidFill>
-                          <a:schemeClr val="tx1"/>
-                        </a:solidFill>
-                        <a:effectLst/>
-                        <a:latin typeface="+mn-lt"/>
-                        <a:ea typeface="+mn-ea"/>
-                        <a:cs typeface="+mn-cs"/>
-                      </a:endParaRPr>
-                    </a:p>
-                    <a:p>
-                      <a:pPr marL="171450" indent="-171450" algn="l">
-                        <a:buFont typeface="Arial" panose="020B0604020202020204" pitchFamily="34" charset="0"/>
-                        <a:buChar char="•"/>
-                      </a:pPr>
-                      <a:endParaRPr lang="fr-FR" sz="1200" b="0" i="0" kern="1200" dirty="0">
-                        <a:solidFill>
-                          <a:srgbClr val="7F7F7F"/>
-                        </a:solidFill>
-                        <a:latin typeface="+mn-lt"/>
-                        <a:ea typeface="Times New Roman" charset="0"/>
-                        <a:cs typeface="Times New Roman" charset="0"/>
-                      </a:endParaRPr>
+                      <a:endParaRPr/>
                     </a:p>
                   </a:txBody>
                   <a:tcPr marL="86222" marR="86222" marT="43111" marB="43111">
-                    <a:lnL w="3175" cap="flat" cmpd="sng" algn="ctr">
+                    <a:lnL w="3175" algn="ctr">
                       <a:noFill/>
-                      <a:prstDash val="solid"/>
-                      <a:round/>
-                      <a:headEnd type="none" w="med" len="med"/>
-                      <a:tailEnd type="none" w="med" len="med"/>
                     </a:lnL>
-                    <a:lnR w="12700" cmpd="sng">
+                    <a:lnR w="12700" algn="ctr">
                       <a:noFill/>
                     </a:lnR>
-                    <a:lnT w="12700" cmpd="sng">
+                    <a:lnT w="12700" algn="ctr">
                       <a:noFill/>
                     </a:lnT>
-                    <a:lnB w="9525" cap="flat" cmpd="sng" algn="ctr">
+                    <a:lnB w="9525" algn="ctr">
                       <a:noFill/>
-                      <a:prstDash val="solid"/>
-                      <a:round/>
-                      <a:headEnd type="none" w="med" len="med"/>
-                      <a:tailEnd type="none" w="med" len="med"/>
                     </a:lnB>
-                    <a:lnTlToBr w="12700" cmpd="sng">
-                      <a:noFill/>
-                      <a:prstDash val="solid"/>
-                    </a:lnTlToBr>
-                    <a:lnBlToTr w="12700" cmpd="sng">
-                      <a:noFill/>
-                      <a:prstDash val="solid"/>
-                    </a:lnBlToTr>
                   </a:tcPr>
                 </a:tc>
-                <a:extLst>
-                  <a:ext uri="{0D108BD9-81ED-4DB2-BD59-A6C34878D82A}">
-                    <a16:rowId xmlns:a16="http://schemas.microsoft.com/office/drawing/2014/main" val="10000"/>
-                  </a:ext>
-                </a:extLst>
               </a:tr>
             </a:tbl>
           </a:graphicData>
@@ -6089,17 +5649,11 @@
       </p:graphicFrame>
       <p:graphicFrame>
         <p:nvGraphicFramePr>
-          <p:cNvPr id="101" name="Tableau 13"/>
+          <p:cNvPr id="45" name="Tableau 13" hidden="0"/>
           <p:cNvGraphicFramePr>
-            <a:graphicFrameLocks noGrp="1"/>
+            <a:graphicFrameLocks xmlns:a="http://schemas.openxmlformats.org/drawingml/2006/main" noGrp="1"/>
           </p:cNvGraphicFramePr>
-          <p:nvPr>
-            <p:extLst>
-              <p:ext uri="{D42A27DB-BD31-4B8C-83A1-F6EECF244321}">
-                <p14:modId xmlns:p14="http://schemas.microsoft.com/office/powerpoint/2010/main" val="1816189648"/>
-              </p:ext>
-            </p:extLst>
-          </p:nvPr>
+          <p:nvPr isPhoto="0" userDrawn="0"/>
         </p:nvGraphicFramePr>
         <p:xfrm>
           <a:off x="139470" y="5782796"/>
@@ -6108,32 +5662,17 @@
         <a:graphic>
           <a:graphicData uri="http://schemas.openxmlformats.org/drawingml/2006/table">
             <a:tbl>
-              <a:tblPr firstRow="1" bandRow="1">
-                <a:tableStyleId>{5940675A-B579-460E-94D1-54222C63F5DA}</a:tableStyleId>
-              </a:tblPr>
+              <a:tblPr firstRow="1" firstCol="0" lastRow="0" lastCol="0" bandRow="1" bandCol="0"/>
               <a:tblGrid>
-                <a:gridCol w="912283">
-                  <a:extLst>
-                    <a:ext uri="{9D8B030D-6E8A-4147-A177-3AD203B41FA5}">
-                      <a16:colId xmlns:a16="http://schemas.microsoft.com/office/drawing/2014/main" val="20000"/>
-                    </a:ext>
-                  </a:extLst>
-                </a:gridCol>
-                <a:gridCol w="4114799">
-                  <a:extLst>
-                    <a:ext uri="{9D8B030D-6E8A-4147-A177-3AD203B41FA5}">
-                      <a16:colId xmlns:a16="http://schemas.microsoft.com/office/drawing/2014/main" val="20001"/>
-                    </a:ext>
-                  </a:extLst>
-                </a:gridCol>
+                <a:gridCol w="912283"/>
+                <a:gridCol w="4114799"/>
               </a:tblGrid>
               <a:tr h="324722">
                 <a:tc>
                   <a:txBody>
                     <a:bodyPr/>
-                    <a:lstStyle/>
                     <a:p>
-                      <a:pPr marL="7938" marR="0" indent="0" algn="l" defTabSz="457200" rtl="0" eaLnBrk="1" fontAlgn="auto" latinLnBrk="0" hangingPunct="1">
+                      <a:pPr marL="7938" marR="0" indent="0" algn="l" defTabSz="457200">
                         <a:lnSpc>
                           <a:spcPct val="100000"/>
                         </a:lnSpc>
@@ -6147,57 +5686,40 @@
                         <a:buSzTx/>
                         <a:buFontTx/>
                         <a:buNone/>
-                        <a:tabLst/>
                         <a:defRPr/>
                       </a:pPr>
                       <a:r>
-                        <a:rPr lang="fr-FR" sz="1100" b="1" i="0" dirty="0">
+                        <a:rPr lang="fr-FR" sz="1100" b="1" i="0">
                           <a:solidFill>
                             <a:srgbClr val="58585A"/>
                           </a:solidFill>
                           <a:latin typeface="+mn-lt"/>
-                          <a:ea typeface="Times New Roman" charset="0"/>
-                          <a:cs typeface="Times New Roman" charset="0"/>
+                          <a:ea typeface="Times New Roman"/>
+                          <a:cs typeface="Times New Roman"/>
                         </a:rPr>
                         <a:t>2010 - 2018</a:t>
                       </a:r>
+                      <a:endParaRPr/>
                     </a:p>
                   </a:txBody>
                   <a:tcPr marL="86222" marR="86222" marT="43111" marB="43111">
-                    <a:lnL w="3175" cap="flat" cmpd="sng" algn="ctr">
+                    <a:lnL w="3175" algn="ctr">
                       <a:noFill/>
-                      <a:prstDash val="solid"/>
-                      <a:round/>
-                      <a:headEnd type="none" w="med" len="med"/>
-                      <a:tailEnd type="none" w="med" len="med"/>
                     </a:lnL>
-                    <a:lnR w="12700" cmpd="sng">
+                    <a:lnR w="12700" algn="ctr">
                       <a:noFill/>
                     </a:lnR>
-                    <a:lnT w="12700" cmpd="sng">
+                    <a:lnT w="12700" algn="ctr">
                       <a:noFill/>
                     </a:lnT>
-                    <a:lnB w="9525" cap="flat" cmpd="sng" algn="ctr">
+                    <a:lnB w="9525" algn="ctr">
                       <a:noFill/>
-                      <a:prstDash val="solid"/>
-                      <a:round/>
-                      <a:headEnd type="none" w="med" len="med"/>
-                      <a:tailEnd type="none" w="med" len="med"/>
                     </a:lnB>
-                    <a:lnTlToBr w="12700" cmpd="sng">
-                      <a:noFill/>
-                      <a:prstDash val="solid"/>
-                    </a:lnTlToBr>
-                    <a:lnBlToTr w="12700" cmpd="sng">
-                      <a:noFill/>
-                      <a:prstDash val="solid"/>
-                    </a:lnBlToTr>
                   </a:tcPr>
                 </a:tc>
                 <a:tc>
                   <a:txBody>
                     <a:bodyPr/>
-                    <a:lstStyle/>
                     <a:p>
                       <a:pPr marL="0" indent="0">
                         <a:lnSpc>
@@ -6207,21 +5729,22 @@
                           <a:srgbClr val="00B050"/>
                         </a:buClr>
                         <a:buSzPct val="100000"/>
-                        <a:buFont typeface="Courier New" charset="0"/>
+                        <a:buFont typeface="Courier New"/>
                         <a:buNone/>
-                        <a:tabLst/>
+                        <a:defRPr/>
                       </a:pPr>
                       <a:r>
-                        <a:rPr lang="fr-FR" sz="1100" b="1" i="0" dirty="0">
+                        <a:rPr lang="fr-FR" sz="1100" b="1" i="0">
                           <a:solidFill>
                             <a:schemeClr val="tx1"/>
                           </a:solidFill>
                           <a:latin typeface="+mn-lt"/>
-                          <a:ea typeface="Times New Roman" charset="0"/>
-                          <a:cs typeface="Times New Roman" charset="0"/>
+                          <a:ea typeface="Times New Roman"/>
+                          <a:cs typeface="Times New Roman"/>
                         </a:rPr>
                         <a:t>Institut Notre-Dame de Charleroi</a:t>
                       </a:r>
+                      <a:endParaRPr/>
                     </a:p>
                     <a:p>
                       <a:pPr marL="0" indent="0">
@@ -6232,21 +5755,22 @@
                           <a:srgbClr val="00B050"/>
                         </a:buClr>
                         <a:buSzPct val="100000"/>
-                        <a:buFont typeface="Courier New" charset="0"/>
+                        <a:buFont typeface="Courier New"/>
                         <a:buNone/>
-                        <a:tabLst/>
+                        <a:defRPr/>
                       </a:pPr>
                       <a:r>
-                        <a:rPr lang="fr-FR" sz="1100" b="0" i="0" baseline="0" dirty="0">
+                        <a:rPr lang="fr-FR" sz="1100" b="0" i="0">
                           <a:solidFill>
                             <a:schemeClr val="tx1"/>
                           </a:solidFill>
                           <a:latin typeface="+mn-lt"/>
-                          <a:ea typeface="Times New Roman" charset="0"/>
-                          <a:cs typeface="Times New Roman" charset="0"/>
+                          <a:ea typeface="Times New Roman"/>
+                          <a:cs typeface="Times New Roman"/>
                         </a:rPr>
                         <a:t>CESS en sciences appliquées</a:t>
                       </a:r>
+                      <a:endParaRPr/>
                     </a:p>
                     <a:p>
                       <a:pPr marL="0" indent="0">
@@ -6257,64 +5781,42 @@
                           <a:srgbClr val="00B050"/>
                         </a:buClr>
                         <a:buSzPct val="100000"/>
-                        <a:buFont typeface="Courier New" charset="0"/>
+                        <a:buFont typeface="Courier New"/>
                         <a:buNone/>
-                        <a:tabLst/>
+                        <a:defRPr/>
                       </a:pPr>
-                      <a:endParaRPr lang="fr-FR" sz="1100" b="1" i="0" baseline="0" dirty="0">
+                      <a:endParaRPr lang="fr-FR" sz="1100" b="1" i="0">
                         <a:solidFill>
                           <a:schemeClr val="tx1"/>
                         </a:solidFill>
                         <a:latin typeface="+mn-lt"/>
-                        <a:ea typeface="Times New Roman" charset="0"/>
-                        <a:cs typeface="Times New Roman" charset="0"/>
+                        <a:ea typeface="Times New Roman"/>
+                        <a:cs typeface="Times New Roman"/>
                       </a:endParaRPr>
                     </a:p>
                   </a:txBody>
                   <a:tcPr marL="86222" marR="86222" marT="43111" marB="43111">
-                    <a:lnL w="3175" cap="flat" cmpd="sng" algn="ctr">
+                    <a:lnL w="3175" algn="ctr">
                       <a:noFill/>
-                      <a:prstDash val="solid"/>
-                      <a:round/>
-                      <a:headEnd type="none" w="med" len="med"/>
-                      <a:tailEnd type="none" w="med" len="med"/>
                     </a:lnL>
-                    <a:lnR w="12700" cmpd="sng">
+                    <a:lnR w="12700" algn="ctr">
                       <a:noFill/>
                     </a:lnR>
-                    <a:lnT w="12700" cmpd="sng">
+                    <a:lnT w="12700" algn="ctr">
                       <a:noFill/>
                     </a:lnT>
-                    <a:lnB w="9525" cap="flat" cmpd="sng" algn="ctr">
+                    <a:lnB w="9525" algn="ctr">
                       <a:noFill/>
-                      <a:prstDash val="solid"/>
-                      <a:round/>
-                      <a:headEnd type="none" w="med" len="med"/>
-                      <a:tailEnd type="none" w="med" len="med"/>
                     </a:lnB>
-                    <a:lnTlToBr w="12700" cmpd="sng">
-                      <a:noFill/>
-                      <a:prstDash val="solid"/>
-                    </a:lnTlToBr>
-                    <a:lnBlToTr w="12700" cmpd="sng">
-                      <a:noFill/>
-                      <a:prstDash val="solid"/>
-                    </a:lnBlToTr>
                   </a:tcPr>
                 </a:tc>
-                <a:extLst>
-                  <a:ext uri="{0D108BD9-81ED-4DB2-BD59-A6C34878D82A}">
-                    <a16:rowId xmlns:a16="http://schemas.microsoft.com/office/drawing/2014/main" val="10000"/>
-                  </a:ext>
-                </a:extLst>
               </a:tr>
               <a:tr h="324722">
                 <a:tc>
                   <a:txBody>
                     <a:bodyPr/>
-                    <a:lstStyle/>
                     <a:p>
-                      <a:pPr marL="7938" marR="0" indent="0" algn="l" defTabSz="457200" rtl="0" eaLnBrk="1" fontAlgn="auto" latinLnBrk="0" hangingPunct="1">
+                      <a:pPr marL="7938" marR="0" indent="0" algn="l" defTabSz="457200">
                         <a:lnSpc>
                           <a:spcPct val="100000"/>
                         </a:lnSpc>
@@ -6328,57 +5830,40 @@
                         <a:buSzTx/>
                         <a:buFontTx/>
                         <a:buNone/>
-                        <a:tabLst/>
                         <a:defRPr/>
                       </a:pPr>
                       <a:r>
-                        <a:rPr lang="fr-FR" sz="1100" b="1" i="0" dirty="0">
+                        <a:rPr lang="fr-FR" sz="1100" b="1" i="0">
                           <a:solidFill>
                             <a:srgbClr val="58585A"/>
                           </a:solidFill>
                           <a:latin typeface="+mn-lt"/>
-                          <a:ea typeface="Times New Roman" charset="0"/>
-                          <a:cs typeface="Times New Roman" charset="0"/>
+                          <a:ea typeface="Times New Roman"/>
+                          <a:cs typeface="Times New Roman"/>
                         </a:rPr>
                         <a:t>2019</a:t>
                       </a:r>
+                      <a:endParaRPr/>
                     </a:p>
                   </a:txBody>
                   <a:tcPr marL="86222" marR="86222" marT="43111" marB="43111">
-                    <a:lnL w="3175" cap="flat" cmpd="sng" algn="ctr">
+                    <a:lnL w="3175" algn="ctr">
                       <a:noFill/>
-                      <a:prstDash val="solid"/>
-                      <a:round/>
-                      <a:headEnd type="none" w="med" len="med"/>
-                      <a:tailEnd type="none" w="med" len="med"/>
                     </a:lnL>
-                    <a:lnR w="12700" cmpd="sng">
+                    <a:lnR w="12700" algn="ctr">
                       <a:noFill/>
                     </a:lnR>
-                    <a:lnT w="12700" cmpd="sng">
+                    <a:lnT w="12700" algn="ctr">
                       <a:noFill/>
                     </a:lnT>
-                    <a:lnB w="9525" cap="flat" cmpd="sng" algn="ctr">
+                    <a:lnB w="9525" algn="ctr">
                       <a:noFill/>
-                      <a:prstDash val="solid"/>
-                      <a:round/>
-                      <a:headEnd type="none" w="med" len="med"/>
-                      <a:tailEnd type="none" w="med" len="med"/>
                     </a:lnB>
-                    <a:lnTlToBr w="12700" cmpd="sng">
-                      <a:noFill/>
-                      <a:prstDash val="solid"/>
-                    </a:lnTlToBr>
-                    <a:lnBlToTr w="12700" cmpd="sng">
-                      <a:noFill/>
-                      <a:prstDash val="solid"/>
-                    </a:lnBlToTr>
                   </a:tcPr>
                 </a:tc>
                 <a:tc>
                   <a:txBody>
                     <a:bodyPr/>
-                    <a:lstStyle/>
                     <a:p>
                       <a:pPr marL="0" indent="0">
                         <a:lnSpc>
@@ -6388,32 +5873,33 @@
                           <a:srgbClr val="00B050"/>
                         </a:buClr>
                         <a:buSzPct val="100000"/>
-                        <a:buFont typeface="Courier New" charset="0"/>
+                        <a:buFont typeface="Courier New"/>
                         <a:buNone/>
-                        <a:tabLst/>
+                        <a:defRPr/>
                       </a:pPr>
                       <a:r>
-                        <a:rPr lang="fr-FR" sz="1100" b="1" i="0" baseline="0" dirty="0" err="1">
+                        <a:rPr lang="fr-FR" sz="1100" b="1" i="0">
                           <a:solidFill>
                             <a:schemeClr val="tx1"/>
                           </a:solidFill>
                           <a:latin typeface="+mn-lt"/>
-                          <a:ea typeface="Times New Roman" charset="0"/>
-                          <a:cs typeface="Times New Roman" charset="0"/>
+                          <a:ea typeface="Times New Roman"/>
+                          <a:cs typeface="Times New Roman"/>
                         </a:rPr>
                         <a:t>Technofutur</a:t>
                       </a:r>
                       <a:r>
-                        <a:rPr lang="fr-FR" sz="1100" b="1" i="0" baseline="0" dirty="0">
+                        <a:rPr lang="fr-FR" sz="1100" b="1" i="0">
                           <a:solidFill>
                             <a:schemeClr val="tx1"/>
                           </a:solidFill>
                           <a:latin typeface="+mn-lt"/>
-                          <a:ea typeface="Times New Roman" charset="0"/>
-                          <a:cs typeface="Times New Roman" charset="0"/>
+                          <a:ea typeface="Times New Roman"/>
+                          <a:cs typeface="Times New Roman"/>
                         </a:rPr>
                         <a:t> TIC</a:t>
                       </a:r>
+                      <a:endParaRPr/>
                     </a:p>
                     <a:p>
                       <a:pPr marL="0" indent="0">
@@ -6424,67 +5910,57 @@
                           <a:srgbClr val="00B050"/>
                         </a:buClr>
                         <a:buSzPct val="100000"/>
-                        <a:buFont typeface="Courier New" charset="0"/>
+                        <a:buFont typeface="Courier New"/>
                         <a:buNone/>
-                        <a:tabLst/>
+                        <a:defRPr/>
                       </a:pPr>
                       <a:r>
-                        <a:rPr lang="fr-FR" sz="1100" b="0" i="0" baseline="0" dirty="0">
+                        <a:rPr lang="fr-FR" sz="1100" b="0" i="0">
                           <a:solidFill>
                             <a:schemeClr val="tx1"/>
                           </a:solidFill>
                           <a:latin typeface="+mn-lt"/>
-                          <a:ea typeface="Times New Roman" charset="0"/>
-                          <a:cs typeface="Times New Roman" charset="0"/>
+                          <a:ea typeface="Times New Roman"/>
+                          <a:cs typeface="Times New Roman"/>
                         </a:rPr>
-                        <a:t>Créer un site Web</a:t>
+                        <a:t>Créer un site Web, </a:t>
                       </a:r>
+                      <a:r>
+                        <a:rPr lang="fr-FR" sz="1100" b="0" i="0" u="none" strike="noStrike" cap="none" spc="0">
+                          <a:solidFill>
+                            <a:schemeClr val="tx1"/>
+                          </a:solidFill>
+                          <a:latin typeface="+mn-lt"/>
+                          <a:ea typeface="Times New Roman"/>
+                          <a:cs typeface="Times New Roman"/>
+                        </a:rPr>
+                        <a:t>Créer un commerce en ligne</a:t>
+                      </a:r>
+                      <a:endParaRPr/>
                     </a:p>
                   </a:txBody>
                   <a:tcPr marL="86222" marR="86222" marT="43111" marB="43111">
-                    <a:lnL w="3175" cap="flat" cmpd="sng" algn="ctr">
+                    <a:lnL w="3175" algn="ctr">
                       <a:noFill/>
-                      <a:prstDash val="solid"/>
-                      <a:round/>
-                      <a:headEnd type="none" w="med" len="med"/>
-                      <a:tailEnd type="none" w="med" len="med"/>
                     </a:lnL>
-                    <a:lnR w="12700" cmpd="sng">
+                    <a:lnR w="12700" algn="ctr">
                       <a:noFill/>
                     </a:lnR>
-                    <a:lnT w="12700" cmpd="sng">
+                    <a:lnT w="12700" algn="ctr">
                       <a:noFill/>
                     </a:lnT>
-                    <a:lnB w="9525" cap="flat" cmpd="sng" algn="ctr">
+                    <a:lnB w="9525" algn="ctr">
                       <a:noFill/>
-                      <a:prstDash val="solid"/>
-                      <a:round/>
-                      <a:headEnd type="none" w="med" len="med"/>
-                      <a:tailEnd type="none" w="med" len="med"/>
                     </a:lnB>
-                    <a:lnTlToBr w="12700" cmpd="sng">
-                      <a:noFill/>
-                      <a:prstDash val="solid"/>
-                    </a:lnTlToBr>
-                    <a:lnBlToTr w="12700" cmpd="sng">
-                      <a:noFill/>
-                      <a:prstDash val="solid"/>
-                    </a:lnBlToTr>
                   </a:tcPr>
                 </a:tc>
-                <a:extLst>
-                  <a:ext uri="{0D108BD9-81ED-4DB2-BD59-A6C34878D82A}">
-                    <a16:rowId xmlns:a16="http://schemas.microsoft.com/office/drawing/2014/main" val="10001"/>
-                  </a:ext>
-                </a:extLst>
               </a:tr>
               <a:tr h="324722">
                 <a:tc>
                   <a:txBody>
                     <a:bodyPr/>
-                    <a:lstStyle/>
                     <a:p>
-                      <a:pPr marL="7938" marR="0" indent="0" algn="l" defTabSz="457200" rtl="0" eaLnBrk="1" fontAlgn="auto" latinLnBrk="0" hangingPunct="1">
+                      <a:pPr marL="7938" marR="0" indent="0" algn="l" defTabSz="457200">
                         <a:lnSpc>
                           <a:spcPct val="100000"/>
                         </a:lnSpc>
@@ -6498,57 +5974,40 @@
                         <a:buSzTx/>
                         <a:buFontTx/>
                         <a:buNone/>
-                        <a:tabLst/>
                         <a:defRPr/>
                       </a:pPr>
                       <a:r>
-                        <a:rPr lang="fr-FR" sz="1100" b="1" i="0" dirty="0">
+                        <a:rPr lang="fr-FR" sz="1100" b="1" i="0">
                           <a:solidFill>
                             <a:srgbClr val="58585A"/>
                           </a:solidFill>
                           <a:latin typeface="+mn-lt"/>
-                          <a:ea typeface="Times New Roman" charset="0"/>
-                          <a:cs typeface="Times New Roman" charset="0"/>
+                          <a:ea typeface="Times New Roman"/>
+                          <a:cs typeface="Times New Roman"/>
                         </a:rPr>
                         <a:t>2019</a:t>
                       </a:r>
+                      <a:endParaRPr/>
                     </a:p>
                   </a:txBody>
                   <a:tcPr marL="86222" marR="86222" marT="43111" marB="43111">
-                    <a:lnL w="3175" cap="flat" cmpd="sng" algn="ctr">
+                    <a:lnL w="3175" algn="ctr">
                       <a:noFill/>
-                      <a:prstDash val="solid"/>
-                      <a:round/>
-                      <a:headEnd type="none" w="med" len="med"/>
-                      <a:tailEnd type="none" w="med" len="med"/>
                     </a:lnL>
-                    <a:lnR w="12700" cmpd="sng">
+                    <a:lnR w="12700" algn="ctr">
                       <a:noFill/>
                     </a:lnR>
-                    <a:lnT w="12700" cmpd="sng">
+                    <a:lnT w="12700" algn="ctr">
                       <a:noFill/>
                     </a:lnT>
-                    <a:lnB w="9525" cap="flat" cmpd="sng" algn="ctr">
+                    <a:lnB w="9525" algn="ctr">
                       <a:noFill/>
-                      <a:prstDash val="solid"/>
-                      <a:round/>
-                      <a:headEnd type="none" w="med" len="med"/>
-                      <a:tailEnd type="none" w="med" len="med"/>
                     </a:lnB>
-                    <a:lnTlToBr w="12700" cmpd="sng">
-                      <a:noFill/>
-                      <a:prstDash val="solid"/>
-                    </a:lnTlToBr>
-                    <a:lnBlToTr w="12700" cmpd="sng">
-                      <a:noFill/>
-                      <a:prstDash val="solid"/>
-                    </a:lnBlToTr>
                   </a:tcPr>
                 </a:tc>
                 <a:tc>
                   <a:txBody>
                     <a:bodyPr/>
-                    <a:lstStyle/>
                     <a:p>
                       <a:pPr marL="0" indent="0">
                         <a:lnSpc>
@@ -6558,32 +6017,22 @@
                           <a:srgbClr val="00B050"/>
                         </a:buClr>
                         <a:buSzPct val="100000"/>
-                        <a:buFont typeface="Courier New" charset="0"/>
+                        <a:buFont typeface="Courier New"/>
                         <a:buNone/>
-                        <a:tabLst/>
+                        <a:defRPr/>
                       </a:pPr>
                       <a:r>
-                        <a:rPr lang="fr-FR" sz="1100" b="1" i="0" dirty="0" err="1">
+                        <a:rPr lang="fr-FR" sz="1100" b="1" i="0">
                           <a:solidFill>
                             <a:schemeClr val="tx1"/>
                           </a:solidFill>
                           <a:latin typeface="+mn-lt"/>
-                          <a:ea typeface="Times New Roman" charset="0"/>
-                          <a:cs typeface="Times New Roman" charset="0"/>
+                          <a:ea typeface="Times New Roman"/>
+                          <a:cs typeface="Times New Roman"/>
                         </a:rPr>
-                        <a:t>Technofutur</a:t>
+                        <a:t>Becode</a:t>
                       </a:r>
-                      <a:r>
-                        <a:rPr lang="fr-FR" sz="1100" b="1" i="0" dirty="0">
-                          <a:solidFill>
-                            <a:schemeClr val="tx1"/>
-                          </a:solidFill>
-                          <a:latin typeface="+mn-lt"/>
-                          <a:ea typeface="Times New Roman" charset="0"/>
-                          <a:cs typeface="Times New Roman" charset="0"/>
-                        </a:rPr>
-                        <a:t> TIC</a:t>
-                      </a:r>
+                      <a:endParaRPr/>
                     </a:p>
                     <a:p>
                       <a:pPr marL="0" indent="0">
@@ -6594,59 +6043,39 @@
                           <a:srgbClr val="00B050"/>
                         </a:buClr>
                         <a:buSzPct val="100000"/>
-                        <a:buFont typeface="Courier New" charset="0"/>
+                        <a:buFont typeface="Courier New"/>
                         <a:buNone/>
-                        <a:tabLst/>
+                        <a:defRPr/>
                       </a:pPr>
                       <a:r>
-                        <a:rPr lang="fr-FR" sz="1100" b="0" i="0" baseline="0" dirty="0">
+                        <a:rPr lang="fr-FR" sz="1100" b="0" i="0">
                           <a:solidFill>
                             <a:schemeClr val="tx1"/>
                           </a:solidFill>
                           <a:latin typeface="+mn-lt"/>
-                          <a:ea typeface="Times New Roman" charset="0"/>
-                          <a:cs typeface="Times New Roman" charset="0"/>
+                          <a:ea typeface="Times New Roman"/>
+                          <a:cs typeface="Times New Roman"/>
                         </a:rPr>
-                        <a:t>Créer un commerce en ligne</a:t>
+                        <a:t>Formation Web Développeur</a:t>
                       </a:r>
+                      <a:endParaRPr/>
                     </a:p>
                   </a:txBody>
                   <a:tcPr marL="86222" marR="86222" marT="43111" marB="43111">
-                    <a:lnL w="3175" cap="flat" cmpd="sng" algn="ctr">
+                    <a:lnL w="3175" algn="ctr">
                       <a:noFill/>
-                      <a:prstDash val="solid"/>
-                      <a:round/>
-                      <a:headEnd type="none" w="med" len="med"/>
-                      <a:tailEnd type="none" w="med" len="med"/>
                     </a:lnL>
-                    <a:lnR w="12700" cmpd="sng">
+                    <a:lnR w="12700" algn="ctr">
                       <a:noFill/>
                     </a:lnR>
-                    <a:lnT w="12700" cmpd="sng">
+                    <a:lnT w="12700" algn="ctr">
                       <a:noFill/>
                     </a:lnT>
-                    <a:lnB w="9525" cap="flat" cmpd="sng" algn="ctr">
+                    <a:lnB w="9525" algn="ctr">
                       <a:noFill/>
-                      <a:prstDash val="solid"/>
-                      <a:round/>
-                      <a:headEnd type="none" w="med" len="med"/>
-                      <a:tailEnd type="none" w="med" len="med"/>
                     </a:lnB>
-                    <a:lnTlToBr w="12700" cmpd="sng">
-                      <a:noFill/>
-                      <a:prstDash val="solid"/>
-                    </a:lnTlToBr>
-                    <a:lnBlToTr w="12700" cmpd="sng">
-                      <a:noFill/>
-                      <a:prstDash val="solid"/>
-                    </a:lnBlToTr>
                   </a:tcPr>
                 </a:tc>
-                <a:extLst>
-                  <a:ext uri="{0D108BD9-81ED-4DB2-BD59-A6C34878D82A}">
-                    <a16:rowId xmlns:a16="http://schemas.microsoft.com/office/drawing/2014/main" val="10002"/>
-                  </a:ext>
-                </a:extLst>
               </a:tr>
             </a:tbl>
           </a:graphicData>
@@ -6654,11 +6083,13 @@
       </p:graphicFrame>
       <p:sp>
         <p:nvSpPr>
-          <p:cNvPr id="102" name="TextBox 101"/>
-          <p:cNvSpPr txBox="1"/>
-          <p:nvPr/>
-        </p:nvSpPr>
-        <p:spPr>
+          <p:cNvPr id="46" name="TextBox 101" hidden="0"/>
+          <p:cNvSpPr>
+            <a:spLocks noAdjustHandles="0" noChangeArrowheads="0"/>
+          </p:cNvSpPr>
+          <p:nvPr isPhoto="0" userDrawn="0"/>
+        </p:nvSpPr>
+        <p:spPr bwMode="auto">
           <a:xfrm>
             <a:off x="1011237" y="2882655"/>
             <a:ext cx="2828925" cy="323165"/>
@@ -6674,15 +6105,18 @@
           </a:bodyPr>
           <a:lstStyle/>
           <a:p>
-            <a:r>
-              <a:rPr lang="en-US" sz="1500" b="1" dirty="0" err="1">
+            <a:pPr>
+              <a:defRPr/>
+            </a:pPr>
+            <a:r>
+              <a:rPr lang="en-US" sz="1500" b="1">
                 <a:solidFill>
                   <a:srgbClr val="404042"/>
                 </a:solidFill>
               </a:rPr>
               <a:t>Expérience</a:t>
             </a:r>
-            <a:endParaRPr lang="en-US" sz="1500" b="1" dirty="0">
+            <a:endParaRPr lang="en-US" sz="1500" b="1">
               <a:solidFill>
                 <a:srgbClr val="404042"/>
               </a:solidFill>
@@ -6692,11 +6126,13 @@
       </p:sp>
       <p:sp>
         <p:nvSpPr>
-          <p:cNvPr id="103" name="TextBox 102"/>
-          <p:cNvSpPr txBox="1"/>
-          <p:nvPr/>
-        </p:nvSpPr>
-        <p:spPr>
+          <p:cNvPr id="47" name="TextBox 102" hidden="0"/>
+          <p:cNvSpPr>
+            <a:spLocks noAdjustHandles="0" noChangeArrowheads="0"/>
+          </p:cNvSpPr>
+          <p:nvPr isPhoto="0" userDrawn="0"/>
+        </p:nvSpPr>
+        <p:spPr bwMode="auto">
           <a:xfrm>
             <a:off x="956733" y="5122995"/>
             <a:ext cx="2828925" cy="323165"/>
@@ -6712,24 +6148,30 @@
           </a:bodyPr>
           <a:lstStyle/>
           <a:p>
-            <a:r>
-              <a:rPr lang="en-US" sz="1500" b="1" dirty="0">
+            <a:pPr>
+              <a:defRPr/>
+            </a:pPr>
+            <a:r>
+              <a:rPr lang="en-US" sz="1500" b="1">
                 <a:solidFill>
                   <a:srgbClr val="404042"/>
                 </a:solidFill>
               </a:rPr>
               <a:t>Formation</a:t>
             </a:r>
-          </a:p>
-        </p:txBody>
-      </p:sp>
-      <p:sp>
-        <p:nvSpPr>
-          <p:cNvPr id="104" name="TextBox 103"/>
-          <p:cNvSpPr txBox="1"/>
-          <p:nvPr/>
-        </p:nvSpPr>
-        <p:spPr>
+            <a:endParaRPr/>
+          </a:p>
+        </p:txBody>
+      </p:sp>
+      <p:sp>
+        <p:nvSpPr>
+          <p:cNvPr id="48" name="TextBox 103" hidden="0"/>
+          <p:cNvSpPr>
+            <a:spLocks noAdjustHandles="0" noChangeArrowheads="0"/>
+          </p:cNvSpPr>
+          <p:nvPr isPhoto="0" userDrawn="0"/>
+        </p:nvSpPr>
+        <p:spPr bwMode="auto">
           <a:xfrm>
             <a:off x="972140" y="7581038"/>
             <a:ext cx="2828925" cy="323165"/>
@@ -6745,15 +6187,18 @@
           </a:bodyPr>
           <a:lstStyle/>
           <a:p>
-            <a:r>
-              <a:rPr lang="en-US" sz="1500" b="1" dirty="0" err="1">
+            <a:pPr>
+              <a:defRPr/>
+            </a:pPr>
+            <a:r>
+              <a:rPr lang="en-US" sz="1500" b="1">
                 <a:solidFill>
                   <a:srgbClr val="404042"/>
                 </a:solidFill>
               </a:rPr>
               <a:t>Atouts</a:t>
             </a:r>
-            <a:endParaRPr lang="en-US" sz="1500" b="1" dirty="0">
+            <a:endParaRPr lang="en-US" sz="1500" b="1">
               <a:solidFill>
                 <a:srgbClr val="404042"/>
               </a:solidFill>
@@ -6763,288 +6208,263 @@
       </p:sp>
       <p:graphicFrame>
         <p:nvGraphicFramePr>
-          <p:cNvPr id="105" name="Tableau 19"/>
+          <p:cNvPr id="49" name="Tableau 19" hidden="0"/>
           <p:cNvGraphicFramePr>
-            <a:graphicFrameLocks noGrp="1"/>
+            <a:graphicFrameLocks xmlns:a="http://schemas.openxmlformats.org/drawingml/2006/main" noGrp="1"/>
           </p:cNvGraphicFramePr>
-          <p:nvPr>
-            <p:extLst>
-              <p:ext uri="{D42A27DB-BD31-4B8C-83A1-F6EECF244321}">
-                <p14:modId xmlns:p14="http://schemas.microsoft.com/office/powerpoint/2010/main" val="93863911"/>
-              </p:ext>
-            </p:extLst>
-          </p:nvPr>
+          <p:nvPr isPhoto="0" userDrawn="0"/>
         </p:nvGraphicFramePr>
         <p:xfrm>
-          <a:off x="996977" y="7947674"/>
+          <a:off x="996977" y="7947673"/>
           <a:ext cx="3563084" cy="2301240"/>
         </p:xfrm>
         <a:graphic>
           <a:graphicData uri="http://schemas.openxmlformats.org/drawingml/2006/table">
             <a:tbl>
-              <a:tblPr firstRow="1" bandRow="1">
-                <a:tableStyleId>{2D5ABB26-0587-4C30-8999-92F81FD0307C}</a:tableStyleId>
+              <a:tblPr firstRow="1" firstCol="0" lastRow="0" lastCol="0" bandRow="1" bandCol="0">
+                <a:tableStyleId>{79C72D8E-F0A1-3B73-513B-CF45335C0A03}</a:tableStyleId>
               </a:tblPr>
               <a:tblGrid>
-                <a:gridCol w="3563084">
-                  <a:extLst>
-                    <a:ext uri="{9D8B030D-6E8A-4147-A177-3AD203B41FA5}">
-                      <a16:colId xmlns:a16="http://schemas.microsoft.com/office/drawing/2014/main" val="20000"/>
-                    </a:ext>
-                  </a:extLst>
-                </a:gridCol>
+                <a:gridCol w="3563084"/>
               </a:tblGrid>
               <a:tr h="826126">
                 <a:tc>
                   <a:txBody>
                     <a:bodyPr/>
-                    <a:lstStyle/>
                     <a:p>
                       <a:pPr marL="179388" indent="-171450" algn="l">
                         <a:lnSpc>
                           <a:spcPct val="100000"/>
                         </a:lnSpc>
-                        <a:buFont typeface="Arial" panose="020B0604020202020204" pitchFamily="34" charset="0"/>
+                        <a:buFont typeface="Arial"/>
                         <a:buChar char="•"/>
-                        <a:tabLst/>
+                        <a:defRPr/>
                       </a:pPr>
                       <a:r>
-                        <a:rPr lang="fr-FR" sz="1100" b="0" i="0" noProof="0" dirty="0">
+                        <a:rPr lang="fr-FR" sz="1100" b="0" i="0">
                           <a:solidFill>
                             <a:srgbClr val="58585A"/>
                           </a:solidFill>
                           <a:latin typeface="+mn-lt"/>
-                          <a:ea typeface="Times New Roman" charset="0"/>
-                          <a:cs typeface="Times New Roman" charset="0"/>
+                          <a:ea typeface="Times New Roman"/>
+                          <a:cs typeface="Times New Roman"/>
                         </a:rPr>
                         <a:t>Bonne</a:t>
                       </a:r>
                       <a:r>
-                        <a:rPr lang="fr-FR" sz="1100" b="0" i="0" baseline="0" noProof="0" dirty="0">
+                        <a:rPr lang="fr-FR" sz="1100" b="0" i="0">
                           <a:solidFill>
                             <a:srgbClr val="58585A"/>
                           </a:solidFill>
                           <a:latin typeface="+mn-lt"/>
-                          <a:ea typeface="Times New Roman" charset="0"/>
-                          <a:cs typeface="Times New Roman" charset="0"/>
+                          <a:ea typeface="Times New Roman"/>
+                          <a:cs typeface="Times New Roman"/>
                         </a:rPr>
                         <a:t> résistance physique</a:t>
                       </a:r>
+                      <a:endParaRPr/>
                     </a:p>
                     <a:p>
                       <a:pPr marL="179388" indent="-171450" algn="l">
                         <a:lnSpc>
                           <a:spcPct val="100000"/>
                         </a:lnSpc>
-                        <a:buFont typeface="Arial" panose="020B0604020202020204" pitchFamily="34" charset="0"/>
+                        <a:buFont typeface="Arial"/>
                         <a:buChar char="•"/>
-                        <a:tabLst/>
+                        <a:defRPr/>
                       </a:pPr>
                       <a:r>
-                        <a:rPr lang="fr-FR" sz="1100" b="0" i="0" baseline="0" noProof="0" dirty="0">
+                        <a:rPr lang="fr-FR" sz="1100" b="0" i="0">
                           <a:solidFill>
                             <a:srgbClr val="58585A"/>
                           </a:solidFill>
                           <a:latin typeface="+mn-lt"/>
-                          <a:ea typeface="Times New Roman" charset="0"/>
-                          <a:cs typeface="Times New Roman" charset="0"/>
+                          <a:ea typeface="Times New Roman"/>
+                          <a:cs typeface="Times New Roman"/>
                         </a:rPr>
                         <a:t>Bonne résistance au stress</a:t>
                       </a:r>
+                      <a:endParaRPr/>
                     </a:p>
                     <a:p>
                       <a:pPr marL="179388" indent="-171450" algn="l">
                         <a:lnSpc>
                           <a:spcPct val="100000"/>
                         </a:lnSpc>
-                        <a:buFont typeface="Arial" panose="020B0604020202020204" pitchFamily="34" charset="0"/>
+                        <a:buFont typeface="Arial"/>
                         <a:buChar char="•"/>
-                        <a:tabLst/>
+                        <a:defRPr/>
                       </a:pPr>
                       <a:r>
-                        <a:rPr lang="fr-FR" sz="1100" b="0" i="0" baseline="0" noProof="0" dirty="0">
+                        <a:rPr lang="fr-FR" sz="1100" b="0" i="0">
                           <a:solidFill>
                             <a:srgbClr val="58585A"/>
                           </a:solidFill>
                           <a:latin typeface="+mn-lt"/>
-                          <a:ea typeface="Times New Roman" charset="0"/>
-                          <a:cs typeface="Times New Roman" charset="0"/>
+                          <a:ea typeface="Times New Roman"/>
+                          <a:cs typeface="Times New Roman"/>
                         </a:rPr>
                         <a:t>Flexible</a:t>
                       </a:r>
+                      <a:endParaRPr/>
                     </a:p>
                     <a:p>
                       <a:pPr marL="179388" indent="-171450" algn="l">
                         <a:lnSpc>
                           <a:spcPct val="100000"/>
                         </a:lnSpc>
-                        <a:buFont typeface="Arial" panose="020B0604020202020204" pitchFamily="34" charset="0"/>
+                        <a:buFont typeface="Arial"/>
                         <a:buChar char="•"/>
-                        <a:tabLst/>
+                        <a:defRPr/>
                       </a:pPr>
                       <a:r>
-                        <a:rPr lang="fr-FR" sz="1100" b="0" i="0" baseline="0" noProof="0" dirty="0">
+                        <a:rPr lang="fr-FR" sz="1100" b="0" i="0">
                           <a:solidFill>
                             <a:srgbClr val="58585A"/>
                           </a:solidFill>
                           <a:latin typeface="+mn-lt"/>
-                          <a:ea typeface="Times New Roman" charset="0"/>
-                          <a:cs typeface="Times New Roman" charset="0"/>
+                          <a:ea typeface="Times New Roman"/>
+                          <a:cs typeface="Times New Roman"/>
                         </a:rPr>
                         <a:t>Esprit d’équipe</a:t>
                       </a:r>
+                      <a:endParaRPr/>
                     </a:p>
                     <a:p>
                       <a:pPr marL="179388" indent="-171450" algn="l">
                         <a:lnSpc>
                           <a:spcPct val="100000"/>
                         </a:lnSpc>
-                        <a:buFont typeface="Arial" panose="020B0604020202020204" pitchFamily="34" charset="0"/>
+                        <a:buFont typeface="Arial"/>
                         <a:buChar char="•"/>
-                        <a:tabLst/>
+                        <a:defRPr/>
                       </a:pPr>
                       <a:r>
-                        <a:rPr lang="fr-FR" sz="1100" b="0" i="0" baseline="0" noProof="0" dirty="0">
+                        <a:rPr lang="fr-FR" sz="1100" b="0" i="0">
                           <a:solidFill>
                             <a:srgbClr val="58585A"/>
                           </a:solidFill>
                           <a:latin typeface="+mn-lt"/>
-                          <a:ea typeface="Times New Roman" charset="0"/>
-                          <a:cs typeface="Times New Roman" charset="0"/>
+                          <a:ea typeface="Times New Roman"/>
+                          <a:cs typeface="Times New Roman"/>
                         </a:rPr>
                         <a:t>Rigoureux et dynamique</a:t>
                       </a:r>
+                      <a:endParaRPr/>
                     </a:p>
                     <a:p>
                       <a:pPr marL="179388" indent="-171450" algn="l">
                         <a:lnSpc>
                           <a:spcPct val="100000"/>
                         </a:lnSpc>
-                        <a:buFont typeface="Arial" panose="020B0604020202020204" pitchFamily="34" charset="0"/>
+                        <a:buFont typeface="Arial"/>
                         <a:buChar char="•"/>
-                        <a:tabLst/>
+                        <a:defRPr/>
                       </a:pPr>
                       <a:r>
-                        <a:rPr lang="fr-FR" sz="1100" b="0" i="0" baseline="0" noProof="0" dirty="0">
+                        <a:rPr lang="fr-FR" sz="1100" b="0" i="0">
                           <a:solidFill>
                             <a:srgbClr val="58585A"/>
                           </a:solidFill>
                           <a:latin typeface="+mn-lt"/>
-                          <a:ea typeface="Times New Roman" charset="0"/>
-                          <a:cs typeface="Times New Roman" charset="0"/>
+                          <a:ea typeface="Times New Roman"/>
+                          <a:cs typeface="Times New Roman"/>
                         </a:rPr>
                         <a:t>Bonne organisation</a:t>
                       </a:r>
+                      <a:endParaRPr/>
                     </a:p>
                     <a:p>
                       <a:pPr marL="179388" indent="-171450" algn="l">
                         <a:lnSpc>
                           <a:spcPct val="100000"/>
                         </a:lnSpc>
-                        <a:buFont typeface="Arial" panose="020B0604020202020204" pitchFamily="34" charset="0"/>
+                        <a:buFont typeface="Arial"/>
                         <a:buChar char="•"/>
-                        <a:tabLst/>
+                        <a:defRPr/>
                       </a:pPr>
                       <a:r>
-                        <a:rPr lang="fr-FR" sz="1100" b="0" i="0" baseline="0" noProof="0" dirty="0">
+                        <a:rPr lang="fr-FR" sz="1100" b="0" i="0">
                           <a:solidFill>
                             <a:srgbClr val="58585A"/>
                           </a:solidFill>
                           <a:latin typeface="+mn-lt"/>
-                          <a:ea typeface="Times New Roman" charset="0"/>
-                          <a:cs typeface="Times New Roman" charset="0"/>
+                          <a:ea typeface="Times New Roman"/>
+                          <a:cs typeface="Times New Roman"/>
                         </a:rPr>
                         <a:t>Autonome</a:t>
                       </a:r>
-                      <a:endParaRPr lang="fr-FR" sz="1100" b="0" i="0" noProof="0" dirty="0">
+                      <a:endParaRPr lang="fr-FR" sz="1100" b="0" i="0">
                         <a:solidFill>
                           <a:srgbClr val="58585A"/>
                         </a:solidFill>
                         <a:latin typeface="+mn-lt"/>
-                        <a:ea typeface="Times New Roman" charset="0"/>
-                        <a:cs typeface="Times New Roman" charset="0"/>
+                        <a:ea typeface="Times New Roman"/>
+                        <a:cs typeface="Times New Roman"/>
                       </a:endParaRPr>
                     </a:p>
                   </a:txBody>
                   <a:tcPr marL="108000" anchor="ctr"/>
                 </a:tc>
-                <a:extLst>
-                  <a:ext uri="{0D108BD9-81ED-4DB2-BD59-A6C34878D82A}">
-                    <a16:rowId xmlns:a16="http://schemas.microsoft.com/office/drawing/2014/main" val="10000"/>
-                  </a:ext>
-                </a:extLst>
               </a:tr>
               <a:tr h="169207">
                 <a:tc>
                   <a:txBody>
                     <a:bodyPr/>
-                    <a:lstStyle/>
                     <a:p>
                       <a:pPr marL="7938" indent="0" algn="l">
                         <a:lnSpc>
                           <a:spcPct val="100000"/>
                         </a:lnSpc>
-                        <a:buFont typeface="Courier New" charset="0"/>
+                        <a:buFont typeface="Courier New"/>
                         <a:buNone/>
-                        <a:tabLst/>
+                        <a:defRPr/>
                       </a:pPr>
-                      <a:endParaRPr lang="fr-FR" sz="1100" b="1" i="0" noProof="0" dirty="0">
+                      <a:endParaRPr lang="fr-FR" sz="1100" b="1" i="0">
                         <a:solidFill>
                           <a:srgbClr val="58585A"/>
                         </a:solidFill>
                         <a:latin typeface="+mn-lt"/>
-                        <a:ea typeface="Times New Roman" charset="0"/>
-                        <a:cs typeface="Times New Roman" charset="0"/>
+                        <a:ea typeface="Times New Roman"/>
+                        <a:cs typeface="Times New Roman"/>
                       </a:endParaRPr>
                     </a:p>
                   </a:txBody>
                   <a:tcPr marL="108000" anchor="ctr"/>
                 </a:tc>
-                <a:extLst>
-                  <a:ext uri="{0D108BD9-81ED-4DB2-BD59-A6C34878D82A}">
-                    <a16:rowId xmlns:a16="http://schemas.microsoft.com/office/drawing/2014/main" val="10001"/>
-                  </a:ext>
-                </a:extLst>
               </a:tr>
               <a:tr h="169207">
                 <a:tc>
                   <a:txBody>
                     <a:bodyPr/>
-                    <a:lstStyle/>
                     <a:p>
                       <a:pPr marL="7938" indent="0" algn="l">
                         <a:lnSpc>
                           <a:spcPct val="100000"/>
                         </a:lnSpc>
-                        <a:buFont typeface="Courier New" charset="0"/>
+                        <a:buFont typeface="Courier New"/>
                         <a:buNone/>
-                        <a:tabLst/>
+                        <a:defRPr/>
                       </a:pPr>
-                      <a:endParaRPr lang="fr-FR" sz="1100" b="1" i="0" noProof="0" dirty="0">
+                      <a:endParaRPr lang="fr-FR" sz="1100" b="1" i="0">
                         <a:solidFill>
                           <a:srgbClr val="58585A"/>
                         </a:solidFill>
                         <a:latin typeface="+mn-lt"/>
-                        <a:ea typeface="Times New Roman" charset="0"/>
-                        <a:cs typeface="Times New Roman" charset="0"/>
+                        <a:ea typeface="Times New Roman"/>
+                        <a:cs typeface="Times New Roman"/>
                       </a:endParaRPr>
                     </a:p>
                   </a:txBody>
                   <a:tcPr marL="108000" anchor="ctr"/>
                 </a:tc>
-                <a:extLst>
-                  <a:ext uri="{0D108BD9-81ED-4DB2-BD59-A6C34878D82A}">
-                    <a16:rowId xmlns:a16="http://schemas.microsoft.com/office/drawing/2014/main" val="10002"/>
-                  </a:ext>
-                </a:extLst>
               </a:tr>
               <a:tr h="169207">
                 <a:tc>
                   <a:txBody>
                     <a:bodyPr/>
-                    <a:lstStyle/>
                     <a:p>
-                      <a:pPr marL="7938" marR="0" indent="0" algn="l" defTabSz="457200" rtl="0" eaLnBrk="1" fontAlgn="auto" latinLnBrk="0" hangingPunct="1">
+                      <a:pPr marL="7938" marR="0" indent="0" algn="l" defTabSz="457200">
                         <a:lnSpc>
                           <a:spcPct val="100000"/>
                         </a:lnSpc>
@@ -7056,36 +6476,29 @@
                         </a:spcAft>
                         <a:buClrTx/>
                         <a:buSzTx/>
-                        <a:buFont typeface="Courier New" charset="0"/>
+                        <a:buFont typeface="Courier New"/>
                         <a:buNone/>
-                        <a:tabLst/>
                         <a:defRPr/>
                       </a:pPr>
-                      <a:endParaRPr lang="fr-FR" sz="1100" b="1" i="0" noProof="0" dirty="0">
+                      <a:endParaRPr lang="fr-FR" sz="1100" b="1" i="0">
                         <a:solidFill>
                           <a:srgbClr val="58585A"/>
                         </a:solidFill>
                         <a:latin typeface="+mn-lt"/>
-                        <a:ea typeface="Times New Roman" charset="0"/>
-                        <a:cs typeface="Times New Roman" charset="0"/>
+                        <a:ea typeface="Times New Roman"/>
+                        <a:cs typeface="Times New Roman"/>
                       </a:endParaRPr>
                     </a:p>
                   </a:txBody>
                   <a:tcPr marL="108000" anchor="ctr"/>
                 </a:tc>
-                <a:extLst>
-                  <a:ext uri="{0D108BD9-81ED-4DB2-BD59-A6C34878D82A}">
-                    <a16:rowId xmlns:a16="http://schemas.microsoft.com/office/drawing/2014/main" val="10003"/>
-                  </a:ext>
-                </a:extLst>
               </a:tr>
               <a:tr h="169207">
                 <a:tc>
                   <a:txBody>
                     <a:bodyPr/>
-                    <a:lstStyle/>
                     <a:p>
-                      <a:pPr marL="7938" marR="0" indent="0" algn="l" defTabSz="457200" rtl="0" eaLnBrk="1" fontAlgn="auto" latinLnBrk="0" hangingPunct="1">
+                      <a:pPr marL="7938" marR="0" indent="0" algn="l" defTabSz="457200">
                         <a:lnSpc>
                           <a:spcPct val="100000"/>
                         </a:lnSpc>
@@ -7097,28 +6510,22 @@
                         </a:spcAft>
                         <a:buClrTx/>
                         <a:buSzTx/>
-                        <a:buFont typeface="Courier New" charset="0"/>
+                        <a:buFont typeface="Courier New"/>
                         <a:buNone/>
-                        <a:tabLst/>
                         <a:defRPr/>
                       </a:pPr>
-                      <a:endParaRPr lang="fr-FR" sz="1100" b="1" i="0" noProof="0" dirty="0">
+                      <a:endParaRPr lang="fr-FR" sz="1100" b="1" i="0">
                         <a:solidFill>
                           <a:srgbClr val="58585A"/>
                         </a:solidFill>
                         <a:latin typeface="+mn-lt"/>
-                        <a:ea typeface="Times New Roman" charset="0"/>
-                        <a:cs typeface="Times New Roman" charset="0"/>
+                        <a:ea typeface="Times New Roman"/>
+                        <a:cs typeface="Times New Roman"/>
                       </a:endParaRPr>
                     </a:p>
                   </a:txBody>
                   <a:tcPr marL="108000" anchor="ctr"/>
                 </a:tc>
-                <a:extLst>
-                  <a:ext uri="{0D108BD9-81ED-4DB2-BD59-A6C34878D82A}">
-                    <a16:rowId xmlns:a16="http://schemas.microsoft.com/office/drawing/2014/main" val="10004"/>
-                  </a:ext>
-                </a:extLst>
               </a:tr>
             </a:tbl>
           </a:graphicData>
@@ -7126,25 +6533,17 @@
       </p:graphicFrame>
       <p:pic>
         <p:nvPicPr>
-          <p:cNvPr id="28" name="Picture 27"/>
+          <p:cNvPr id="50" name="Picture 27" hidden="0"/>
           <p:cNvPicPr>
             <a:picLocks noChangeAspect="1"/>
           </p:cNvPicPr>
-          <p:nvPr/>
+          <p:nvPr isPhoto="0" userDrawn="0"/>
         </p:nvPicPr>
         <p:blipFill>
-          <a:blip r:embed="rId3">
-            <a:extLst>
-              <a:ext uri="{28A0092B-C50C-407E-A947-70E740481C1C}">
-                <a14:useLocalDpi xmlns:a14="http://schemas.microsoft.com/office/drawing/2010/main" val="0"/>
-              </a:ext>
-            </a:extLst>
-          </a:blip>
-          <a:stretch>
-            <a:fillRect/>
-          </a:stretch>
+          <a:blip r:embed="rId2"/>
+          <a:stretch/>
         </p:blipFill>
-        <p:spPr>
+        <p:spPr bwMode="auto">
           <a:xfrm>
             <a:off x="430425" y="2945586"/>
             <a:ext cx="212286" cy="212286"/>
@@ -7156,25 +6555,17 @@
       </p:pic>
       <p:pic>
         <p:nvPicPr>
-          <p:cNvPr id="225" name="Picture 224"/>
+          <p:cNvPr id="51" name="Picture 224" hidden="0"/>
           <p:cNvPicPr>
             <a:picLocks noChangeAspect="1"/>
           </p:cNvPicPr>
-          <p:nvPr/>
+          <p:nvPr isPhoto="0" userDrawn="0"/>
         </p:nvPicPr>
         <p:blipFill>
-          <a:blip r:embed="rId4">
-            <a:extLst>
-              <a:ext uri="{28A0092B-C50C-407E-A947-70E740481C1C}">
-                <a14:useLocalDpi xmlns:a14="http://schemas.microsoft.com/office/drawing/2010/main" val="0"/>
-              </a:ext>
-            </a:extLst>
-          </a:blip>
-          <a:stretch>
-            <a:fillRect/>
-          </a:stretch>
+          <a:blip r:embed="rId3"/>
+          <a:stretch/>
         </p:blipFill>
-        <p:spPr>
+        <p:spPr bwMode="auto">
           <a:xfrm>
             <a:off x="401078" y="5119970"/>
             <a:ext cx="269724" cy="269724"/>
@@ -7186,25 +6577,17 @@
       </p:pic>
       <p:pic>
         <p:nvPicPr>
-          <p:cNvPr id="226" name="Picture 225"/>
+          <p:cNvPr id="52" name="Picture 225" hidden="0"/>
           <p:cNvPicPr>
             <a:picLocks noChangeAspect="1"/>
           </p:cNvPicPr>
-          <p:nvPr/>
+          <p:nvPr isPhoto="0" userDrawn="0"/>
         </p:nvPicPr>
         <p:blipFill>
-          <a:blip r:embed="rId5">
-            <a:extLst>
-              <a:ext uri="{28A0092B-C50C-407E-A947-70E740481C1C}">
-                <a14:useLocalDpi xmlns:a14="http://schemas.microsoft.com/office/drawing/2010/main" val="0"/>
-              </a:ext>
-            </a:extLst>
-          </a:blip>
-          <a:stretch>
-            <a:fillRect/>
-          </a:stretch>
+          <a:blip r:embed="rId4"/>
+          <a:stretch/>
         </p:blipFill>
-        <p:spPr>
+        <p:spPr bwMode="auto">
           <a:xfrm>
             <a:off x="419073" y="7622965"/>
             <a:ext cx="239312" cy="239312"/>
@@ -7216,13 +6599,13 @@
       </p:pic>
       <p:sp>
         <p:nvSpPr>
-          <p:cNvPr id="58" name="Oval 62"/>
+          <p:cNvPr id="53" name="Oval 62" hidden="0"/>
           <p:cNvSpPr/>
-          <p:nvPr/>
-        </p:nvSpPr>
-        <p:spPr>
-          <a:xfrm>
-            <a:off x="5591907" y="6876838"/>
+          <p:nvPr isPhoto="0" userDrawn="0"/>
+        </p:nvSpPr>
+        <p:spPr bwMode="auto">
+          <a:xfrm>
+            <a:off x="5591907" y="6876837"/>
             <a:ext cx="491490" cy="491490"/>
           </a:xfrm>
           <a:prstGeom prst="ellipse">
@@ -7250,32 +6633,26 @@
           <a:bodyPr rtlCol="0" anchor="ctr"/>
           <a:lstStyle/>
           <a:p>
-            <a:pPr algn="ctr"/>
+            <a:pPr algn="ctr">
+              <a:defRPr/>
+            </a:pPr>
             <a:endParaRPr lang="en-US"/>
           </a:p>
         </p:txBody>
       </p:sp>
       <p:pic>
         <p:nvPicPr>
-          <p:cNvPr id="59" name="Picture 19"/>
+          <p:cNvPr id="54" name="Picture 19" hidden="0"/>
           <p:cNvPicPr>
             <a:picLocks noChangeAspect="1"/>
           </p:cNvPicPr>
-          <p:nvPr/>
+          <p:nvPr isPhoto="0" userDrawn="0"/>
         </p:nvPicPr>
         <p:blipFill>
-          <a:blip r:embed="rId6">
-            <a:extLst>
-              <a:ext uri="{28A0092B-C50C-407E-A947-70E740481C1C}">
-                <a14:useLocalDpi xmlns:a14="http://schemas.microsoft.com/office/drawing/2010/main" val="0"/>
-              </a:ext>
-            </a:extLst>
-          </a:blip>
-          <a:stretch>
-            <a:fillRect/>
-          </a:stretch>
+          <a:blip r:embed="rId5"/>
+          <a:stretch/>
         </p:blipFill>
-        <p:spPr>
+        <p:spPr bwMode="auto">
           <a:xfrm>
             <a:off x="5686274" y="6960137"/>
             <a:ext cx="317492" cy="317492"/>
@@ -7287,11 +6664,11 @@
       </p:pic>
       <p:sp>
         <p:nvSpPr>
-          <p:cNvPr id="60" name="Rectangle 59"/>
+          <p:cNvPr id="55" name="Rectangle 59" hidden="0"/>
           <p:cNvSpPr/>
-          <p:nvPr/>
-        </p:nvSpPr>
-        <p:spPr>
+          <p:nvPr isPhoto="0" userDrawn="0"/>
+        </p:nvSpPr>
+        <p:spPr bwMode="auto">
           <a:xfrm>
             <a:off x="5414530" y="2997340"/>
             <a:ext cx="2120900" cy="243136"/>
@@ -7305,7 +6682,6 @@
           <a:ln>
             <a:noFill/>
           </a:ln>
-          <a:effectLst/>
         </p:spPr>
         <p:style>
           <a:lnRef idx="1">
@@ -7325,18 +6701,20 @@
           <a:bodyPr rtlCol="0" anchor="ctr"/>
           <a:lstStyle/>
           <a:p>
-            <a:pPr algn="ctr"/>
+            <a:pPr algn="ctr">
+              <a:defRPr/>
+            </a:pPr>
             <a:endParaRPr lang="fr-FR"/>
           </a:p>
         </p:txBody>
       </p:sp>
       <p:sp>
         <p:nvSpPr>
-          <p:cNvPr id="61" name="Oval 9"/>
+          <p:cNvPr id="56" name="Oval 9" hidden="0"/>
           <p:cNvSpPr/>
-          <p:nvPr/>
-        </p:nvSpPr>
-        <p:spPr>
+          <p:nvPr isPhoto="0" userDrawn="0"/>
+        </p:nvSpPr>
+        <p:spPr bwMode="auto">
           <a:xfrm>
             <a:off x="5591907" y="2881355"/>
             <a:ext cx="491490" cy="491490"/>
@@ -7366,32 +6744,26 @@
           <a:bodyPr rtlCol="0" anchor="ctr"/>
           <a:lstStyle/>
           <a:p>
-            <a:pPr algn="ctr"/>
+            <a:pPr algn="ctr">
+              <a:defRPr/>
+            </a:pPr>
             <a:endParaRPr lang="en-US"/>
           </a:p>
         </p:txBody>
       </p:sp>
       <p:pic>
         <p:nvPicPr>
-          <p:cNvPr id="86" name="Picture 14"/>
+          <p:cNvPr id="57" name="Picture 14" hidden="0"/>
           <p:cNvPicPr>
             <a:picLocks noChangeAspect="1"/>
           </p:cNvPicPr>
-          <p:nvPr/>
+          <p:nvPr isPhoto="0" userDrawn="0"/>
         </p:nvPicPr>
         <p:blipFill>
-          <a:blip r:embed="rId7">
-            <a:extLst>
-              <a:ext uri="{28A0092B-C50C-407E-A947-70E740481C1C}">
-                <a14:useLocalDpi xmlns:a14="http://schemas.microsoft.com/office/drawing/2010/main" val="0"/>
-              </a:ext>
-            </a:extLst>
-          </a:blip>
-          <a:stretch>
-            <a:fillRect/>
-          </a:stretch>
+          <a:blip r:embed="rId6"/>
+          <a:stretch/>
         </p:blipFill>
-        <p:spPr>
+        <p:spPr bwMode="auto">
           <a:xfrm>
             <a:off x="5677806" y="2972801"/>
             <a:ext cx="317492" cy="317492"/>
@@ -7403,11 +6775,13 @@
       </p:pic>
       <p:sp>
         <p:nvSpPr>
-          <p:cNvPr id="87" name="TextBox 101"/>
-          <p:cNvSpPr txBox="1"/>
-          <p:nvPr/>
-        </p:nvSpPr>
-        <p:spPr>
+          <p:cNvPr id="58" name="TextBox 101" hidden="0"/>
+          <p:cNvSpPr>
+            <a:spLocks noAdjustHandles="0" noChangeArrowheads="0"/>
+          </p:cNvSpPr>
+          <p:nvPr isPhoto="0" userDrawn="0"/>
+        </p:nvSpPr>
+        <p:spPr bwMode="auto">
           <a:xfrm>
             <a:off x="6081198" y="2952849"/>
             <a:ext cx="1462700" cy="307777"/>
@@ -7423,15 +6797,18 @@
           </a:bodyPr>
           <a:lstStyle/>
           <a:p>
-            <a:r>
-              <a:rPr lang="en-US" sz="1400" b="1" dirty="0" err="1">
+            <a:pPr>
+              <a:defRPr/>
+            </a:pPr>
+            <a:r>
+              <a:rPr lang="en-US" sz="1400" b="1">
                 <a:solidFill>
                   <a:srgbClr val="404042"/>
                 </a:solidFill>
               </a:rPr>
               <a:t>Informatique</a:t>
             </a:r>
-            <a:endParaRPr lang="en-US" sz="1400" b="1" dirty="0">
+            <a:endParaRPr lang="en-US" sz="1400" b="1">
               <a:solidFill>
                 <a:srgbClr val="404042"/>
               </a:solidFill>
@@ -7441,11 +6818,13 @@
       </p:sp>
       <p:sp>
         <p:nvSpPr>
-          <p:cNvPr id="93" name="TextBox 101"/>
-          <p:cNvSpPr txBox="1"/>
-          <p:nvPr/>
-        </p:nvSpPr>
-        <p:spPr>
+          <p:cNvPr id="59" name="TextBox 101" hidden="0"/>
+          <p:cNvSpPr>
+            <a:spLocks noAdjustHandles="0" noChangeArrowheads="0"/>
+          </p:cNvSpPr>
+          <p:nvPr isPhoto="0" userDrawn="0"/>
+        </p:nvSpPr>
+        <p:spPr bwMode="auto">
           <a:xfrm>
             <a:off x="6066380" y="6964994"/>
             <a:ext cx="1462700" cy="307777"/>
@@ -7461,15 +6840,18 @@
           </a:bodyPr>
           <a:lstStyle/>
           <a:p>
-            <a:r>
-              <a:rPr lang="en-US" sz="1400" b="1" dirty="0" err="1">
+            <a:pPr>
+              <a:defRPr/>
+            </a:pPr>
+            <a:r>
+              <a:rPr lang="en-US" sz="1400" b="1">
                 <a:solidFill>
                   <a:srgbClr val="404042"/>
                 </a:solidFill>
               </a:rPr>
               <a:t>Langues</a:t>
             </a:r>
-            <a:endParaRPr lang="en-US" sz="1400" b="1" dirty="0">
+            <a:endParaRPr lang="en-US" sz="1400" b="1">
               <a:solidFill>
                 <a:srgbClr val="404042"/>
               </a:solidFill>
@@ -7479,28 +6861,42 @@
       </p:sp>
       <p:pic>
         <p:nvPicPr>
-          <p:cNvPr id="5" name="Image 4">
-            <a:extLst>
-              <a:ext uri="{FF2B5EF4-FFF2-40B4-BE49-F238E27FC236}">
-                <a16:creationId xmlns:a16="http://schemas.microsoft.com/office/drawing/2014/main" id="{6998E092-C52A-43F4-B62C-951DC3166F22}"/>
-              </a:ext>
-            </a:extLst>
-          </p:cNvPr>
+          <p:cNvPr id="60" name="Image 4" hidden="0"/>
           <p:cNvPicPr>
             <a:picLocks noChangeAspect="1"/>
           </p:cNvPicPr>
-          <p:nvPr/>
+          <p:nvPr isPhoto="0" userDrawn="0"/>
+        </p:nvPicPr>
+        <p:blipFill>
+          <a:blip r:embed="rId7"/>
+          <a:stretch/>
+        </p:blipFill>
+        <p:spPr bwMode="auto">
+          <a:xfrm>
+            <a:off x="120650" y="3580891"/>
+            <a:ext cx="836083" cy="345180"/>
+          </a:xfrm>
+          <a:prstGeom prst="rect">
+            <a:avLst/>
+          </a:prstGeom>
+        </p:spPr>
+      </p:pic>
+      <p:pic>
+        <p:nvPicPr>
+          <p:cNvPr id="61" name="Image 8" hidden="0"/>
+          <p:cNvPicPr>
+            <a:picLocks noChangeAspect="1"/>
+          </p:cNvPicPr>
+          <p:nvPr isPhoto="0" userDrawn="0"/>
         </p:nvPicPr>
         <p:blipFill>
           <a:blip r:embed="rId8"/>
-          <a:stretch>
-            <a:fillRect/>
-          </a:stretch>
+          <a:stretch/>
         </p:blipFill>
-        <p:spPr>
-          <a:xfrm>
-            <a:off x="120650" y="3580891"/>
-            <a:ext cx="836083" cy="345180"/>
+        <p:spPr bwMode="auto">
+          <a:xfrm>
+            <a:off x="-12700" y="5978098"/>
+            <a:ext cx="965200" cy="345180"/>
           </a:xfrm>
           <a:prstGeom prst="rect">
             <a:avLst/>
@@ -7509,54 +6905,18 @@
       </p:pic>
       <p:pic>
         <p:nvPicPr>
-          <p:cNvPr id="9" name="Image 8">
-            <a:extLst>
-              <a:ext uri="{FF2B5EF4-FFF2-40B4-BE49-F238E27FC236}">
-                <a16:creationId xmlns:a16="http://schemas.microsoft.com/office/drawing/2014/main" id="{12644731-43EC-452A-A431-86AD9517FAE3}"/>
-              </a:ext>
-            </a:extLst>
-          </p:cNvPr>
-          <p:cNvPicPr>
-            <a:picLocks noChangeAspect="1"/>
-          </p:cNvPicPr>
-          <p:nvPr/>
+          <p:cNvPr id="62" name="Image 62" hidden="0"/>
+          <p:cNvPicPr/>
+          <p:nvPr isPhoto="0" userDrawn="0"/>
         </p:nvPicPr>
         <p:blipFill>
           <a:blip r:embed="rId9"/>
-          <a:stretch>
-            <a:fillRect/>
-          </a:stretch>
-        </p:blipFill>
-        <p:spPr>
-          <a:xfrm>
-            <a:off x="-12700" y="5978098"/>
-            <a:ext cx="965200" cy="345180"/>
-          </a:xfrm>
-          <a:prstGeom prst="rect">
-            <a:avLst/>
-          </a:prstGeom>
-        </p:spPr>
-      </p:pic>
-      <p:pic>
-        <p:nvPicPr>
-          <p:cNvPr id="63" name="Image 62">
-            <a:extLst>
-              <a:ext uri="{FF2B5EF4-FFF2-40B4-BE49-F238E27FC236}">
-                <a16:creationId xmlns:a16="http://schemas.microsoft.com/office/drawing/2014/main" id="{487881DD-BDD3-4F82-8383-8400E52BBE19}"/>
-              </a:ext>
-            </a:extLst>
-          </p:cNvPr>
-          <p:cNvPicPr/>
-          <p:nvPr/>
-        </p:nvPicPr>
-        <p:blipFill rotWithShape="1">
-          <a:blip r:embed="rId10"/>
-          <a:srcRect r="2061" b="11581"/>
+          <a:srcRect l="0" t="0" r="2061" b="11581"/>
           <a:stretch/>
         </p:blipFill>
-        <p:spPr>
-          <a:xfrm>
-            <a:off x="5437285" y="355241"/>
+        <p:spPr bwMode="auto">
+          <a:xfrm>
+            <a:off x="5437284" y="355241"/>
             <a:ext cx="1890886" cy="1943640"/>
           </a:xfrm>
           <a:prstGeom prst="flowChartConnector">
@@ -7565,18 +6925,16 @@
           <a:ln>
             <a:noFill/>
           </a:ln>
-          <a:effectLst>
-            <a:softEdge rad="63500"/>
-          </a:effectLst>
         </p:spPr>
       </p:pic>
       <p:cxnSp>
         <p:nvCxnSpPr>
-          <p:cNvPr id="62" name="Straight Connector 91"/>
-          <p:cNvCxnSpPr/>
-          <p:nvPr/>
+          <p:cNvPr id="63" name="Straight Connector 91" hidden="0"/>
+          <p:cNvCxnSpPr>
+            <a:cxnSpLocks/>
+          </p:cNvCxnSpPr>
         </p:nvCxnSpPr>
-        <p:spPr>
+        <p:spPr bwMode="auto">
           <a:xfrm>
             <a:off x="956733" y="7464150"/>
             <a:ext cx="4114800" cy="0"/>
@@ -7589,7 +6947,6 @@
               <a:srgbClr val="E7E7EA"/>
             </a:solidFill>
           </a:ln>
-          <a:effectLst/>
         </p:spPr>
         <p:style>
           <a:lnRef idx="2">
@@ -7608,11 +6965,11 @@
       </p:cxnSp>
       <p:sp>
         <p:nvSpPr>
-          <p:cNvPr id="94" name="Oval 98"/>
+          <p:cNvPr id="64" name="Oval 98" hidden="0"/>
           <p:cNvSpPr/>
-          <p:nvPr/>
-        </p:nvSpPr>
-        <p:spPr>
+          <p:nvPr isPhoto="0" userDrawn="0"/>
+        </p:nvSpPr>
+        <p:spPr bwMode="auto">
           <a:xfrm>
             <a:off x="328530" y="9506267"/>
             <a:ext cx="415986" cy="415986"/>
@@ -7645,32 +7002,26 @@
           <a:bodyPr rtlCol="0" anchor="ctr"/>
           <a:lstStyle/>
           <a:p>
-            <a:pPr algn="ctr"/>
+            <a:pPr algn="ctr">
+              <a:defRPr/>
+            </a:pPr>
             <a:endParaRPr lang="en-US"/>
           </a:p>
         </p:txBody>
       </p:sp>
       <p:pic>
         <p:nvPicPr>
-          <p:cNvPr id="12" name="Image 11">
-            <a:extLst>
-              <a:ext uri="{FF2B5EF4-FFF2-40B4-BE49-F238E27FC236}">
-                <a16:creationId xmlns:a16="http://schemas.microsoft.com/office/drawing/2014/main" id="{5FAA51DA-5C6A-4205-9733-523A5304140A}"/>
-              </a:ext>
-            </a:extLst>
-          </p:cNvPr>
+          <p:cNvPr id="65" name="Image 11" hidden="0"/>
           <p:cNvPicPr>
             <a:picLocks noChangeAspect="1"/>
           </p:cNvPicPr>
-          <p:nvPr/>
+          <p:nvPr isPhoto="0" userDrawn="0"/>
         </p:nvPicPr>
         <p:blipFill>
-          <a:blip r:embed="rId11"/>
-          <a:stretch>
-            <a:fillRect/>
-          </a:stretch>
+          <a:blip r:embed="rId10"/>
+          <a:stretch/>
         </p:blipFill>
-        <p:spPr>
+        <p:spPr bwMode="auto">
           <a:xfrm>
             <a:off x="360630" y="9571634"/>
             <a:ext cx="350619" cy="350619"/>
@@ -7682,17 +7033,13 @@
       </p:pic>
       <p:sp>
         <p:nvSpPr>
-          <p:cNvPr id="14" name="ZoneTexte 13">
-            <a:extLst>
-              <a:ext uri="{FF2B5EF4-FFF2-40B4-BE49-F238E27FC236}">
-                <a16:creationId xmlns:a16="http://schemas.microsoft.com/office/drawing/2014/main" id="{774212C5-01BB-4ECA-82D2-A93891C0DFD8}"/>
-              </a:ext>
-            </a:extLst>
-          </p:cNvPr>
-          <p:cNvSpPr txBox="1"/>
-          <p:nvPr/>
-        </p:nvSpPr>
-        <p:spPr>
+          <p:cNvPr id="66" name="ZoneTexte 13" hidden="0"/>
+          <p:cNvSpPr>
+            <a:spLocks noAdjustHandles="0" noChangeArrowheads="0"/>
+          </p:cNvSpPr>
+          <p:nvPr isPhoto="0" userDrawn="0"/>
+        </p:nvSpPr>
+        <p:spPr bwMode="auto">
           <a:xfrm>
             <a:off x="1038860" y="9613503"/>
             <a:ext cx="4150495" cy="600164"/>
@@ -7708,20 +7055,31 @@
           </a:bodyPr>
           <a:lstStyle/>
           <a:p>
-            <a:r>
-              <a:rPr lang="fr-BE" sz="1100" dirty="0"/>
+            <a:pPr>
+              <a:defRPr/>
+            </a:pPr>
+            <a:r>
+              <a:rPr lang="fr-BE" sz="1100"/>
               <a:t>J’aime faire du sport et passer du temps avec mes amis et ma famille.</a:t>
             </a:r>
-          </a:p>
-          <a:p>
-            <a:r>
-              <a:rPr lang="fr-BE" sz="1100" dirty="0"/>
+            <a:endParaRPr/>
+          </a:p>
+          <a:p>
+            <a:pPr>
+              <a:defRPr/>
+            </a:pPr>
+            <a:r>
+              <a:rPr lang="fr-BE" sz="1100"/>
               <a:t>Je pratique de la course à pied et du bodybuilding.</a:t>
             </a:r>
-          </a:p>
-          <a:p>
-            <a:r>
-              <a:rPr lang="fr-BE" sz="1100" dirty="0"/>
+            <a:endParaRPr/>
+          </a:p>
+          <a:p>
+            <a:pPr>
+              <a:defRPr/>
+            </a:pPr>
+            <a:r>
+              <a:rPr lang="fr-BE" sz="1100"/>
               <a:t>De plus, j’aime écouter de la musique et apprécie </a:t>
             </a:r>
             <a:r>
@@ -7729,27 +7087,187 @@
               <a:t>le théâtre</a:t>
             </a:r>
             <a:r>
-              <a:rPr lang="fr-BE" sz="1100" dirty="0"/>
+              <a:rPr lang="fr-BE" sz="1100"/>
               <a:t>.</a:t>
             </a:r>
+            <a:endParaRPr/>
+          </a:p>
+        </p:txBody>
+      </p:sp>
+      <p:graphicFrame>
+        <p:nvGraphicFramePr>
+          <p:cNvPr id="67" name="Tableau 13" hidden="0"/>
+          <p:cNvGraphicFramePr>
+            <a:graphicFrameLocks xmlns:a="http://schemas.openxmlformats.org/drawingml/2006/main"/>
+          </p:cNvGraphicFramePr>
+          <p:nvPr isPhoto="0" userDrawn="0"/>
+        </p:nvGraphicFramePr>
+        <p:xfrm>
+          <a:off x="1032932" y="4163119"/>
+          <a:ext cx="4114798" cy="837230"/>
+        </p:xfrm>
+        <a:graphic>
+          <a:graphicData uri="http://schemas.openxmlformats.org/drawingml/2006/table">
+            <a:tbl>
+              <a:tblPr firstRow="1" firstCol="0" lastRow="0" lastCol="0" bandRow="1" bandCol="0"/>
+              <a:tblGrid>
+                <a:gridCol w="4114798"/>
+              </a:tblGrid>
+              <a:tr h="848341">
+                <a:tc>
+                  <a:txBody>
+                    <a:bodyPr/>
+                    <a:p>
+                      <a:pPr marL="0" indent="0">
+                        <a:lnSpc>
+                          <a:spcPct val="100000"/>
+                        </a:lnSpc>
+                        <a:buClr>
+                          <a:srgbClr val="00B050"/>
+                        </a:buClr>
+                        <a:buSzPct val="100000"/>
+                        <a:buFont typeface="Courier New"/>
+                        <a:buNone/>
+                        <a:defRPr/>
+                      </a:pPr>
+                      <a:r>
+                        <a:rPr lang="fr-FR" sz="1100" b="1" i="0">
+                          <a:solidFill>
+                            <a:schemeClr val="tx1"/>
+                          </a:solidFill>
+                          <a:latin typeface="+mn-lt"/>
+                          <a:ea typeface="Times New Roman"/>
+                          <a:cs typeface="Times New Roman"/>
+                        </a:rPr>
+                        <a:t> Stage</a:t>
+                      </a:r>
+                      <a:endParaRPr/>
+                    </a:p>
+                    <a:p>
+                      <a:pPr algn="l">
+                        <a:defRPr/>
+                      </a:pPr>
+                      <a:r>
+                        <a:rPr lang="fr-FR" sz="1050" b="1" i="0">
+                          <a:solidFill>
+                            <a:srgbClr val="7F7F7F"/>
+                          </a:solidFill>
+                          <a:latin typeface="+mn-lt"/>
+                          <a:ea typeface="Times New Roman"/>
+                          <a:cs typeface="Times New Roman"/>
+                        </a:rPr>
+                        <a:t>xxxxxxx</a:t>
+                      </a:r>
+                      <a:endParaRPr lang="fr-FR" sz="1050" b="1" i="0">
+                        <a:solidFill>
+                          <a:srgbClr val="7F7F7F"/>
+                        </a:solidFill>
+                        <a:latin typeface="+mn-lt"/>
+                        <a:ea typeface="Times New Roman"/>
+                        <a:cs typeface="Times New Roman"/>
+                      </a:endParaRPr>
+                    </a:p>
+                    <a:p>
+                      <a:pPr marL="171450" indent="-171450" algn="l">
+                        <a:buFont typeface="Arial"/>
+                        <a:buChar char="•"/>
+                        <a:defRPr/>
+                      </a:pPr>
+                      <a:r>
+                        <a:rPr lang="fr-BE" sz="1200" b="0" i="0" u="none" strike="noStrike">
+                          <a:solidFill>
+                            <a:schemeClr val="tx1"/>
+                          </a:solidFill>
+                          <a:latin typeface="+mn-lt"/>
+                          <a:ea typeface="+mn-ea"/>
+                          <a:cs typeface="+mn-cs"/>
+                        </a:rPr>
+                        <a:t> xxxxx</a:t>
+                      </a:r>
+                      <a:endParaRPr/>
+                    </a:p>
+                  </a:txBody>
+                  <a:tcPr marL="86221" marR="86221" marT="43110" marB="43110">
+                    <a:lnL w="3174" algn="ctr">
+                      <a:noFill/>
+                    </a:lnL>
+                    <a:lnR w="12699" algn="ctr">
+                      <a:noFill/>
+                    </a:lnR>
+                    <a:lnT w="12699" algn="ctr">
+                      <a:noFill/>
+                    </a:lnT>
+                    <a:lnB w="9524" algn="ctr">
+                      <a:noFill/>
+                    </a:lnB>
+                  </a:tcPr>
+                </a:tc>
+              </a:tr>
+            </a:tbl>
+          </a:graphicData>
+        </a:graphic>
+      </p:graphicFrame>
+      <p:sp>
+        <p:nvSpPr>
+          <p:cNvPr id="68" name="" hidden="0"/>
+          <p:cNvSpPr/>
+          <p:nvPr isPhoto="0" userDrawn="0"/>
+        </p:nvSpPr>
+        <p:spPr bwMode="auto">
+          <a:xfrm flipH="0" flipV="0">
+            <a:off x="250189" y="4139380"/>
+            <a:ext cx="571500" cy="248762"/>
+          </a:xfrm>
+          <a:prstGeom prst="rect">
+            <a:avLst/>
+          </a:prstGeom>
+          <a:noFill/>
+        </p:spPr>
+        <p:txBody>
+          <a:bodyPr vertOverflow="overflow" horzOverflow="clip" vert="horz" wrap="square" lIns="91440" tIns="45720" rIns="91440" bIns="45720" numCol="1" spcCol="0" rtlCol="0" fromWordArt="0" anchor="t" anchorCtr="0" forceAA="0" upright="0" compatLnSpc="0">
+            <a:noAutofit/>
+          </a:bodyPr>
+          <a:p>
+            <a:pPr>
+              <a:defRPr/>
+            </a:pPr>
+            <a:r>
+              <a:rPr sz="1100"/>
+              <a:t> </a:t>
+            </a:r>
+            <a:r>
+              <a:rPr lang="fr-FR" sz="1100" b="1" i="0" u="none" strike="noStrike" cap="none" spc="0">
+                <a:solidFill>
+                  <a:srgbClr val="58585A"/>
+                </a:solidFill>
+                <a:latin typeface="+mn-lt"/>
+                <a:ea typeface="Times New Roman"/>
+                <a:cs typeface="Times New Roman"/>
+              </a:rPr>
+              <a:t>2019</a:t>
+            </a:r>
+            <a:endParaRPr sz="1100"/>
           </a:p>
         </p:txBody>
       </p:sp>
     </p:spTree>
-    <p:extLst>
-      <p:ext uri="{BB962C8B-B14F-4D97-AF65-F5344CB8AC3E}">
-        <p14:creationId xmlns:p14="http://schemas.microsoft.com/office/powerpoint/2010/main" val="756935666"/>
-      </p:ext>
-    </p:extLst>
   </p:cSld>
   <p:clrMapOvr>
     <a:masterClrMapping/>
   </p:clrMapOvr>
+  <mc:AlternateContent xmlns:mc="http://schemas.openxmlformats.org/markup-compatibility/2006">
+    <mc:Choice xmlns:p14="http://schemas.microsoft.com/office/powerpoint/2010/main" Requires="p14">
+      <p:transition p14:dur="2000" advClick="1"/>
+    </mc:Choice>
+    <mc:Fallback>
+      <p:transition advClick="1"/>
+    </mc:Fallback>
+  </mc:AlternateContent>
 </p:sld>
 </file>
 
 <file path=ppt/theme/theme1.xml><?xml version="1.0" encoding="utf-8"?>
-<a:theme xmlns:a="http://schemas.openxmlformats.org/drawingml/2006/main" name="Thème Office">
+<a:theme xmlns:a="http://schemas.openxmlformats.org/drawingml/2006/main" xmlns:r="http://schemas.openxmlformats.org/officeDocument/2006/relationships" xmlns:p="http://schemas.openxmlformats.org/presentationml/2006/main" name="Thème Office">
   <a:themeElements>
     <a:clrScheme name="Bureau">
       <a:dk1>
@@ -7792,73 +7310,13 @@
     <a:fontScheme name="Bureau">
       <a:majorFont>
         <a:latin typeface="Calibri"/>
-        <a:ea typeface=""/>
-        <a:cs typeface=""/>
-        <a:font script="Jpan" typeface="ＭＳ Ｐゴシック"/>
-        <a:font script="Hang" typeface="맑은 고딕"/>
-        <a:font script="Hans" typeface="宋体"/>
-        <a:font script="Hant" typeface="新細明體"/>
-        <a:font script="Arab" typeface="Times New Roman"/>
-        <a:font script="Hebr" typeface="Times New Roman"/>
-        <a:font script="Thai" typeface="Angsana New"/>
-        <a:font script="Ethi" typeface="Nyala"/>
-        <a:font script="Beng" typeface="Vrinda"/>
-        <a:font script="Gujr" typeface="Shruti"/>
-        <a:font script="Khmr" typeface="MoolBoran"/>
-        <a:font script="Knda" typeface="Tunga"/>
-        <a:font script="Guru" typeface="Raavi"/>
-        <a:font script="Cans" typeface="Euphemia"/>
-        <a:font script="Cher" typeface="Plantagenet Cherokee"/>
-        <a:font script="Yiii" typeface="Microsoft Yi Baiti"/>
-        <a:font script="Tibt" typeface="Microsoft Himalaya"/>
-        <a:font script="Thaa" typeface="MV Boli"/>
-        <a:font script="Deva" typeface="Mangal"/>
-        <a:font script="Telu" typeface="Gautami"/>
-        <a:font script="Taml" typeface="Latha"/>
-        <a:font script="Syrc" typeface="Estrangelo Edessa"/>
-        <a:font script="Orya" typeface="Kalinga"/>
-        <a:font script="Mlym" typeface="Kartika"/>
-        <a:font script="Laoo" typeface="DokChampa"/>
-        <a:font script="Sinh" typeface="Iskoola Pota"/>
-        <a:font script="Mong" typeface="Mongolian Baiti"/>
-        <a:font script="Viet" typeface="Times New Roman"/>
-        <a:font script="Uigh" typeface="Microsoft Uighur"/>
-        <a:font script="Geor" typeface="Sylfaen"/>
+        <a:ea typeface="Arial"/>
+        <a:cs typeface="Arial"/>
       </a:majorFont>
       <a:minorFont>
         <a:latin typeface="Calibri"/>
-        <a:ea typeface=""/>
-        <a:cs typeface=""/>
-        <a:font script="Jpan" typeface="ＭＳ Ｐゴシック"/>
-        <a:font script="Hang" typeface="맑은 고딕"/>
-        <a:font script="Hans" typeface="宋体"/>
-        <a:font script="Hant" typeface="新細明體"/>
-        <a:font script="Arab" typeface="Arial"/>
-        <a:font script="Hebr" typeface="Arial"/>
-        <a:font script="Thai" typeface="Cordia New"/>
-        <a:font script="Ethi" typeface="Nyala"/>
-        <a:font script="Beng" typeface="Vrinda"/>
-        <a:font script="Gujr" typeface="Shruti"/>
-        <a:font script="Khmr" typeface="DaunPenh"/>
-        <a:font script="Knda" typeface="Tunga"/>
-        <a:font script="Guru" typeface="Raavi"/>
-        <a:font script="Cans" typeface="Euphemia"/>
-        <a:font script="Cher" typeface="Plantagenet Cherokee"/>
-        <a:font script="Yiii" typeface="Microsoft Yi Baiti"/>
-        <a:font script="Tibt" typeface="Microsoft Himalaya"/>
-        <a:font script="Thaa" typeface="MV Boli"/>
-        <a:font script="Deva" typeface="Mangal"/>
-        <a:font script="Telu" typeface="Gautami"/>
-        <a:font script="Taml" typeface="Latha"/>
-        <a:font script="Syrc" typeface="Estrangelo Edessa"/>
-        <a:font script="Orya" typeface="Kalinga"/>
-        <a:font script="Mlym" typeface="Kartika"/>
-        <a:font script="Laoo" typeface="DokChampa"/>
-        <a:font script="Sinh" typeface="Iskoola Pota"/>
-        <a:font script="Mong" typeface="Mongolian Baiti"/>
-        <a:font script="Viet" typeface="Arial"/>
-        <a:font script="Uigh" typeface="Microsoft Uighur"/>
-        <a:font script="Geor" typeface="Sylfaen"/>
+        <a:ea typeface="Arial"/>
+        <a:cs typeface="Arial"/>
       </a:minorFont>
     </a:fontScheme>
     <a:fmtScheme name="Bureau">
@@ -7866,7 +7324,7 @@
         <a:solidFill>
           <a:schemeClr val="phClr"/>
         </a:solidFill>
-        <a:gradFill rotWithShape="1">
+        <a:gradFill>
           <a:gsLst>
             <a:gs pos="0">
               <a:schemeClr val="phClr">
@@ -7889,7 +7347,7 @@
           </a:gsLst>
           <a:lin ang="16200000" scaled="1"/>
         </a:gradFill>
-        <a:gradFill rotWithShape="1">
+        <a:gradFill>
           <a:gsLst>
             <a:gs pos="0">
               <a:schemeClr val="phClr">
@@ -7959,24 +7417,13 @@
               </a:srgbClr>
             </a:outerShdw>
           </a:effectLst>
-          <a:scene3d>
-            <a:camera prst="orthographicFront">
-              <a:rot lat="0" lon="0" rev="0"/>
-            </a:camera>
-            <a:lightRig rig="threePt" dir="t">
-              <a:rot lat="0" lon="0" rev="1200000"/>
-            </a:lightRig>
-          </a:scene3d>
-          <a:sp3d>
-            <a:bevelT w="63500" h="25400"/>
-          </a:sp3d>
         </a:effectStyle>
       </a:effectStyleLst>
       <a:bgFillStyleLst>
         <a:solidFill>
           <a:schemeClr val="phClr"/>
         </a:solidFill>
-        <a:gradFill rotWithShape="1">
+        <a:gradFill>
           <a:gsLst>
             <a:gs pos="0">
               <a:schemeClr val="phClr">
@@ -7998,11 +7445,9 @@
               </a:schemeClr>
             </a:gs>
           </a:gsLst>
-          <a:path path="circle">
-            <a:fillToRect l="50000" t="-80000" r="50000" b="180000"/>
-          </a:path>
+          <a:path path="circle"/>
         </a:gradFill>
-        <a:gradFill rotWithShape="1">
+        <a:gradFill>
           <a:gsLst>
             <a:gs pos="0">
               <a:schemeClr val="phClr">
@@ -8017,16 +7462,14 @@
               </a:schemeClr>
             </a:gs>
           </a:gsLst>
-          <a:path path="circle">
-            <a:fillToRect l="50000" t="50000" r="50000" b="50000"/>
-          </a:path>
+          <a:path path="circle"/>
         </a:gradFill>
       </a:bgFillStyleLst>
     </a:fmtScheme>
   </a:themeElements>
   <a:objectDefaults>
     <a:spDef>
-      <a:spPr/>
+      <a:spPr bwMode="auto"/>
       <a:bodyPr/>
       <a:lstStyle/>
       <a:style>
@@ -8045,7 +7488,7 @@
       </a:style>
     </a:spDef>
     <a:lnDef>
-      <a:spPr/>
+      <a:spPr bwMode="auto"/>
       <a:bodyPr/>
       <a:lstStyle/>
       <a:style>
@@ -8064,267 +7507,5 @@
       </a:style>
     </a:lnDef>
   </a:objectDefaults>
-  <a:extraClrSchemeLst/>
-</a:theme>
-</file>
-
-<file path=ppt/theme/theme2.xml><?xml version="1.0" encoding="utf-8"?>
-<a:theme xmlns:a="http://schemas.openxmlformats.org/drawingml/2006/main" name="Office Theme">
-  <a:themeElements>
-    <a:clrScheme name="Office">
-      <a:dk1>
-        <a:sysClr val="windowText" lastClr="000000"/>
-      </a:dk1>
-      <a:lt1>
-        <a:sysClr val="window" lastClr="FFFFFF"/>
-      </a:lt1>
-      <a:dk2>
-        <a:srgbClr val="44546A"/>
-      </a:dk2>
-      <a:lt2>
-        <a:srgbClr val="E7E6E6"/>
-      </a:lt2>
-      <a:accent1>
-        <a:srgbClr val="5B9BD5"/>
-      </a:accent1>
-      <a:accent2>
-        <a:srgbClr val="ED7D31"/>
-      </a:accent2>
-      <a:accent3>
-        <a:srgbClr val="A5A5A5"/>
-      </a:accent3>
-      <a:accent4>
-        <a:srgbClr val="FFC000"/>
-      </a:accent4>
-      <a:accent5>
-        <a:srgbClr val="4472C4"/>
-      </a:accent5>
-      <a:accent6>
-        <a:srgbClr val="70AD47"/>
-      </a:accent6>
-      <a:hlink>
-        <a:srgbClr val="0563C1"/>
-      </a:hlink>
-      <a:folHlink>
-        <a:srgbClr val="954F72"/>
-      </a:folHlink>
-    </a:clrScheme>
-    <a:fontScheme name="Office">
-      <a:majorFont>
-        <a:latin typeface="Calibri Light" panose="020F0302020204030204"/>
-        <a:ea typeface=""/>
-        <a:cs typeface=""/>
-        <a:font script="Jpan" typeface="Yu Gothic Light"/>
-        <a:font script="Hang" typeface="맑은 고딕"/>
-        <a:font script="Hans" typeface="DengXian Light"/>
-        <a:font script="Hant" typeface="新細明體"/>
-        <a:font script="Arab" typeface="Times New Roman"/>
-        <a:font script="Hebr" typeface="Times New Roman"/>
-        <a:font script="Thai" typeface="Angsana New"/>
-        <a:font script="Ethi" typeface="Nyala"/>
-        <a:font script="Beng" typeface="Vrinda"/>
-        <a:font script="Gujr" typeface="Shruti"/>
-        <a:font script="Khmr" typeface="MoolBoran"/>
-        <a:font script="Knda" typeface="Tunga"/>
-        <a:font script="Guru" typeface="Raavi"/>
-        <a:font script="Cans" typeface="Euphemia"/>
-        <a:font script="Cher" typeface="Plantagenet Cherokee"/>
-        <a:font script="Yiii" typeface="Microsoft Yi Baiti"/>
-        <a:font script="Tibt" typeface="Microsoft Himalaya"/>
-        <a:font script="Thaa" typeface="MV Boli"/>
-        <a:font script="Deva" typeface="Mangal"/>
-        <a:font script="Telu" typeface="Gautami"/>
-        <a:font script="Taml" typeface="Latha"/>
-        <a:font script="Syrc" typeface="Estrangelo Edessa"/>
-        <a:font script="Orya" typeface="Kalinga"/>
-        <a:font script="Mlym" typeface="Kartika"/>
-        <a:font script="Laoo" typeface="DokChampa"/>
-        <a:font script="Sinh" typeface="Iskoola Pota"/>
-        <a:font script="Mong" typeface="Mongolian Baiti"/>
-        <a:font script="Viet" typeface="Times New Roman"/>
-        <a:font script="Uigh" typeface="Microsoft Uighur"/>
-        <a:font script="Geor" typeface="Sylfaen"/>
-      </a:majorFont>
-      <a:minorFont>
-        <a:latin typeface="Calibri" panose="020F0502020204030204"/>
-        <a:ea typeface=""/>
-        <a:cs typeface=""/>
-        <a:font script="Jpan" typeface="Yu Gothic"/>
-        <a:font script="Hang" typeface="맑은 고딕"/>
-        <a:font script="Hans" typeface="DengXian"/>
-        <a:font script="Hant" typeface="新細明體"/>
-        <a:font script="Arab" typeface="Arial"/>
-        <a:font script="Hebr" typeface="Arial"/>
-        <a:font script="Thai" typeface="Cordia New"/>
-        <a:font script="Ethi" typeface="Nyala"/>
-        <a:font script="Beng" typeface="Vrinda"/>
-        <a:font script="Gujr" typeface="Shruti"/>
-        <a:font script="Khmr" typeface="DaunPenh"/>
-        <a:font script="Knda" typeface="Tunga"/>
-        <a:font script="Guru" typeface="Raavi"/>
-        <a:font script="Cans" typeface="Euphemia"/>
-        <a:font script="Cher" typeface="Plantagenet Cherokee"/>
-        <a:font script="Yiii" typeface="Microsoft Yi Baiti"/>
-        <a:font script="Tibt" typeface="Microsoft Himalaya"/>
-        <a:font script="Thaa" typeface="MV Boli"/>
-        <a:font script="Deva" typeface="Mangal"/>
-        <a:font script="Telu" typeface="Gautami"/>
-        <a:font script="Taml" typeface="Latha"/>
-        <a:font script="Syrc" typeface="Estrangelo Edessa"/>
-        <a:font script="Orya" typeface="Kalinga"/>
-        <a:font script="Mlym" typeface="Kartika"/>
-        <a:font script="Laoo" typeface="DokChampa"/>
-        <a:font script="Sinh" typeface="Iskoola Pota"/>
-        <a:font script="Mong" typeface="Mongolian Baiti"/>
-        <a:font script="Viet" typeface="Arial"/>
-        <a:font script="Uigh" typeface="Microsoft Uighur"/>
-        <a:font script="Geor" typeface="Sylfaen"/>
-      </a:minorFont>
-    </a:fontScheme>
-    <a:fmtScheme name="Office">
-      <a:fillStyleLst>
-        <a:solidFill>
-          <a:schemeClr val="phClr"/>
-        </a:solidFill>
-        <a:gradFill rotWithShape="1">
-          <a:gsLst>
-            <a:gs pos="0">
-              <a:schemeClr val="phClr">
-                <a:lumMod val="110000"/>
-                <a:satMod val="105000"/>
-                <a:tint val="67000"/>
-              </a:schemeClr>
-            </a:gs>
-            <a:gs pos="50000">
-              <a:schemeClr val="phClr">
-                <a:lumMod val="105000"/>
-                <a:satMod val="103000"/>
-                <a:tint val="73000"/>
-              </a:schemeClr>
-            </a:gs>
-            <a:gs pos="100000">
-              <a:schemeClr val="phClr">
-                <a:lumMod val="105000"/>
-                <a:satMod val="109000"/>
-                <a:tint val="81000"/>
-              </a:schemeClr>
-            </a:gs>
-          </a:gsLst>
-          <a:lin ang="5400000" scaled="0"/>
-        </a:gradFill>
-        <a:gradFill rotWithShape="1">
-          <a:gsLst>
-            <a:gs pos="0">
-              <a:schemeClr val="phClr">
-                <a:satMod val="103000"/>
-                <a:lumMod val="102000"/>
-                <a:tint val="94000"/>
-              </a:schemeClr>
-            </a:gs>
-            <a:gs pos="50000">
-              <a:schemeClr val="phClr">
-                <a:satMod val="110000"/>
-                <a:lumMod val="100000"/>
-                <a:shade val="100000"/>
-              </a:schemeClr>
-            </a:gs>
-            <a:gs pos="100000">
-              <a:schemeClr val="phClr">
-                <a:lumMod val="99000"/>
-                <a:satMod val="120000"/>
-                <a:shade val="78000"/>
-              </a:schemeClr>
-            </a:gs>
-          </a:gsLst>
-          <a:lin ang="5400000" scaled="0"/>
-        </a:gradFill>
-      </a:fillStyleLst>
-      <a:lnStyleLst>
-        <a:ln w="6350" cap="flat" cmpd="sng" algn="ctr">
-          <a:solidFill>
-            <a:schemeClr val="phClr"/>
-          </a:solidFill>
-          <a:prstDash val="solid"/>
-          <a:miter lim="800000"/>
-        </a:ln>
-        <a:ln w="12700" cap="flat" cmpd="sng" algn="ctr">
-          <a:solidFill>
-            <a:schemeClr val="phClr"/>
-          </a:solidFill>
-          <a:prstDash val="solid"/>
-          <a:miter lim="800000"/>
-        </a:ln>
-        <a:ln w="19050" cap="flat" cmpd="sng" algn="ctr">
-          <a:solidFill>
-            <a:schemeClr val="phClr"/>
-          </a:solidFill>
-          <a:prstDash val="solid"/>
-          <a:miter lim="800000"/>
-        </a:ln>
-      </a:lnStyleLst>
-      <a:effectStyleLst>
-        <a:effectStyle>
-          <a:effectLst/>
-        </a:effectStyle>
-        <a:effectStyle>
-          <a:effectLst/>
-        </a:effectStyle>
-        <a:effectStyle>
-          <a:effectLst>
-            <a:outerShdw blurRad="57150" dist="19050" dir="5400000" algn="ctr" rotWithShape="0">
-              <a:srgbClr val="000000">
-                <a:alpha val="63000"/>
-              </a:srgbClr>
-            </a:outerShdw>
-          </a:effectLst>
-        </a:effectStyle>
-      </a:effectStyleLst>
-      <a:bgFillStyleLst>
-        <a:solidFill>
-          <a:schemeClr val="phClr"/>
-        </a:solidFill>
-        <a:solidFill>
-          <a:schemeClr val="phClr">
-            <a:tint val="95000"/>
-            <a:satMod val="170000"/>
-          </a:schemeClr>
-        </a:solidFill>
-        <a:gradFill rotWithShape="1">
-          <a:gsLst>
-            <a:gs pos="0">
-              <a:schemeClr val="phClr">
-                <a:tint val="93000"/>
-                <a:satMod val="150000"/>
-                <a:shade val="98000"/>
-                <a:lumMod val="102000"/>
-              </a:schemeClr>
-            </a:gs>
-            <a:gs pos="50000">
-              <a:schemeClr val="phClr">
-                <a:tint val="98000"/>
-                <a:satMod val="130000"/>
-                <a:shade val="90000"/>
-                <a:lumMod val="103000"/>
-              </a:schemeClr>
-            </a:gs>
-            <a:gs pos="100000">
-              <a:schemeClr val="phClr">
-                <a:shade val="63000"/>
-                <a:satMod val="120000"/>
-              </a:schemeClr>
-            </a:gs>
-          </a:gsLst>
-          <a:lin ang="5400000" scaled="0"/>
-        </a:gradFill>
-      </a:bgFillStyleLst>
-    </a:fmtScheme>
-  </a:themeElements>
-  <a:objectDefaults/>
-  <a:extraClrSchemeLst/>
-  <a:extLst>
-    <a:ext uri="{05A4C25C-085E-4340-85A3-A5531E510DB2}">
-      <thm15:themeFamily xmlns:thm15="http://schemas.microsoft.com/office/thememl/2012/main" name="Office Theme" id="{62F939B6-93AF-4DB8-9C6B-D6C7DFDC589F}" vid="{4A3C46E8-61CC-4603-A589-7422A47A8E4A}"/>
-    </a:ext>
-  </a:extLst>
 </a:theme>
 </file>